--- a/Final Project.pptx
+++ b/Final Project.pptx
@@ -2,7 +2,7 @@
 <file path=ppt/presentation.xml><?xml version="1.0" encoding="utf-8"?>
 <p:presentation xmlns:a="http://schemas.openxmlformats.org/drawingml/2006/main" xmlns:r="http://schemas.openxmlformats.org/officeDocument/2006/relationships" xmlns:p="http://schemas.openxmlformats.org/presentationml/2006/main" saveSubsetFonts="1" autoCompressPictures="0">
   <p:sldMasterIdLst>
-    <p:sldMasterId id="2147483672" r:id="rId1"/>
+    <p:sldMasterId id="2147483732" r:id="rId1"/>
   </p:sldMasterIdLst>
   <p:notesMasterIdLst>
     <p:notesMasterId r:id="rId12"/>
@@ -1843,14 +1843,21 @@
     </dgm:pt>
     <dgm:pt modelId="{0AE9A8CC-6EA4-4DEE-8A8D-A317FDF6155B}">
       <dgm:prSet/>
-      <dgm:spPr/>
+      <dgm:spPr>
+        <a:solidFill>
+          <a:schemeClr val="accent2">
+            <a:lumMod val="60000"/>
+            <a:lumOff val="40000"/>
+          </a:schemeClr>
+        </a:solidFill>
+      </dgm:spPr>
       <dgm:t>
         <a:bodyPr/>
         <a:lstStyle/>
         <a:p>
           <a:r>
-            <a:rPr lang="en-US"/>
-            <a:t>Oracle annual stock bonus allowed me to pay down most of the cost of my first house</a:t>
+            <a:rPr lang="en-US" dirty="0"/>
+            <a:t>Oracle Stock Options</a:t>
           </a:r>
         </a:p>
       </dgm:t>
@@ -1879,14 +1886,16 @@
     </dgm:pt>
     <dgm:pt modelId="{42150717-1ED3-44C1-B55F-338F48AA2382}">
       <dgm:prSet/>
-      <dgm:spPr/>
+      <dgm:spPr>
+        <a:noFill/>
+      </dgm:spPr>
       <dgm:t>
         <a:bodyPr/>
         <a:lstStyle/>
         <a:p>
           <a:r>
-            <a:rPr lang="en-US"/>
-            <a:t>I started to follow and invest in stocks over the years as a result</a:t>
+            <a:rPr lang="en-US" dirty="0"/>
+            <a:t>result: an interest in stocks </a:t>
           </a:r>
         </a:p>
       </dgm:t>
@@ -1913,88 +1922,23 @@
         </a:p>
       </dgm:t>
     </dgm:pt>
-    <dgm:pt modelId="{6EFD1A81-67EF-4013-836A-2FA7307BC27E}">
+    <dgm:pt modelId="{955DF5A3-51E2-468E-89F8-0BFC85DA0382}">
       <dgm:prSet/>
-      <dgm:spPr/>
-      <dgm:t>
-        <a:bodyPr/>
-        <a:lstStyle/>
-        <a:p>
-          <a:r>
-            <a:rPr lang="en-US"/>
-            <a:t>I attended an MBA (partly) to learn about companies and finance</a:t>
-          </a:r>
-        </a:p>
-      </dgm:t>
-    </dgm:pt>
-    <dgm:pt modelId="{52A12296-B824-494F-8AEF-14696CCAB379}" type="parTrans" cxnId="{DCA951C0-7E7D-480C-B7BC-5222D5569B47}">
-      <dgm:prSet/>
-      <dgm:spPr/>
-      <dgm:t>
-        <a:bodyPr/>
-        <a:lstStyle/>
-        <a:p>
-          <a:endParaRPr lang="en-US"/>
-        </a:p>
-      </dgm:t>
-    </dgm:pt>
-    <dgm:pt modelId="{2AFCA2CC-0AF4-404E-8A8C-403C775DE9B0}" type="sibTrans" cxnId="{DCA951C0-7E7D-480C-B7BC-5222D5569B47}">
-      <dgm:prSet/>
-      <dgm:spPr/>
-      <dgm:t>
-        <a:bodyPr/>
-        <a:lstStyle/>
-        <a:p>
-          <a:endParaRPr lang="en-US"/>
-        </a:p>
-      </dgm:t>
-    </dgm:pt>
-    <dgm:pt modelId="{340B6793-3E20-4193-84D5-BBC94FAC7F88}">
-      <dgm:prSet/>
-      <dgm:spPr/>
+      <dgm:spPr>
+        <a:solidFill>
+          <a:schemeClr val="accent2">
+            <a:lumMod val="60000"/>
+            <a:lumOff val="40000"/>
+          </a:schemeClr>
+        </a:solidFill>
+      </dgm:spPr>
       <dgm:t>
         <a:bodyPr/>
         <a:lstStyle/>
         <a:p>
           <a:r>
             <a:rPr lang="en-US" dirty="0"/>
-            <a:t>At my MBA, the Capital Asset Pricing Model was drilled into students (including me!)</a:t>
-          </a:r>
-        </a:p>
-      </dgm:t>
-    </dgm:pt>
-    <dgm:pt modelId="{70FD47F1-195D-47A9-A15E-2EADFA30DDB6}" type="parTrans" cxnId="{C0378585-3E21-4FDE-A7BF-6A2AD07853FB}">
-      <dgm:prSet/>
-      <dgm:spPr/>
-      <dgm:t>
-        <a:bodyPr/>
-        <a:lstStyle/>
-        <a:p>
-          <a:endParaRPr lang="en-US"/>
-        </a:p>
-      </dgm:t>
-    </dgm:pt>
-    <dgm:pt modelId="{94ED8EF0-97BA-4E65-AE68-37C17844AFAD}" type="sibTrans" cxnId="{C0378585-3E21-4FDE-A7BF-6A2AD07853FB}">
-      <dgm:prSet/>
-      <dgm:spPr/>
-      <dgm:t>
-        <a:bodyPr/>
-        <a:lstStyle/>
-        <a:p>
-          <a:endParaRPr lang="en-US"/>
-        </a:p>
-      </dgm:t>
-    </dgm:pt>
-    <dgm:pt modelId="{955DF5A3-51E2-468E-89F8-0BFC85DA0382}">
-      <dgm:prSet/>
-      <dgm:spPr/>
-      <dgm:t>
-        <a:bodyPr/>
-        <a:lstStyle/>
-        <a:p>
-          <a:r>
-            <a:rPr lang="en-US"/>
-            <a:t>Finance has in the meantime moved on and recognizes that CAPM is a simplistic model and that not all the stock market is efficient</a:t>
+            <a:t>Reality: stock markets are inefficient</a:t>
           </a:r>
         </a:p>
       </dgm:t>
@@ -2023,14 +1967,21 @@
     </dgm:pt>
     <dgm:pt modelId="{A8792E16-59D4-4D7D-9052-B15DF817E89A}">
       <dgm:prSet/>
-      <dgm:spPr/>
+      <dgm:spPr>
+        <a:solidFill>
+          <a:schemeClr val="accent2">
+            <a:lumMod val="60000"/>
+            <a:lumOff val="40000"/>
+          </a:schemeClr>
+        </a:solidFill>
+      </dgm:spPr>
       <dgm:t>
         <a:bodyPr/>
         <a:lstStyle/>
         <a:p>
           <a:r>
-            <a:rPr lang="en-US"/>
-            <a:t>I wanted to see if we can exploit the inefficiencies in the stock market</a:t>
+            <a:rPr lang="en-US" dirty="0"/>
+            <a:t>Can we exploit these inefficiencies?</a:t>
           </a:r>
         </a:p>
       </dgm:t>
@@ -2059,14 +2010,21 @@
     </dgm:pt>
     <dgm:pt modelId="{2E4B6604-D8EC-41D1-96C7-976B45D7BC79}">
       <dgm:prSet/>
-      <dgm:spPr/>
+      <dgm:spPr>
+        <a:solidFill>
+          <a:schemeClr val="accent2">
+            <a:lumMod val="60000"/>
+            <a:lumOff val="40000"/>
+          </a:schemeClr>
+        </a:solidFill>
+      </dgm:spPr>
       <dgm:t>
         <a:bodyPr/>
         <a:lstStyle/>
         <a:p>
           <a:r>
-            <a:rPr lang="en-US"/>
-            <a:t>Time series are widely applicable (well logs, medical records, etc)</a:t>
+            <a:rPr lang="en-US" dirty="0"/>
+            <a:t>Time series widely applicable</a:t>
           </a:r>
         </a:p>
       </dgm:t>
@@ -2093,6 +2051,123 @@
         </a:p>
       </dgm:t>
     </dgm:pt>
+    <dgm:pt modelId="{4212245F-AE41-B744-BC0B-E3A5DC9CA70B}">
+      <dgm:prSet/>
+      <dgm:spPr>
+        <a:solidFill>
+          <a:schemeClr val="accent2">
+            <a:lumMod val="60000"/>
+            <a:lumOff val="40000"/>
+          </a:schemeClr>
+        </a:solidFill>
+      </dgm:spPr>
+      <dgm:t>
+        <a:bodyPr/>
+        <a:lstStyle/>
+        <a:p>
+          <a:r>
+            <a:rPr lang="en-US" dirty="0"/>
+            <a:t>MBA</a:t>
+          </a:r>
+        </a:p>
+      </dgm:t>
+    </dgm:pt>
+    <dgm:pt modelId="{D01D440B-D05E-7B40-B789-FD2F0641183B}" type="parTrans" cxnId="{0E12429A-BC69-5E4C-B318-4D306C723ECD}">
+      <dgm:prSet/>
+      <dgm:spPr/>
+      <dgm:t>
+        <a:bodyPr/>
+        <a:lstStyle/>
+        <a:p>
+          <a:endParaRPr lang="en-US"/>
+        </a:p>
+      </dgm:t>
+    </dgm:pt>
+    <dgm:pt modelId="{DB6C7858-BD21-ED43-A44C-91C50A062867}" type="sibTrans" cxnId="{0E12429A-BC69-5E4C-B318-4D306C723ECD}">
+      <dgm:prSet/>
+      <dgm:spPr/>
+      <dgm:t>
+        <a:bodyPr/>
+        <a:lstStyle/>
+        <a:p>
+          <a:endParaRPr lang="en-US"/>
+        </a:p>
+      </dgm:t>
+    </dgm:pt>
+    <dgm:pt modelId="{A10EB787-9B55-EE4B-9E9F-1A8E2E1B3017}">
+      <dgm:prSet/>
+      <dgm:spPr>
+        <a:noFill/>
+      </dgm:spPr>
+      <dgm:t>
+        <a:bodyPr/>
+        <a:lstStyle/>
+        <a:p>
+          <a:r>
+            <a:rPr lang="en-US" dirty="0"/>
+            <a:t>pay part of my first house</a:t>
+          </a:r>
+        </a:p>
+      </dgm:t>
+    </dgm:pt>
+    <dgm:pt modelId="{0F128404-B786-5248-8986-2DF08B9643EE}" type="parTrans" cxnId="{0256D0D8-2893-504F-B007-E62CC957225A}">
+      <dgm:prSet/>
+      <dgm:spPr/>
+      <dgm:t>
+        <a:bodyPr/>
+        <a:lstStyle/>
+        <a:p>
+          <a:endParaRPr lang="en-US"/>
+        </a:p>
+      </dgm:t>
+    </dgm:pt>
+    <dgm:pt modelId="{353034DD-AFC2-724D-A3BC-44EE6FF4935D}" type="sibTrans" cxnId="{0256D0D8-2893-504F-B007-E62CC957225A}">
+      <dgm:prSet/>
+      <dgm:spPr/>
+      <dgm:t>
+        <a:bodyPr/>
+        <a:lstStyle/>
+        <a:p>
+          <a:endParaRPr lang="en-US"/>
+        </a:p>
+      </dgm:t>
+    </dgm:pt>
+    <dgm:pt modelId="{14B772C7-3B9F-1A42-8639-1CCE3E08FD57}">
+      <dgm:prSet/>
+      <dgm:spPr/>
+      <dgm:t>
+        <a:bodyPr/>
+        <a:lstStyle/>
+        <a:p>
+          <a:r>
+            <a:rPr lang="en-US" dirty="0"/>
+            <a:t>Capital Asset Pricing Model</a:t>
+          </a:r>
+        </a:p>
+      </dgm:t>
+    </dgm:pt>
+    <dgm:pt modelId="{877024E5-0BE1-6041-ABB3-E24ACBB5F1B7}" type="parTrans" cxnId="{F96B1390-DADB-DB48-9F57-633D7FB82FB5}">
+      <dgm:prSet/>
+      <dgm:spPr/>
+      <dgm:t>
+        <a:bodyPr/>
+        <a:lstStyle/>
+        <a:p>
+          <a:endParaRPr lang="en-US"/>
+        </a:p>
+      </dgm:t>
+    </dgm:pt>
+    <dgm:pt modelId="{E4A475BF-64F5-F14B-B873-63555912E6FB}" type="sibTrans" cxnId="{F96B1390-DADB-DB48-9F57-633D7FB82FB5}">
+      <dgm:prSet/>
+      <dgm:spPr/>
+      <dgm:t>
+        <a:bodyPr/>
+        <a:lstStyle/>
+        <a:p>
+          <a:endParaRPr lang="en-US"/>
+        </a:p>
+      </dgm:t>
+    </dgm:pt>
     <dgm:pt modelId="{A896CC5E-9E02-2D4D-9C8B-66C2E1796390}" type="pres">
       <dgm:prSet presAssocID="{BA7DE407-7F7E-4C9D-A237-2702096D6059}" presName="linear" presStyleCnt="0">
         <dgm:presLayoutVars>
@@ -2103,7 +2178,7 @@
       <dgm:spPr/>
     </dgm:pt>
     <dgm:pt modelId="{5C96693C-EE61-6E4C-B3E2-1C26DD0587DB}" type="pres">
-      <dgm:prSet presAssocID="{0AE9A8CC-6EA4-4DEE-8A8D-A317FDF6155B}" presName="parentText" presStyleLbl="node1" presStyleIdx="0" presStyleCnt="7">
+      <dgm:prSet presAssocID="{0AE9A8CC-6EA4-4DEE-8A8D-A317FDF6155B}" presName="parentText" presStyleLbl="node1" presStyleIdx="0" presStyleCnt="3">
         <dgm:presLayoutVars>
           <dgm:chMax val="0"/>
           <dgm:bulletEnabled val="1"/>
@@ -2111,12 +2186,16 @@
       </dgm:prSet>
       <dgm:spPr/>
     </dgm:pt>
-    <dgm:pt modelId="{64E62DD4-8385-E340-BA3B-E2F62B119BFC}" type="pres">
-      <dgm:prSet presAssocID="{7D9265A9-D38D-4785-9F6C-0B25EB1FDD2F}" presName="spacer" presStyleCnt="0"/>
+    <dgm:pt modelId="{F556B798-8F33-EB48-A42A-E0DE3E58F414}" type="pres">
+      <dgm:prSet presAssocID="{0AE9A8CC-6EA4-4DEE-8A8D-A317FDF6155B}" presName="childText" presStyleLbl="revTx" presStyleIdx="0" presStyleCnt="2">
+        <dgm:presLayoutVars>
+          <dgm:bulletEnabled val="1"/>
+        </dgm:presLayoutVars>
+      </dgm:prSet>
       <dgm:spPr/>
     </dgm:pt>
-    <dgm:pt modelId="{69107743-DD7F-A745-A9ED-A19CFF28BD15}" type="pres">
-      <dgm:prSet presAssocID="{42150717-1ED3-44C1-B55F-338F48AA2382}" presName="parentText" presStyleLbl="node1" presStyleIdx="1" presStyleCnt="7">
+    <dgm:pt modelId="{BDD301AC-82CA-124D-8B76-09A9008487A2}" type="pres">
+      <dgm:prSet presAssocID="{4212245F-AE41-B744-BC0B-E3A5DC9CA70B}" presName="parentText" presStyleLbl="node1" presStyleIdx="1" presStyleCnt="3">
         <dgm:presLayoutVars>
           <dgm:chMax val="0"/>
           <dgm:bulletEnabled val="1"/>
@@ -2124,64 +2203,16 @@
       </dgm:prSet>
       <dgm:spPr/>
     </dgm:pt>
-    <dgm:pt modelId="{16A21B44-AE39-5E42-A07B-1839E6C0F328}" type="pres">
-      <dgm:prSet presAssocID="{842C6D56-98BD-4746-A66A-F3144CBB4754}" presName="spacer" presStyleCnt="0"/>
-      <dgm:spPr/>
-    </dgm:pt>
-    <dgm:pt modelId="{0B666212-AD3B-244A-9C17-B187BFCA2C3A}" type="pres">
-      <dgm:prSet presAssocID="{6EFD1A81-67EF-4013-836A-2FA7307BC27E}" presName="parentText" presStyleLbl="node1" presStyleIdx="2" presStyleCnt="7">
+    <dgm:pt modelId="{9CE66FCD-8F0A-3544-8732-831069DA8CF5}" type="pres">
+      <dgm:prSet presAssocID="{4212245F-AE41-B744-BC0B-E3A5DC9CA70B}" presName="childText" presStyleLbl="revTx" presStyleIdx="1" presStyleCnt="2">
         <dgm:presLayoutVars>
-          <dgm:chMax val="0"/>
           <dgm:bulletEnabled val="1"/>
         </dgm:presLayoutVars>
       </dgm:prSet>
       <dgm:spPr/>
     </dgm:pt>
-    <dgm:pt modelId="{F4945AE3-886D-F348-A940-B7678F737307}" type="pres">
-      <dgm:prSet presAssocID="{2AFCA2CC-0AF4-404E-8A8C-403C775DE9B0}" presName="spacer" presStyleCnt="0"/>
-      <dgm:spPr/>
-    </dgm:pt>
-    <dgm:pt modelId="{97A33006-F444-1B47-99F3-B4DFD123142D}" type="pres">
-      <dgm:prSet presAssocID="{340B6793-3E20-4193-84D5-BBC94FAC7F88}" presName="parentText" presStyleLbl="node1" presStyleIdx="3" presStyleCnt="7">
-        <dgm:presLayoutVars>
-          <dgm:chMax val="0"/>
-          <dgm:bulletEnabled val="1"/>
-        </dgm:presLayoutVars>
-      </dgm:prSet>
-      <dgm:spPr/>
-    </dgm:pt>
-    <dgm:pt modelId="{416D2826-5B91-5F41-8E24-021D4C4DB242}" type="pres">
-      <dgm:prSet presAssocID="{94ED8EF0-97BA-4E65-AE68-37C17844AFAD}" presName="spacer" presStyleCnt="0"/>
-      <dgm:spPr/>
-    </dgm:pt>
-    <dgm:pt modelId="{6450C574-0FC8-D648-926C-074F5DA5F7BC}" type="pres">
-      <dgm:prSet presAssocID="{955DF5A3-51E2-468E-89F8-0BFC85DA0382}" presName="parentText" presStyleLbl="node1" presStyleIdx="4" presStyleCnt="7">
-        <dgm:presLayoutVars>
-          <dgm:chMax val="0"/>
-          <dgm:bulletEnabled val="1"/>
-        </dgm:presLayoutVars>
-      </dgm:prSet>
-      <dgm:spPr/>
-    </dgm:pt>
-    <dgm:pt modelId="{16FBF9FF-A008-1B4C-A707-C51305D24877}" type="pres">
-      <dgm:prSet presAssocID="{F21D87E3-9EF5-43D6-8AEF-B029A2B4B081}" presName="spacer" presStyleCnt="0"/>
-      <dgm:spPr/>
-    </dgm:pt>
-    <dgm:pt modelId="{25FE535C-A13F-3F4D-9A28-83A1A1C43D96}" type="pres">
-      <dgm:prSet presAssocID="{A8792E16-59D4-4D7D-9052-B15DF817E89A}" presName="parentText" presStyleLbl="node1" presStyleIdx="5" presStyleCnt="7">
-        <dgm:presLayoutVars>
-          <dgm:chMax val="0"/>
-          <dgm:bulletEnabled val="1"/>
-        </dgm:presLayoutVars>
-      </dgm:prSet>
-      <dgm:spPr/>
-    </dgm:pt>
-    <dgm:pt modelId="{199B4068-92F1-5647-AC64-26C4E9B63F88}" type="pres">
-      <dgm:prSet presAssocID="{4007142A-7089-42A9-979C-60B9DEFB9EED}" presName="spacer" presStyleCnt="0"/>
-      <dgm:spPr/>
-    </dgm:pt>
     <dgm:pt modelId="{307250E0-18E0-DF4F-BCB9-DA54859EF626}" type="pres">
-      <dgm:prSet presAssocID="{2E4B6604-D8EC-41D1-96C7-976B45D7BC79}" presName="parentText" presStyleLbl="node1" presStyleIdx="6" presStyleCnt="7">
+      <dgm:prSet presAssocID="{2E4B6604-D8EC-41D1-96C7-976B45D7BC79}" presName="parentText" presStyleLbl="node1" presStyleIdx="2" presStyleCnt="3">
         <dgm:presLayoutVars>
           <dgm:chMax val="0"/>
           <dgm:bulletEnabled val="1"/>
@@ -2191,34 +2222,28 @@
     </dgm:pt>
   </dgm:ptLst>
   <dgm:cxnLst>
-    <dgm:cxn modelId="{EE71F605-BC96-4643-8B05-784B8CC81D14}" type="presOf" srcId="{955DF5A3-51E2-468E-89F8-0BFC85DA0382}" destId="{6450C574-0FC8-D648-926C-074F5DA5F7BC}" srcOrd="0" destOrd="0" presId="urn:microsoft.com/office/officeart/2005/8/layout/vList2"/>
-    <dgm:cxn modelId="{67E2531B-3E23-8F4B-8BA7-CB79D41CDFC2}" type="presOf" srcId="{A8792E16-59D4-4D7D-9052-B15DF817E89A}" destId="{25FE535C-A13F-3F4D-9A28-83A1A1C43D96}" srcOrd="0" destOrd="0" presId="urn:microsoft.com/office/officeart/2005/8/layout/vList2"/>
-    <dgm:cxn modelId="{71787726-022E-423E-AAE1-8581C9230CF0}" srcId="{BA7DE407-7F7E-4C9D-A237-2702096D6059}" destId="{2E4B6604-D8EC-41D1-96C7-976B45D7BC79}" srcOrd="6" destOrd="0" parTransId="{7A5A1953-EEBB-4611-9E02-73A45B7629DE}" sibTransId="{F0C39725-4BB4-462A-B5E1-9F607B5D0576}"/>
-    <dgm:cxn modelId="{22ED9C26-17F0-4EC4-BFBF-9CEC867A2606}" srcId="{BA7DE407-7F7E-4C9D-A237-2702096D6059}" destId="{A8792E16-59D4-4D7D-9052-B15DF817E89A}" srcOrd="5" destOrd="0" parTransId="{A796D239-CA84-4608-9AC3-384245A6C19F}" sibTransId="{4007142A-7089-42A9-979C-60B9DEFB9EED}"/>
+    <dgm:cxn modelId="{7CFFF607-6EB4-9149-AD3A-4EFBF1AD3C76}" type="presOf" srcId="{A10EB787-9B55-EE4B-9E9F-1A8E2E1B3017}" destId="{F556B798-8F33-EB48-A42A-E0DE3E58F414}" srcOrd="0" destOrd="0" presId="urn:microsoft.com/office/officeart/2005/8/layout/vList2"/>
+    <dgm:cxn modelId="{71787726-022E-423E-AAE1-8581C9230CF0}" srcId="{BA7DE407-7F7E-4C9D-A237-2702096D6059}" destId="{2E4B6604-D8EC-41D1-96C7-976B45D7BC79}" srcOrd="2" destOrd="0" parTransId="{7A5A1953-EEBB-4611-9E02-73A45B7629DE}" sibTransId="{F0C39725-4BB4-462A-B5E1-9F607B5D0576}"/>
+    <dgm:cxn modelId="{22ED9C26-17F0-4EC4-BFBF-9CEC867A2606}" srcId="{4212245F-AE41-B744-BC0B-E3A5DC9CA70B}" destId="{A8792E16-59D4-4D7D-9052-B15DF817E89A}" srcOrd="2" destOrd="0" parTransId="{A796D239-CA84-4608-9AC3-384245A6C19F}" sibTransId="{4007142A-7089-42A9-979C-60B9DEFB9EED}"/>
     <dgm:cxn modelId="{4617EB39-E455-494B-B2CF-94635D9A854B}" srcId="{BA7DE407-7F7E-4C9D-A237-2702096D6059}" destId="{0AE9A8CC-6EA4-4DEE-8A8D-A317FDF6155B}" srcOrd="0" destOrd="0" parTransId="{2E841815-4BC6-4F8B-93B8-4BD443BEF1A3}" sibTransId="{7D9265A9-D38D-4785-9F6C-0B25EB1FDD2F}"/>
     <dgm:cxn modelId="{0BBA4845-FF2D-9A4E-8C8C-FCC5837DF380}" type="presOf" srcId="{2E4B6604-D8EC-41D1-96C7-976B45D7BC79}" destId="{307250E0-18E0-DF4F-BCB9-DA54859EF626}" srcOrd="0" destOrd="0" presId="urn:microsoft.com/office/officeart/2005/8/layout/vList2"/>
-    <dgm:cxn modelId="{6D0EA569-BCB7-D14A-B3CF-276A055D6C77}" type="presOf" srcId="{42150717-1ED3-44C1-B55F-338F48AA2382}" destId="{69107743-DD7F-A745-A9ED-A19CFF28BD15}" srcOrd="0" destOrd="0" presId="urn:microsoft.com/office/officeart/2005/8/layout/vList2"/>
-    <dgm:cxn modelId="{D5C78D83-2246-2A49-A31D-134068DD0AD9}" type="presOf" srcId="{340B6793-3E20-4193-84D5-BBC94FAC7F88}" destId="{97A33006-F444-1B47-99F3-B4DFD123142D}" srcOrd="0" destOrd="0" presId="urn:microsoft.com/office/officeart/2005/8/layout/vList2"/>
-    <dgm:cxn modelId="{C0378585-3E21-4FDE-A7BF-6A2AD07853FB}" srcId="{BA7DE407-7F7E-4C9D-A237-2702096D6059}" destId="{340B6793-3E20-4193-84D5-BBC94FAC7F88}" srcOrd="3" destOrd="0" parTransId="{70FD47F1-195D-47A9-A15E-2EADFA30DDB6}" sibTransId="{94ED8EF0-97BA-4E65-AE68-37C17844AFAD}"/>
     <dgm:cxn modelId="{03E68D89-2D6B-AB46-8BEA-6D5241A35270}" type="presOf" srcId="{0AE9A8CC-6EA4-4DEE-8A8D-A317FDF6155B}" destId="{5C96693C-EE61-6E4C-B3E2-1C26DD0587DB}" srcOrd="0" destOrd="0" presId="urn:microsoft.com/office/officeart/2005/8/layout/vList2"/>
-    <dgm:cxn modelId="{E4D875AB-E1FB-4170-9449-A90EF398DFF4}" srcId="{BA7DE407-7F7E-4C9D-A237-2702096D6059}" destId="{955DF5A3-51E2-468E-89F8-0BFC85DA0382}" srcOrd="4" destOrd="0" parTransId="{C8EE553E-D00D-4B4B-AE28-4005575C0843}" sibTransId="{F21D87E3-9EF5-43D6-8AEF-B029A2B4B081}"/>
-    <dgm:cxn modelId="{DCA951C0-7E7D-480C-B7BC-5222D5569B47}" srcId="{BA7DE407-7F7E-4C9D-A237-2702096D6059}" destId="{6EFD1A81-67EF-4013-836A-2FA7307BC27E}" srcOrd="2" destOrd="0" parTransId="{52A12296-B824-494F-8AEF-14696CCAB379}" sibTransId="{2AFCA2CC-0AF4-404E-8A8C-403C775DE9B0}"/>
-    <dgm:cxn modelId="{CA778CC7-EF9B-6D42-A207-13828AE35F7C}" type="presOf" srcId="{6EFD1A81-67EF-4013-836A-2FA7307BC27E}" destId="{0B666212-AD3B-244A-9C17-B187BFCA2C3A}" srcOrd="0" destOrd="0" presId="urn:microsoft.com/office/officeart/2005/8/layout/vList2"/>
-    <dgm:cxn modelId="{2F5467D5-781B-41B6-9482-2E6A30A6F479}" srcId="{BA7DE407-7F7E-4C9D-A237-2702096D6059}" destId="{42150717-1ED3-44C1-B55F-338F48AA2382}" srcOrd="1" destOrd="0" parTransId="{50AE13F9-5AC3-4D6F-86F3-DD5E79F3C3E8}" sibTransId="{842C6D56-98BD-4746-A66A-F3144CBB4754}"/>
+    <dgm:cxn modelId="{0AEFFE8E-8AB5-9542-A46C-ACBCD3CC606E}" type="presOf" srcId="{955DF5A3-51E2-468E-89F8-0BFC85DA0382}" destId="{9CE66FCD-8F0A-3544-8732-831069DA8CF5}" srcOrd="0" destOrd="1" presId="urn:microsoft.com/office/officeart/2005/8/layout/vList2"/>
+    <dgm:cxn modelId="{F96B1390-DADB-DB48-9F57-633D7FB82FB5}" srcId="{4212245F-AE41-B744-BC0B-E3A5DC9CA70B}" destId="{14B772C7-3B9F-1A42-8639-1CCE3E08FD57}" srcOrd="0" destOrd="0" parTransId="{877024E5-0BE1-6041-ABB3-E24ACBB5F1B7}" sibTransId="{E4A475BF-64F5-F14B-B873-63555912E6FB}"/>
+    <dgm:cxn modelId="{0E12429A-BC69-5E4C-B318-4D306C723ECD}" srcId="{BA7DE407-7F7E-4C9D-A237-2702096D6059}" destId="{4212245F-AE41-B744-BC0B-E3A5DC9CA70B}" srcOrd="1" destOrd="0" parTransId="{D01D440B-D05E-7B40-B789-FD2F0641183B}" sibTransId="{DB6C7858-BD21-ED43-A44C-91C50A062867}"/>
+    <dgm:cxn modelId="{BABB6D9B-E090-EF43-83E0-B731C9761873}" type="presOf" srcId="{A8792E16-59D4-4D7D-9052-B15DF817E89A}" destId="{9CE66FCD-8F0A-3544-8732-831069DA8CF5}" srcOrd="0" destOrd="2" presId="urn:microsoft.com/office/officeart/2005/8/layout/vList2"/>
+    <dgm:cxn modelId="{E4D875AB-E1FB-4170-9449-A90EF398DFF4}" srcId="{4212245F-AE41-B744-BC0B-E3A5DC9CA70B}" destId="{955DF5A3-51E2-468E-89F8-0BFC85DA0382}" srcOrd="1" destOrd="0" parTransId="{C8EE553E-D00D-4B4B-AE28-4005575C0843}" sibTransId="{F21D87E3-9EF5-43D6-8AEF-B029A2B4B081}"/>
+    <dgm:cxn modelId="{873158C8-88B6-1341-9F23-386F4879EAA2}" type="presOf" srcId="{4212245F-AE41-B744-BC0B-E3A5DC9CA70B}" destId="{BDD301AC-82CA-124D-8B76-09A9008487A2}" srcOrd="0" destOrd="0" presId="urn:microsoft.com/office/officeart/2005/8/layout/vList2"/>
+    <dgm:cxn modelId="{2F5467D5-781B-41B6-9482-2E6A30A6F479}" srcId="{0AE9A8CC-6EA4-4DEE-8A8D-A317FDF6155B}" destId="{42150717-1ED3-44C1-B55F-338F48AA2382}" srcOrd="1" destOrd="0" parTransId="{50AE13F9-5AC3-4D6F-86F3-DD5E79F3C3E8}" sibTransId="{842C6D56-98BD-4746-A66A-F3144CBB4754}"/>
+    <dgm:cxn modelId="{0256D0D8-2893-504F-B007-E62CC957225A}" srcId="{0AE9A8CC-6EA4-4DEE-8A8D-A317FDF6155B}" destId="{A10EB787-9B55-EE4B-9E9F-1A8E2E1B3017}" srcOrd="0" destOrd="0" parTransId="{0F128404-B786-5248-8986-2DF08B9643EE}" sibTransId="{353034DD-AFC2-724D-A3BC-44EE6FF4935D}"/>
+    <dgm:cxn modelId="{09CB61F6-FDA0-C849-8940-0D63BE4D6BAC}" type="presOf" srcId="{14B772C7-3B9F-1A42-8639-1CCE3E08FD57}" destId="{9CE66FCD-8F0A-3544-8732-831069DA8CF5}" srcOrd="0" destOrd="0" presId="urn:microsoft.com/office/officeart/2005/8/layout/vList2"/>
     <dgm:cxn modelId="{0A3C5AF8-F41F-D44D-9BFE-CC2E3D9158F1}" type="presOf" srcId="{BA7DE407-7F7E-4C9D-A237-2702096D6059}" destId="{A896CC5E-9E02-2D4D-9C8B-66C2E1796390}" srcOrd="0" destOrd="0" presId="urn:microsoft.com/office/officeart/2005/8/layout/vList2"/>
+    <dgm:cxn modelId="{28EBD4FB-387D-7645-8317-32D5C43E457E}" type="presOf" srcId="{42150717-1ED3-44C1-B55F-338F48AA2382}" destId="{F556B798-8F33-EB48-A42A-E0DE3E58F414}" srcOrd="0" destOrd="1" presId="urn:microsoft.com/office/officeart/2005/8/layout/vList2"/>
     <dgm:cxn modelId="{85125D95-74ED-EC4E-A222-53F31601878A}" type="presParOf" srcId="{A896CC5E-9E02-2D4D-9C8B-66C2E1796390}" destId="{5C96693C-EE61-6E4C-B3E2-1C26DD0587DB}" srcOrd="0" destOrd="0" presId="urn:microsoft.com/office/officeart/2005/8/layout/vList2"/>
-    <dgm:cxn modelId="{43303710-A2B7-564D-B1C3-9F61981417D1}" type="presParOf" srcId="{A896CC5E-9E02-2D4D-9C8B-66C2E1796390}" destId="{64E62DD4-8385-E340-BA3B-E2F62B119BFC}" srcOrd="1" destOrd="0" presId="urn:microsoft.com/office/officeart/2005/8/layout/vList2"/>
-    <dgm:cxn modelId="{D0520849-0BD0-A94E-A73C-6327FDFE5616}" type="presParOf" srcId="{A896CC5E-9E02-2D4D-9C8B-66C2E1796390}" destId="{69107743-DD7F-A745-A9ED-A19CFF28BD15}" srcOrd="2" destOrd="0" presId="urn:microsoft.com/office/officeart/2005/8/layout/vList2"/>
-    <dgm:cxn modelId="{401E5435-E693-E740-B982-5A63BD7611D2}" type="presParOf" srcId="{A896CC5E-9E02-2D4D-9C8B-66C2E1796390}" destId="{16A21B44-AE39-5E42-A07B-1839E6C0F328}" srcOrd="3" destOrd="0" presId="urn:microsoft.com/office/officeart/2005/8/layout/vList2"/>
-    <dgm:cxn modelId="{1D052E3E-EC4E-9244-9CAD-47C40874F1E5}" type="presParOf" srcId="{A896CC5E-9E02-2D4D-9C8B-66C2E1796390}" destId="{0B666212-AD3B-244A-9C17-B187BFCA2C3A}" srcOrd="4" destOrd="0" presId="urn:microsoft.com/office/officeart/2005/8/layout/vList2"/>
-    <dgm:cxn modelId="{10A52E21-E696-444A-A66E-0BD4EF6A6252}" type="presParOf" srcId="{A896CC5E-9E02-2D4D-9C8B-66C2E1796390}" destId="{F4945AE3-886D-F348-A940-B7678F737307}" srcOrd="5" destOrd="0" presId="urn:microsoft.com/office/officeart/2005/8/layout/vList2"/>
-    <dgm:cxn modelId="{1AB2753D-AC58-4346-8D80-014CCEED96AB}" type="presParOf" srcId="{A896CC5E-9E02-2D4D-9C8B-66C2E1796390}" destId="{97A33006-F444-1B47-99F3-B4DFD123142D}" srcOrd="6" destOrd="0" presId="urn:microsoft.com/office/officeart/2005/8/layout/vList2"/>
-    <dgm:cxn modelId="{FC85B921-27C6-E942-930B-4DF1659F9BB2}" type="presParOf" srcId="{A896CC5E-9E02-2D4D-9C8B-66C2E1796390}" destId="{416D2826-5B91-5F41-8E24-021D4C4DB242}" srcOrd="7" destOrd="0" presId="urn:microsoft.com/office/officeart/2005/8/layout/vList2"/>
-    <dgm:cxn modelId="{52A234B3-9232-E84F-916F-C675215E1CAA}" type="presParOf" srcId="{A896CC5E-9E02-2D4D-9C8B-66C2E1796390}" destId="{6450C574-0FC8-D648-926C-074F5DA5F7BC}" srcOrd="8" destOrd="0" presId="urn:microsoft.com/office/officeart/2005/8/layout/vList2"/>
-    <dgm:cxn modelId="{619E9C2B-D879-7B48-8455-0BD45DAC8641}" type="presParOf" srcId="{A896CC5E-9E02-2D4D-9C8B-66C2E1796390}" destId="{16FBF9FF-A008-1B4C-A707-C51305D24877}" srcOrd="9" destOrd="0" presId="urn:microsoft.com/office/officeart/2005/8/layout/vList2"/>
-    <dgm:cxn modelId="{CE505512-A7C8-1C4F-AEA1-6B7D41F3E2D2}" type="presParOf" srcId="{A896CC5E-9E02-2D4D-9C8B-66C2E1796390}" destId="{25FE535C-A13F-3F4D-9A28-83A1A1C43D96}" srcOrd="10" destOrd="0" presId="urn:microsoft.com/office/officeart/2005/8/layout/vList2"/>
-    <dgm:cxn modelId="{C5164241-E0BF-CE4C-9CF7-77AFB00BC288}" type="presParOf" srcId="{A896CC5E-9E02-2D4D-9C8B-66C2E1796390}" destId="{199B4068-92F1-5647-AC64-26C4E9B63F88}" srcOrd="11" destOrd="0" presId="urn:microsoft.com/office/officeart/2005/8/layout/vList2"/>
-    <dgm:cxn modelId="{1AEEB197-E814-F846-A403-0249752084C2}" type="presParOf" srcId="{A896CC5E-9E02-2D4D-9C8B-66C2E1796390}" destId="{307250E0-18E0-DF4F-BCB9-DA54859EF626}" srcOrd="12" destOrd="0" presId="urn:microsoft.com/office/officeart/2005/8/layout/vList2"/>
+    <dgm:cxn modelId="{A2F63D4B-83C7-5C4E-8504-E81809395ADC}" type="presParOf" srcId="{A896CC5E-9E02-2D4D-9C8B-66C2E1796390}" destId="{F556B798-8F33-EB48-A42A-E0DE3E58F414}" srcOrd="1" destOrd="0" presId="urn:microsoft.com/office/officeart/2005/8/layout/vList2"/>
+    <dgm:cxn modelId="{3E3B98ED-51CA-BD4E-A4E8-B78EE0FB1792}" type="presParOf" srcId="{A896CC5E-9E02-2D4D-9C8B-66C2E1796390}" destId="{BDD301AC-82CA-124D-8B76-09A9008487A2}" srcOrd="2" destOrd="0" presId="urn:microsoft.com/office/officeart/2005/8/layout/vList2"/>
+    <dgm:cxn modelId="{8EA2E32A-1725-7043-8EBA-1DB3973F378B}" type="presParOf" srcId="{A896CC5E-9E02-2D4D-9C8B-66C2E1796390}" destId="{9CE66FCD-8F0A-3544-8732-831069DA8CF5}" srcOrd="3" destOrd="0" presId="urn:microsoft.com/office/officeart/2005/8/layout/vList2"/>
+    <dgm:cxn modelId="{1AEEB197-E814-F846-A403-0249752084C2}" type="presParOf" srcId="{A896CC5E-9E02-2D4D-9C8B-66C2E1796390}" destId="{307250E0-18E0-DF4F-BCB9-DA54859EF626}" srcOrd="4" destOrd="0" presId="urn:microsoft.com/office/officeart/2005/8/layout/vList2"/>
   </dgm:cxnLst>
   <dgm:bg/>
   <dgm:whole/>
@@ -2294,7 +2319,7 @@
             <a:defRPr cap="all"/>
           </a:pPr>
           <a:r>
-            <a:rPr lang="en-US"/>
+            <a:rPr lang="en-US" dirty="0"/>
             <a:t>ARX/GARCH forecasting capability is weak and hence excluded</a:t>
           </a:r>
         </a:p>
@@ -2956,7 +2981,7 @@
   <dgm:whole/>
   <dgm:extLst>
     <a:ext uri="http://schemas.microsoft.com/office/drawing/2008/diagram">
-      <dsp:dataModelExt xmlns:dsp="http://schemas.microsoft.com/office/drawing/2008/diagram" relId="rId7" minVer="http://schemas.openxmlformats.org/drawingml/2006/diagram"/>
+      <dsp:dataModelExt xmlns:dsp="http://schemas.microsoft.com/office/drawing/2008/diagram" relId="rId6" minVer="http://schemas.openxmlformats.org/drawingml/2006/diagram"/>
     </a:ext>
   </dgm:extLst>
 </dgm:dataModel>
@@ -2977,18 +3002,16 @@
       </dsp:nvSpPr>
       <dsp:spPr>
         <a:xfrm>
-          <a:off x="0" y="281052"/>
-          <a:ext cx="6513603" cy="716040"/>
+          <a:off x="0" y="255312"/>
+          <a:ext cx="6513603" cy="936000"/>
         </a:xfrm>
         <a:prstGeom prst="roundRect">
           <a:avLst/>
         </a:prstGeom>
         <a:solidFill>
-          <a:schemeClr val="accent5">
-            <a:hueOff val="0"/>
-            <a:satOff val="0"/>
-            <a:lumOff val="0"/>
-            <a:alphaOff val="0"/>
+          <a:schemeClr val="accent2">
+            <a:lumMod val="60000"/>
+            <a:lumOff val="40000"/>
           </a:schemeClr>
         </a:solidFill>
         <a:ln w="12700" cap="flat" cmpd="sng" algn="ctr">
@@ -3001,7 +3024,6 @@
             </a:schemeClr>
           </a:solidFill>
           <a:prstDash val="solid"/>
-          <a:miter lim="800000"/>
         </a:ln>
         <a:effectLst/>
       </dsp:spPr>
@@ -3020,12 +3042,12 @@
         </a:fontRef>
       </dsp:style>
       <dsp:txBody>
-        <a:bodyPr spcFirstLastPara="0" vert="horz" wrap="square" lIns="68580" tIns="68580" rIns="68580" bIns="68580" numCol="1" spcCol="1270" anchor="ctr" anchorCtr="0">
+        <a:bodyPr spcFirstLastPara="0" vert="horz" wrap="square" lIns="152400" tIns="152400" rIns="152400" bIns="152400" numCol="1" spcCol="1270" anchor="ctr" anchorCtr="0">
           <a:noAutofit/>
         </a:bodyPr>
         <a:lstStyle/>
         <a:p>
-          <a:pPr marL="0" lvl="0" indent="0" algn="l" defTabSz="800100">
+          <a:pPr marL="0" lvl="0" indent="0" algn="l" defTabSz="1778000">
             <a:lnSpc>
               <a:spcPct val="90000"/>
             </a:lnSpc>
@@ -3038,35 +3060,111 @@
             <a:buNone/>
           </a:pPr>
           <a:r>
-            <a:rPr lang="en-US" sz="1800" kern="1200"/>
-            <a:t>Oracle annual stock bonus allowed me to pay down most of the cost of my first house</a:t>
+            <a:rPr lang="en-US" sz="4000" kern="1200" dirty="0"/>
+            <a:t>Oracle Stock Options</a:t>
           </a:r>
         </a:p>
       </dsp:txBody>
       <dsp:txXfrm>
-        <a:off x="34954" y="316006"/>
-        <a:ext cx="6443695" cy="646132"/>
+        <a:off x="45692" y="301004"/>
+        <a:ext cx="6422219" cy="844616"/>
       </dsp:txXfrm>
     </dsp:sp>
-    <dsp:sp modelId="{69107743-DD7F-A745-A9ED-A19CFF28BD15}">
+    <dsp:sp modelId="{F556B798-8F33-EB48-A42A-E0DE3E58F414}">
       <dsp:nvSpPr>
         <dsp:cNvPr id="0" name=""/>
         <dsp:cNvSpPr/>
       </dsp:nvSpPr>
       <dsp:spPr>
         <a:xfrm>
-          <a:off x="0" y="1048933"/>
-          <a:ext cx="6513603" cy="716040"/>
+          <a:off x="0" y="1191312"/>
+          <a:ext cx="6513603" cy="1035000"/>
+        </a:xfrm>
+        <a:prstGeom prst="rect">
+          <a:avLst/>
+        </a:prstGeom>
+        <a:noFill/>
+        <a:ln>
+          <a:noFill/>
+        </a:ln>
+        <a:effectLst/>
+      </dsp:spPr>
+      <dsp:style>
+        <a:lnRef idx="0">
+          <a:scrgbClr r="0" g="0" b="0"/>
+        </a:lnRef>
+        <a:fillRef idx="0">
+          <a:scrgbClr r="0" g="0" b="0"/>
+        </a:fillRef>
+        <a:effectRef idx="0">
+          <a:scrgbClr r="0" g="0" b="0"/>
+        </a:effectRef>
+        <a:fontRef idx="minor"/>
+      </dsp:style>
+      <dsp:txBody>
+        <a:bodyPr spcFirstLastPara="0" vert="horz" wrap="square" lIns="206807" tIns="50800" rIns="284480" bIns="50800" numCol="1" spcCol="1270" anchor="t" anchorCtr="0">
+          <a:noAutofit/>
+        </a:bodyPr>
+        <a:lstStyle/>
+        <a:p>
+          <a:pPr marL="285750" lvl="1" indent="-285750" algn="l" defTabSz="1377950">
+            <a:lnSpc>
+              <a:spcPct val="90000"/>
+            </a:lnSpc>
+            <a:spcBef>
+              <a:spcPct val="0"/>
+            </a:spcBef>
+            <a:spcAft>
+              <a:spcPct val="20000"/>
+            </a:spcAft>
+            <a:buChar char="•"/>
+          </a:pPr>
+          <a:r>
+            <a:rPr lang="en-US" sz="3100" kern="1200" dirty="0"/>
+            <a:t>pay part of my first house</a:t>
+          </a:r>
+        </a:p>
+        <a:p>
+          <a:pPr marL="285750" lvl="1" indent="-285750" algn="l" defTabSz="1377950">
+            <a:lnSpc>
+              <a:spcPct val="90000"/>
+            </a:lnSpc>
+            <a:spcBef>
+              <a:spcPct val="0"/>
+            </a:spcBef>
+            <a:spcAft>
+              <a:spcPct val="20000"/>
+            </a:spcAft>
+            <a:buChar char="•"/>
+          </a:pPr>
+          <a:r>
+            <a:rPr lang="en-US" sz="3100" kern="1200" dirty="0"/>
+            <a:t>result: an interest in stocks </a:t>
+          </a:r>
+        </a:p>
+      </dsp:txBody>
+      <dsp:txXfrm>
+        <a:off x="0" y="1191312"/>
+        <a:ext cx="6513603" cy="1035000"/>
+      </dsp:txXfrm>
+    </dsp:sp>
+    <dsp:sp modelId="{BDD301AC-82CA-124D-8B76-09A9008487A2}">
+      <dsp:nvSpPr>
+        <dsp:cNvPr id="0" name=""/>
+        <dsp:cNvSpPr/>
+      </dsp:nvSpPr>
+      <dsp:spPr>
+        <a:xfrm>
+          <a:off x="0" y="2226313"/>
+          <a:ext cx="6513603" cy="936000"/>
         </a:xfrm>
         <a:prstGeom prst="roundRect">
           <a:avLst/>
         </a:prstGeom>
         <a:solidFill>
-          <a:schemeClr val="accent5">
-            <a:hueOff val="-1126424"/>
-            <a:satOff val="-2903"/>
-            <a:lumOff val="-1961"/>
-            <a:alphaOff val="0"/>
+          <a:schemeClr val="accent2">
+            <a:lumMod val="60000"/>
+            <a:lumOff val="40000"/>
           </a:schemeClr>
         </a:solidFill>
         <a:ln w="12700" cap="flat" cmpd="sng" algn="ctr">
@@ -3079,7 +3177,6 @@
             </a:schemeClr>
           </a:solidFill>
           <a:prstDash val="solid"/>
-          <a:miter lim="800000"/>
         </a:ln>
         <a:effectLst/>
       </dsp:spPr>
@@ -3098,12 +3195,12 @@
         </a:fontRef>
       </dsp:style>
       <dsp:txBody>
-        <a:bodyPr spcFirstLastPara="0" vert="horz" wrap="square" lIns="68580" tIns="68580" rIns="68580" bIns="68580" numCol="1" spcCol="1270" anchor="ctr" anchorCtr="0">
+        <a:bodyPr spcFirstLastPara="0" vert="horz" wrap="square" lIns="152400" tIns="152400" rIns="152400" bIns="152400" numCol="1" spcCol="1270" anchor="ctr" anchorCtr="0">
           <a:noAutofit/>
         </a:bodyPr>
         <a:lstStyle/>
         <a:p>
-          <a:pPr marL="0" lvl="0" indent="0" algn="l" defTabSz="800100">
+          <a:pPr marL="0" lvl="0" indent="0" algn="l" defTabSz="1778000">
             <a:lnSpc>
               <a:spcPct val="90000"/>
             </a:lnSpc>
@@ -3116,35 +3213,129 @@
             <a:buNone/>
           </a:pPr>
           <a:r>
-            <a:rPr lang="en-US" sz="1800" kern="1200"/>
-            <a:t>I started to follow and invest in stocks over the years as a result</a:t>
+            <a:rPr lang="en-US" sz="4000" kern="1200" dirty="0"/>
+            <a:t>MBA</a:t>
           </a:r>
         </a:p>
       </dsp:txBody>
       <dsp:txXfrm>
-        <a:off x="34954" y="1083887"/>
-        <a:ext cx="6443695" cy="646132"/>
+        <a:off x="45692" y="2272005"/>
+        <a:ext cx="6422219" cy="844616"/>
       </dsp:txXfrm>
     </dsp:sp>
-    <dsp:sp modelId="{0B666212-AD3B-244A-9C17-B187BFCA2C3A}">
+    <dsp:sp modelId="{9CE66FCD-8F0A-3544-8732-831069DA8CF5}">
       <dsp:nvSpPr>
         <dsp:cNvPr id="0" name=""/>
         <dsp:cNvSpPr/>
       </dsp:nvSpPr>
       <dsp:spPr>
         <a:xfrm>
-          <a:off x="0" y="1816813"/>
-          <a:ext cx="6513603" cy="716040"/>
+          <a:off x="0" y="3162313"/>
+          <a:ext cx="6513603" cy="1531799"/>
+        </a:xfrm>
+        <a:prstGeom prst="rect">
+          <a:avLst/>
+        </a:prstGeom>
+        <a:noFill/>
+        <a:ln>
+          <a:noFill/>
+        </a:ln>
+        <a:effectLst/>
+      </dsp:spPr>
+      <dsp:style>
+        <a:lnRef idx="0">
+          <a:scrgbClr r="0" g="0" b="0"/>
+        </a:lnRef>
+        <a:fillRef idx="0">
+          <a:scrgbClr r="0" g="0" b="0"/>
+        </a:fillRef>
+        <a:effectRef idx="0">
+          <a:scrgbClr r="0" g="0" b="0"/>
+        </a:effectRef>
+        <a:fontRef idx="minor"/>
+      </dsp:style>
+      <dsp:txBody>
+        <a:bodyPr spcFirstLastPara="0" vert="horz" wrap="square" lIns="206807" tIns="50800" rIns="284480" bIns="50800" numCol="1" spcCol="1270" anchor="t" anchorCtr="0">
+          <a:noAutofit/>
+        </a:bodyPr>
+        <a:lstStyle/>
+        <a:p>
+          <a:pPr marL="285750" lvl="1" indent="-285750" algn="l" defTabSz="1377950">
+            <a:lnSpc>
+              <a:spcPct val="90000"/>
+            </a:lnSpc>
+            <a:spcBef>
+              <a:spcPct val="0"/>
+            </a:spcBef>
+            <a:spcAft>
+              <a:spcPct val="20000"/>
+            </a:spcAft>
+            <a:buChar char="•"/>
+          </a:pPr>
+          <a:r>
+            <a:rPr lang="en-US" sz="3100" kern="1200" dirty="0"/>
+            <a:t>Capital Asset Pricing Model</a:t>
+          </a:r>
+        </a:p>
+        <a:p>
+          <a:pPr marL="285750" lvl="1" indent="-285750" algn="l" defTabSz="1377950">
+            <a:lnSpc>
+              <a:spcPct val="90000"/>
+            </a:lnSpc>
+            <a:spcBef>
+              <a:spcPct val="0"/>
+            </a:spcBef>
+            <a:spcAft>
+              <a:spcPct val="20000"/>
+            </a:spcAft>
+            <a:buChar char="•"/>
+          </a:pPr>
+          <a:r>
+            <a:rPr lang="en-US" sz="3100" kern="1200" dirty="0"/>
+            <a:t>Reality: stock markets are inefficient</a:t>
+          </a:r>
+        </a:p>
+        <a:p>
+          <a:pPr marL="285750" lvl="1" indent="-285750" algn="l" defTabSz="1377950">
+            <a:lnSpc>
+              <a:spcPct val="90000"/>
+            </a:lnSpc>
+            <a:spcBef>
+              <a:spcPct val="0"/>
+            </a:spcBef>
+            <a:spcAft>
+              <a:spcPct val="20000"/>
+            </a:spcAft>
+            <a:buChar char="•"/>
+          </a:pPr>
+          <a:r>
+            <a:rPr lang="en-US" sz="3100" kern="1200" dirty="0"/>
+            <a:t>Can we exploit these inefficiencies?</a:t>
+          </a:r>
+        </a:p>
+      </dsp:txBody>
+      <dsp:txXfrm>
+        <a:off x="0" y="3162313"/>
+        <a:ext cx="6513603" cy="1531799"/>
+      </dsp:txXfrm>
+    </dsp:sp>
+    <dsp:sp modelId="{307250E0-18E0-DF4F-BCB9-DA54859EF626}">
+      <dsp:nvSpPr>
+        <dsp:cNvPr id="0" name=""/>
+        <dsp:cNvSpPr/>
+      </dsp:nvSpPr>
+      <dsp:spPr>
+        <a:xfrm>
+          <a:off x="0" y="4694113"/>
+          <a:ext cx="6513603" cy="936000"/>
         </a:xfrm>
         <a:prstGeom prst="roundRect">
           <a:avLst/>
         </a:prstGeom>
         <a:solidFill>
-          <a:schemeClr val="accent5">
-            <a:hueOff val="-2252848"/>
-            <a:satOff val="-5806"/>
-            <a:lumOff val="-3922"/>
-            <a:alphaOff val="0"/>
+          <a:schemeClr val="accent2">
+            <a:lumMod val="60000"/>
+            <a:lumOff val="40000"/>
           </a:schemeClr>
         </a:solidFill>
         <a:ln w="12700" cap="flat" cmpd="sng" algn="ctr">
@@ -3157,7 +3348,6 @@
             </a:schemeClr>
           </a:solidFill>
           <a:prstDash val="solid"/>
-          <a:miter lim="800000"/>
         </a:ln>
         <a:effectLst/>
       </dsp:spPr>
@@ -3176,12 +3366,12 @@
         </a:fontRef>
       </dsp:style>
       <dsp:txBody>
-        <a:bodyPr spcFirstLastPara="0" vert="horz" wrap="square" lIns="68580" tIns="68580" rIns="68580" bIns="68580" numCol="1" spcCol="1270" anchor="ctr" anchorCtr="0">
+        <a:bodyPr spcFirstLastPara="0" vert="horz" wrap="square" lIns="152400" tIns="152400" rIns="152400" bIns="152400" numCol="1" spcCol="1270" anchor="ctr" anchorCtr="0">
           <a:noAutofit/>
         </a:bodyPr>
         <a:lstStyle/>
         <a:p>
-          <a:pPr marL="0" lvl="0" indent="0" algn="l" defTabSz="800100">
+          <a:pPr marL="0" lvl="0" indent="0" algn="l" defTabSz="1778000">
             <a:lnSpc>
               <a:spcPct val="90000"/>
             </a:lnSpc>
@@ -3194,326 +3384,14 @@
             <a:buNone/>
           </a:pPr>
           <a:r>
-            <a:rPr lang="en-US" sz="1800" kern="1200"/>
-            <a:t>I attended an MBA (partly) to learn about companies and finance</a:t>
+            <a:rPr lang="en-US" sz="4000" kern="1200" dirty="0"/>
+            <a:t>Time series widely applicable</a:t>
           </a:r>
         </a:p>
       </dsp:txBody>
       <dsp:txXfrm>
-        <a:off x="34954" y="1851767"/>
-        <a:ext cx="6443695" cy="646132"/>
-      </dsp:txXfrm>
-    </dsp:sp>
-    <dsp:sp modelId="{97A33006-F444-1B47-99F3-B4DFD123142D}">
-      <dsp:nvSpPr>
-        <dsp:cNvPr id="0" name=""/>
-        <dsp:cNvSpPr/>
-      </dsp:nvSpPr>
-      <dsp:spPr>
-        <a:xfrm>
-          <a:off x="0" y="2584692"/>
-          <a:ext cx="6513603" cy="716040"/>
-        </a:xfrm>
-        <a:prstGeom prst="roundRect">
-          <a:avLst/>
-        </a:prstGeom>
-        <a:solidFill>
-          <a:schemeClr val="accent5">
-            <a:hueOff val="-3379271"/>
-            <a:satOff val="-8710"/>
-            <a:lumOff val="-5883"/>
-            <a:alphaOff val="0"/>
-          </a:schemeClr>
-        </a:solidFill>
-        <a:ln w="12700" cap="flat" cmpd="sng" algn="ctr">
-          <a:solidFill>
-            <a:schemeClr val="lt1">
-              <a:hueOff val="0"/>
-              <a:satOff val="0"/>
-              <a:lumOff val="0"/>
-              <a:alphaOff val="0"/>
-            </a:schemeClr>
-          </a:solidFill>
-          <a:prstDash val="solid"/>
-          <a:miter lim="800000"/>
-        </a:ln>
-        <a:effectLst/>
-      </dsp:spPr>
-      <dsp:style>
-        <a:lnRef idx="2">
-          <a:scrgbClr r="0" g="0" b="0"/>
-        </a:lnRef>
-        <a:fillRef idx="1">
-          <a:scrgbClr r="0" g="0" b="0"/>
-        </a:fillRef>
-        <a:effectRef idx="0">
-          <a:scrgbClr r="0" g="0" b="0"/>
-        </a:effectRef>
-        <a:fontRef idx="minor">
-          <a:schemeClr val="lt1"/>
-        </a:fontRef>
-      </dsp:style>
-      <dsp:txBody>
-        <a:bodyPr spcFirstLastPara="0" vert="horz" wrap="square" lIns="68580" tIns="68580" rIns="68580" bIns="68580" numCol="1" spcCol="1270" anchor="ctr" anchorCtr="0">
-          <a:noAutofit/>
-        </a:bodyPr>
-        <a:lstStyle/>
-        <a:p>
-          <a:pPr marL="0" lvl="0" indent="0" algn="l" defTabSz="800100">
-            <a:lnSpc>
-              <a:spcPct val="90000"/>
-            </a:lnSpc>
-            <a:spcBef>
-              <a:spcPct val="0"/>
-            </a:spcBef>
-            <a:spcAft>
-              <a:spcPct val="35000"/>
-            </a:spcAft>
-            <a:buNone/>
-          </a:pPr>
-          <a:r>
-            <a:rPr lang="en-US" sz="1800" kern="1200" dirty="0"/>
-            <a:t>At my MBA, the Capital Asset Pricing Model was drilled into students (including me!)</a:t>
-          </a:r>
-        </a:p>
-      </dsp:txBody>
-      <dsp:txXfrm>
-        <a:off x="34954" y="2619646"/>
-        <a:ext cx="6443695" cy="646132"/>
-      </dsp:txXfrm>
-    </dsp:sp>
-    <dsp:sp modelId="{6450C574-0FC8-D648-926C-074F5DA5F7BC}">
-      <dsp:nvSpPr>
-        <dsp:cNvPr id="0" name=""/>
-        <dsp:cNvSpPr/>
-      </dsp:nvSpPr>
-      <dsp:spPr>
-        <a:xfrm>
-          <a:off x="0" y="3352572"/>
-          <a:ext cx="6513603" cy="716040"/>
-        </a:xfrm>
-        <a:prstGeom prst="roundRect">
-          <a:avLst/>
-        </a:prstGeom>
-        <a:solidFill>
-          <a:schemeClr val="accent5">
-            <a:hueOff val="-4505695"/>
-            <a:satOff val="-11613"/>
-            <a:lumOff val="-7843"/>
-            <a:alphaOff val="0"/>
-          </a:schemeClr>
-        </a:solidFill>
-        <a:ln w="12700" cap="flat" cmpd="sng" algn="ctr">
-          <a:solidFill>
-            <a:schemeClr val="lt1">
-              <a:hueOff val="0"/>
-              <a:satOff val="0"/>
-              <a:lumOff val="0"/>
-              <a:alphaOff val="0"/>
-            </a:schemeClr>
-          </a:solidFill>
-          <a:prstDash val="solid"/>
-          <a:miter lim="800000"/>
-        </a:ln>
-        <a:effectLst/>
-      </dsp:spPr>
-      <dsp:style>
-        <a:lnRef idx="2">
-          <a:scrgbClr r="0" g="0" b="0"/>
-        </a:lnRef>
-        <a:fillRef idx="1">
-          <a:scrgbClr r="0" g="0" b="0"/>
-        </a:fillRef>
-        <a:effectRef idx="0">
-          <a:scrgbClr r="0" g="0" b="0"/>
-        </a:effectRef>
-        <a:fontRef idx="minor">
-          <a:schemeClr val="lt1"/>
-        </a:fontRef>
-      </dsp:style>
-      <dsp:txBody>
-        <a:bodyPr spcFirstLastPara="0" vert="horz" wrap="square" lIns="68580" tIns="68580" rIns="68580" bIns="68580" numCol="1" spcCol="1270" anchor="ctr" anchorCtr="0">
-          <a:noAutofit/>
-        </a:bodyPr>
-        <a:lstStyle/>
-        <a:p>
-          <a:pPr marL="0" lvl="0" indent="0" algn="l" defTabSz="800100">
-            <a:lnSpc>
-              <a:spcPct val="90000"/>
-            </a:lnSpc>
-            <a:spcBef>
-              <a:spcPct val="0"/>
-            </a:spcBef>
-            <a:spcAft>
-              <a:spcPct val="35000"/>
-            </a:spcAft>
-            <a:buNone/>
-          </a:pPr>
-          <a:r>
-            <a:rPr lang="en-US" sz="1800" kern="1200"/>
-            <a:t>Finance has in the meantime moved on and recognizes that CAPM is a simplistic model and that not all the stock market is efficient</a:t>
-          </a:r>
-        </a:p>
-      </dsp:txBody>
-      <dsp:txXfrm>
-        <a:off x="34954" y="3387526"/>
-        <a:ext cx="6443695" cy="646132"/>
-      </dsp:txXfrm>
-    </dsp:sp>
-    <dsp:sp modelId="{25FE535C-A13F-3F4D-9A28-83A1A1C43D96}">
-      <dsp:nvSpPr>
-        <dsp:cNvPr id="0" name=""/>
-        <dsp:cNvSpPr/>
-      </dsp:nvSpPr>
-      <dsp:spPr>
-        <a:xfrm>
-          <a:off x="0" y="4120453"/>
-          <a:ext cx="6513603" cy="716040"/>
-        </a:xfrm>
-        <a:prstGeom prst="roundRect">
-          <a:avLst/>
-        </a:prstGeom>
-        <a:solidFill>
-          <a:schemeClr val="accent5">
-            <a:hueOff val="-5632119"/>
-            <a:satOff val="-14516"/>
-            <a:lumOff val="-9804"/>
-            <a:alphaOff val="0"/>
-          </a:schemeClr>
-        </a:solidFill>
-        <a:ln w="12700" cap="flat" cmpd="sng" algn="ctr">
-          <a:solidFill>
-            <a:schemeClr val="lt1">
-              <a:hueOff val="0"/>
-              <a:satOff val="0"/>
-              <a:lumOff val="0"/>
-              <a:alphaOff val="0"/>
-            </a:schemeClr>
-          </a:solidFill>
-          <a:prstDash val="solid"/>
-          <a:miter lim="800000"/>
-        </a:ln>
-        <a:effectLst/>
-      </dsp:spPr>
-      <dsp:style>
-        <a:lnRef idx="2">
-          <a:scrgbClr r="0" g="0" b="0"/>
-        </a:lnRef>
-        <a:fillRef idx="1">
-          <a:scrgbClr r="0" g="0" b="0"/>
-        </a:fillRef>
-        <a:effectRef idx="0">
-          <a:scrgbClr r="0" g="0" b="0"/>
-        </a:effectRef>
-        <a:fontRef idx="minor">
-          <a:schemeClr val="lt1"/>
-        </a:fontRef>
-      </dsp:style>
-      <dsp:txBody>
-        <a:bodyPr spcFirstLastPara="0" vert="horz" wrap="square" lIns="68580" tIns="68580" rIns="68580" bIns="68580" numCol="1" spcCol="1270" anchor="ctr" anchorCtr="0">
-          <a:noAutofit/>
-        </a:bodyPr>
-        <a:lstStyle/>
-        <a:p>
-          <a:pPr marL="0" lvl="0" indent="0" algn="l" defTabSz="800100">
-            <a:lnSpc>
-              <a:spcPct val="90000"/>
-            </a:lnSpc>
-            <a:spcBef>
-              <a:spcPct val="0"/>
-            </a:spcBef>
-            <a:spcAft>
-              <a:spcPct val="35000"/>
-            </a:spcAft>
-            <a:buNone/>
-          </a:pPr>
-          <a:r>
-            <a:rPr lang="en-US" sz="1800" kern="1200"/>
-            <a:t>I wanted to see if we can exploit the inefficiencies in the stock market</a:t>
-          </a:r>
-        </a:p>
-      </dsp:txBody>
-      <dsp:txXfrm>
-        <a:off x="34954" y="4155407"/>
-        <a:ext cx="6443695" cy="646132"/>
-      </dsp:txXfrm>
-    </dsp:sp>
-    <dsp:sp modelId="{307250E0-18E0-DF4F-BCB9-DA54859EF626}">
-      <dsp:nvSpPr>
-        <dsp:cNvPr id="0" name=""/>
-        <dsp:cNvSpPr/>
-      </dsp:nvSpPr>
-      <dsp:spPr>
-        <a:xfrm>
-          <a:off x="0" y="4888333"/>
-          <a:ext cx="6513603" cy="716040"/>
-        </a:xfrm>
-        <a:prstGeom prst="roundRect">
-          <a:avLst/>
-        </a:prstGeom>
-        <a:solidFill>
-          <a:schemeClr val="accent5">
-            <a:hueOff val="-6758543"/>
-            <a:satOff val="-17419"/>
-            <a:lumOff val="-11765"/>
-            <a:alphaOff val="0"/>
-          </a:schemeClr>
-        </a:solidFill>
-        <a:ln w="12700" cap="flat" cmpd="sng" algn="ctr">
-          <a:solidFill>
-            <a:schemeClr val="lt1">
-              <a:hueOff val="0"/>
-              <a:satOff val="0"/>
-              <a:lumOff val="0"/>
-              <a:alphaOff val="0"/>
-            </a:schemeClr>
-          </a:solidFill>
-          <a:prstDash val="solid"/>
-          <a:miter lim="800000"/>
-        </a:ln>
-        <a:effectLst/>
-      </dsp:spPr>
-      <dsp:style>
-        <a:lnRef idx="2">
-          <a:scrgbClr r="0" g="0" b="0"/>
-        </a:lnRef>
-        <a:fillRef idx="1">
-          <a:scrgbClr r="0" g="0" b="0"/>
-        </a:fillRef>
-        <a:effectRef idx="0">
-          <a:scrgbClr r="0" g="0" b="0"/>
-        </a:effectRef>
-        <a:fontRef idx="minor">
-          <a:schemeClr val="lt1"/>
-        </a:fontRef>
-      </dsp:style>
-      <dsp:txBody>
-        <a:bodyPr spcFirstLastPara="0" vert="horz" wrap="square" lIns="68580" tIns="68580" rIns="68580" bIns="68580" numCol="1" spcCol="1270" anchor="ctr" anchorCtr="0">
-          <a:noAutofit/>
-        </a:bodyPr>
-        <a:lstStyle/>
-        <a:p>
-          <a:pPr marL="0" lvl="0" indent="0" algn="l" defTabSz="800100">
-            <a:lnSpc>
-              <a:spcPct val="90000"/>
-            </a:lnSpc>
-            <a:spcBef>
-              <a:spcPct val="0"/>
-            </a:spcBef>
-            <a:spcAft>
-              <a:spcPct val="35000"/>
-            </a:spcAft>
-            <a:buNone/>
-          </a:pPr>
-          <a:r>
-            <a:rPr lang="en-US" sz="1800" kern="1200"/>
-            <a:t>Time series are widely applicable (well logs, medical records, etc)</a:t>
-          </a:r>
-        </a:p>
-      </dsp:txBody>
-      <dsp:txXfrm>
-        <a:off x="34954" y="4923287"/>
-        <a:ext cx="6443695" cy="646132"/>
+        <a:off x="45692" y="4739805"/>
+        <a:ext cx="6422219" cy="844616"/>
       </dsp:txXfrm>
     </dsp:sp>
   </dsp:spTree>
@@ -3598,7 +3476,6 @@
         <a:ln w="12700" cap="flat" cmpd="sng" algn="ctr">
           <a:noFill/>
           <a:prstDash val="solid"/>
-          <a:miter lim="800000"/>
         </a:ln>
         <a:effectLst/>
       </dsp:spPr>
@@ -3748,7 +3625,6 @@
         <a:ln w="12700" cap="flat" cmpd="sng" algn="ctr">
           <a:noFill/>
           <a:prstDash val="solid"/>
-          <a:miter lim="800000"/>
         </a:ln>
         <a:effectLst/>
       </dsp:spPr>
@@ -3818,7 +3694,7 @@
             <a:defRPr cap="all"/>
           </a:pPr>
           <a:r>
-            <a:rPr lang="en-US" sz="1100" kern="1200"/>
+            <a:rPr lang="en-US" sz="1100" kern="1200" dirty="0"/>
             <a:t>ARX/GARCH forecasting capability is weak and hence excluded</a:t>
           </a:r>
         </a:p>
@@ -3898,7 +3774,6 @@
         <a:ln w="12700" cap="flat" cmpd="sng" algn="ctr">
           <a:noFill/>
           <a:prstDash val="solid"/>
-          <a:miter lim="800000"/>
         </a:ln>
         <a:effectLst/>
       </dsp:spPr>
@@ -4048,7 +3923,6 @@
         <a:ln w="12700" cap="flat" cmpd="sng" algn="ctr">
           <a:noFill/>
           <a:prstDash val="solid"/>
-          <a:miter lim="800000"/>
         </a:ln>
         <a:effectLst/>
       </dsp:spPr>
@@ -4198,7 +4072,6 @@
         <a:ln w="12700" cap="flat" cmpd="sng" algn="ctr">
           <a:noFill/>
           <a:prstDash val="solid"/>
-          <a:miter lim="800000"/>
         </a:ln>
         <a:effectLst/>
       </dsp:spPr>
@@ -4348,7 +4221,6 @@
         <a:ln w="12700" cap="flat" cmpd="sng" algn="ctr">
           <a:noFill/>
           <a:prstDash val="solid"/>
-          <a:miter lim="800000"/>
         </a:ln>
         <a:effectLst/>
       </dsp:spPr>
@@ -4498,7 +4370,6 @@
         <a:ln w="12700" cap="flat" cmpd="sng" algn="ctr">
           <a:noFill/>
           <a:prstDash val="solid"/>
-          <a:miter lim="800000"/>
         </a:ln>
         <a:effectLst/>
       </dsp:spPr>
@@ -7426,9 +7297,266 @@
           <a:lstStyle/>
           <a:p>
             <a:r>
-              <a:rPr lang="en-US" dirty="0"/>
-              <a:t>Overview of presentation. </a:t>
+              <a:rPr lang="en-US" sz="1200" kern="1200" dirty="0">
+                <a:solidFill>
+                  <a:schemeClr val="tx1"/>
+                </a:solidFill>
+                <a:effectLst/>
+                <a:latin typeface="+mn-lt"/>
+                <a:ea typeface="+mn-ea"/>
+                <a:cs typeface="+mn-cs"/>
+              </a:rPr>
+              <a:t>I enjoy watching science fiction movies. One of the movies that I took inspiration from is called </a:t>
             </a:r>
+            <a:r>
+              <a:rPr lang="en-US" sz="1200" kern="1200" dirty="0" err="1">
+                <a:solidFill>
+                  <a:schemeClr val="tx1"/>
+                </a:solidFill>
+                <a:effectLst/>
+                <a:latin typeface="+mn-lt"/>
+                <a:ea typeface="+mn-ea"/>
+                <a:cs typeface="+mn-cs"/>
+              </a:rPr>
+              <a:t>Chappie</a:t>
+            </a:r>
+            <a:r>
+              <a:rPr lang="en-US" sz="1200" kern="1200" dirty="0">
+                <a:solidFill>
+                  <a:schemeClr val="tx1"/>
+                </a:solidFill>
+                <a:effectLst/>
+                <a:latin typeface="+mn-lt"/>
+                <a:ea typeface="+mn-ea"/>
+                <a:cs typeface="+mn-cs"/>
+              </a:rPr>
+              <a:t> by Neil Blomkamp (2015, South Africa). </a:t>
+            </a:r>
+          </a:p>
+          <a:p>
+            <a:endParaRPr lang="en-US" sz="1200" kern="1200" dirty="0">
+              <a:solidFill>
+                <a:schemeClr val="tx1"/>
+              </a:solidFill>
+              <a:effectLst/>
+              <a:latin typeface="+mn-lt"/>
+              <a:ea typeface="+mn-ea"/>
+              <a:cs typeface="+mn-cs"/>
+            </a:endParaRPr>
+          </a:p>
+          <a:p>
+            <a:r>
+              <a:rPr lang="en-US" sz="1200" kern="1200" dirty="0">
+                <a:solidFill>
+                  <a:schemeClr val="tx1"/>
+                </a:solidFill>
+                <a:effectLst/>
+                <a:latin typeface="+mn-lt"/>
+                <a:ea typeface="+mn-ea"/>
+                <a:cs typeface="+mn-cs"/>
+              </a:rPr>
+              <a:t>In Dutch “</a:t>
+            </a:r>
+            <a:r>
+              <a:rPr lang="en-US" sz="1200" kern="1200" dirty="0" err="1">
+                <a:solidFill>
+                  <a:schemeClr val="tx1"/>
+                </a:solidFill>
+                <a:effectLst/>
+                <a:latin typeface="+mn-lt"/>
+                <a:ea typeface="+mn-ea"/>
+                <a:cs typeface="+mn-cs"/>
+              </a:rPr>
+              <a:t>ie</a:t>
+            </a:r>
+            <a:r>
+              <a:rPr lang="en-US" sz="1200" kern="1200" dirty="0">
+                <a:solidFill>
+                  <a:schemeClr val="tx1"/>
+                </a:solidFill>
+                <a:effectLst/>
+                <a:latin typeface="+mn-lt"/>
+                <a:ea typeface="+mn-ea"/>
+                <a:cs typeface="+mn-cs"/>
+              </a:rPr>
+              <a:t>” is typically used to make something small and cute, e.g. “</a:t>
+            </a:r>
+            <a:r>
+              <a:rPr lang="en-US" sz="1200" kern="1200" dirty="0" err="1">
+                <a:solidFill>
+                  <a:schemeClr val="tx1"/>
+                </a:solidFill>
+                <a:effectLst/>
+                <a:latin typeface="+mn-lt"/>
+                <a:ea typeface="+mn-ea"/>
+                <a:cs typeface="+mn-cs"/>
+              </a:rPr>
+              <a:t>jochie</a:t>
+            </a:r>
+            <a:r>
+              <a:rPr lang="en-US" sz="1200" kern="1200" dirty="0">
+                <a:solidFill>
+                  <a:schemeClr val="tx1"/>
+                </a:solidFill>
+                <a:effectLst/>
+                <a:latin typeface="+mn-lt"/>
+                <a:ea typeface="+mn-ea"/>
+                <a:cs typeface="+mn-cs"/>
+              </a:rPr>
+              <a:t>” stands for little (and cute) boy. </a:t>
+            </a:r>
+          </a:p>
+          <a:p>
+            <a:endParaRPr lang="en-US" sz="1200" kern="1200" dirty="0">
+              <a:solidFill>
+                <a:schemeClr val="tx1"/>
+              </a:solidFill>
+              <a:effectLst/>
+              <a:latin typeface="+mn-lt"/>
+              <a:ea typeface="+mn-ea"/>
+              <a:cs typeface="+mn-cs"/>
+            </a:endParaRPr>
+          </a:p>
+          <a:p>
+            <a:r>
+              <a:rPr lang="en-US" sz="1200" kern="1200" dirty="0">
+                <a:solidFill>
+                  <a:schemeClr val="tx1"/>
+                </a:solidFill>
+                <a:effectLst/>
+                <a:latin typeface="+mn-lt"/>
+                <a:ea typeface="+mn-ea"/>
+                <a:cs typeface="+mn-cs"/>
+              </a:rPr>
+              <a:t>In honor of this movie, I am calling my trading system </a:t>
+            </a:r>
+            <a:r>
+              <a:rPr lang="en-US" sz="1200" kern="1200" dirty="0" err="1">
+                <a:solidFill>
+                  <a:schemeClr val="tx1"/>
+                </a:solidFill>
+                <a:effectLst/>
+                <a:latin typeface="+mn-lt"/>
+                <a:ea typeface="+mn-ea"/>
+                <a:cs typeface="+mn-cs"/>
+              </a:rPr>
+              <a:t>Stockie</a:t>
+            </a:r>
+            <a:r>
+              <a:rPr lang="en-US" sz="1200" kern="1200" dirty="0">
+                <a:solidFill>
+                  <a:schemeClr val="tx1"/>
+                </a:solidFill>
+                <a:effectLst/>
+                <a:latin typeface="+mn-lt"/>
+                <a:ea typeface="+mn-ea"/>
+                <a:cs typeface="+mn-cs"/>
+              </a:rPr>
+              <a:t>. The picture on the front slide shows </a:t>
+            </a:r>
+            <a:r>
+              <a:rPr lang="en-US" sz="1200" kern="1200" dirty="0" err="1">
+                <a:solidFill>
+                  <a:schemeClr val="tx1"/>
+                </a:solidFill>
+                <a:effectLst/>
+                <a:latin typeface="+mn-lt"/>
+                <a:ea typeface="+mn-ea"/>
+                <a:cs typeface="+mn-cs"/>
+              </a:rPr>
+              <a:t>Chappie</a:t>
+            </a:r>
+            <a:r>
+              <a:rPr lang="en-US" sz="1200" kern="1200" dirty="0">
+                <a:solidFill>
+                  <a:schemeClr val="tx1"/>
+                </a:solidFill>
+                <a:effectLst/>
+                <a:latin typeface="+mn-lt"/>
+                <a:ea typeface="+mn-ea"/>
+                <a:cs typeface="+mn-cs"/>
+              </a:rPr>
+              <a:t> with the name </a:t>
+            </a:r>
+            <a:r>
+              <a:rPr lang="en-US" sz="1200" kern="1200" dirty="0" err="1">
+                <a:solidFill>
+                  <a:schemeClr val="tx1"/>
+                </a:solidFill>
+                <a:effectLst/>
+                <a:latin typeface="+mn-lt"/>
+                <a:ea typeface="+mn-ea"/>
+                <a:cs typeface="+mn-cs"/>
+              </a:rPr>
+              <a:t>Stockie</a:t>
+            </a:r>
+            <a:r>
+              <a:rPr lang="en-US" sz="1200" kern="1200" dirty="0">
+                <a:solidFill>
+                  <a:schemeClr val="tx1"/>
+                </a:solidFill>
+                <a:effectLst/>
+                <a:latin typeface="+mn-lt"/>
+                <a:ea typeface="+mn-ea"/>
+                <a:cs typeface="+mn-cs"/>
+              </a:rPr>
+              <a:t> on top of it.</a:t>
+            </a:r>
+          </a:p>
+          <a:p>
+            <a:r>
+              <a:rPr lang="en-US" sz="1200" kern="1200" dirty="0">
+                <a:solidFill>
+                  <a:schemeClr val="tx1"/>
+                </a:solidFill>
+                <a:effectLst/>
+                <a:latin typeface="+mn-lt"/>
+                <a:ea typeface="+mn-ea"/>
+                <a:cs typeface="+mn-cs"/>
+              </a:rPr>
+              <a:t> </a:t>
+            </a:r>
+          </a:p>
+          <a:p>
+            <a:r>
+              <a:rPr lang="en-US" sz="1200" kern="1200" dirty="0">
+                <a:solidFill>
+                  <a:schemeClr val="tx1"/>
+                </a:solidFill>
+                <a:effectLst/>
+                <a:latin typeface="+mn-lt"/>
+                <a:ea typeface="+mn-ea"/>
+                <a:cs typeface="+mn-cs"/>
+              </a:rPr>
+              <a:t>I also like the name </a:t>
+            </a:r>
+            <a:r>
+              <a:rPr lang="en-US" sz="1200" kern="1200" dirty="0" err="1">
+                <a:solidFill>
+                  <a:schemeClr val="tx1"/>
+                </a:solidFill>
+                <a:effectLst/>
+                <a:latin typeface="+mn-lt"/>
+                <a:ea typeface="+mn-ea"/>
+                <a:cs typeface="+mn-cs"/>
+              </a:rPr>
+              <a:t>Stockie</a:t>
+            </a:r>
+            <a:r>
+              <a:rPr lang="en-US" sz="1200" kern="1200" dirty="0">
+                <a:solidFill>
+                  <a:schemeClr val="tx1"/>
+                </a:solidFill>
+                <a:effectLst/>
+                <a:latin typeface="+mn-lt"/>
+                <a:ea typeface="+mn-ea"/>
+                <a:cs typeface="+mn-cs"/>
+              </a:rPr>
+              <a:t> as it acknowledges that this is a small system compared to trading systems operated by large stock market players.</a:t>
+            </a:r>
+          </a:p>
+          <a:p>
+            <a:endParaRPr lang="en-US" dirty="0"/>
           </a:p>
         </p:txBody>
       </p:sp>
@@ -7449,7 +7577,7 @@
           <a:p>
             <a:fld id="{53973B00-18CC-A14A-AFB9-3764EA84F89B}" type="slidenum">
               <a:rPr lang="en-US" smtClean="0"/>
-              <a:t>2</a:t>
+              <a:t>1</a:t>
             </a:fld>
             <a:endParaRPr lang="en-US"/>
           </a:p>
@@ -7458,7 +7586,7 @@
     </p:spTree>
     <p:extLst>
       <p:ext uri="{BB962C8B-B14F-4D97-AF65-F5344CB8AC3E}">
-        <p14:creationId xmlns:p14="http://schemas.microsoft.com/office/powerpoint/2010/main" val="1184112907"/>
+        <p14:creationId xmlns:p14="http://schemas.microsoft.com/office/powerpoint/2010/main" val="407590076"/>
       </p:ext>
     </p:extLst>
   </p:cSld>
@@ -7512,7 +7640,27 @@
           <a:bodyPr/>
           <a:lstStyle/>
           <a:p>
+            <a:r>
+              <a:rPr lang="en-US" dirty="0"/>
+              <a:t>The mimes show the importance of buying and selling the stock at the right time. If you do that right, you can make money. In fact: lots of money!</a:t>
+            </a:r>
+          </a:p>
+          <a:p>
             <a:endParaRPr lang="en-US" dirty="0"/>
+          </a:p>
+          <a:p>
+            <a:r>
+              <a:rPr lang="en-US" dirty="0"/>
+              <a:t>The trading strategy pursued by </a:t>
+            </a:r>
+            <a:r>
+              <a:rPr lang="en-US" dirty="0" err="1"/>
+              <a:t>Stockie</a:t>
+            </a:r>
+            <a:r>
+              <a:rPr lang="en-US" dirty="0"/>
+              <a:t> is buy low and sell high. It does this based on data, and not what market commentators saying or what market analysts are selling. This is an important distinction.</a:t>
+            </a:r>
           </a:p>
         </p:txBody>
       </p:sp>
@@ -7533,7 +7681,7 @@
           <a:p>
             <a:fld id="{53973B00-18CC-A14A-AFB9-3764EA84F89B}" type="slidenum">
               <a:rPr lang="en-US" smtClean="0"/>
-              <a:t>3</a:t>
+              <a:t>2</a:t>
             </a:fld>
             <a:endParaRPr lang="en-US"/>
           </a:p>
@@ -7542,7 +7690,7 @@
     </p:spTree>
     <p:extLst>
       <p:ext uri="{BB962C8B-B14F-4D97-AF65-F5344CB8AC3E}">
-        <p14:creationId xmlns:p14="http://schemas.microsoft.com/office/powerpoint/2010/main" val="1651098744"/>
+        <p14:creationId xmlns:p14="http://schemas.microsoft.com/office/powerpoint/2010/main" val="1184112907"/>
       </p:ext>
     </p:extLst>
   </p:cSld>
@@ -7596,27 +7744,160 @@
           <a:bodyPr/>
           <a:lstStyle/>
           <a:p>
+            <a:pPr marL="0" marR="0" lvl="0" indent="0" algn="l" defTabSz="914400" rtl="0" eaLnBrk="1" fontAlgn="auto" latinLnBrk="0" hangingPunct="1">
+              <a:lnSpc>
+                <a:spcPct val="100000"/>
+              </a:lnSpc>
+              <a:spcBef>
+                <a:spcPts val="0"/>
+              </a:spcBef>
+              <a:spcAft>
+                <a:spcPts val="0"/>
+              </a:spcAft>
+              <a:buClrTx/>
+              <a:buSzTx/>
+              <a:buFontTx/>
+              <a:buNone/>
+              <a:tabLst/>
+              <a:defRPr/>
+            </a:pPr>
             <a:r>
               <a:rPr lang="en-US" dirty="0"/>
-              <a:t>.Summarize what was developed as part of module 4 project. Also, document the findings. Highlight 1-day model unreliable and dropped as a consequence. Added an 8-day model instead. The 8-day model doing much better than 1-day model.</a:t>
+              <a:t>I started investing in stocks in my twenties as a result of Oracle stock options. It was a world that I did not learn until then. I was surprised how valuable options and stocks could be. </a:t>
             </a:r>
           </a:p>
           <a:p>
+            <a:pPr marL="0" marR="0" lvl="0" indent="0" algn="l" defTabSz="914400" rtl="0" eaLnBrk="1" fontAlgn="auto" latinLnBrk="0" hangingPunct="1">
+              <a:lnSpc>
+                <a:spcPct val="100000"/>
+              </a:lnSpc>
+              <a:spcBef>
+                <a:spcPts val="0"/>
+              </a:spcBef>
+              <a:spcAft>
+                <a:spcPts val="0"/>
+              </a:spcAft>
+              <a:buClrTx/>
+              <a:buSzTx/>
+              <a:buFontTx/>
+              <a:buNone/>
+              <a:tabLst/>
+              <a:defRPr/>
+            </a:pPr>
             <a:endParaRPr lang="en-US" dirty="0"/>
           </a:p>
           <a:p>
+            <a:pPr marL="0" marR="0" lvl="0" indent="0" algn="l" defTabSz="914400" rtl="0" eaLnBrk="1" fontAlgn="auto" latinLnBrk="0" hangingPunct="1">
+              <a:lnSpc>
+                <a:spcPct val="100000"/>
+              </a:lnSpc>
+              <a:spcBef>
+                <a:spcPts val="0"/>
+              </a:spcBef>
+              <a:spcAft>
+                <a:spcPts val="0"/>
+              </a:spcAft>
+              <a:buClrTx/>
+              <a:buSzTx/>
+              <a:buFontTx/>
+              <a:buNone/>
+              <a:tabLst/>
+              <a:defRPr/>
+            </a:pPr>
             <a:r>
               <a:rPr lang="en-US" dirty="0"/>
-              <a:t>Accuracy of predicting stock market going up is important. You don’t want to predict that the market is going up while it then goes down. This would result in loosing money.</a:t>
+              <a:t>CAPM implies markets are efficient and developing a trading strategy to beat the market is futile since the market is a random walk.</a:t>
             </a:r>
           </a:p>
           <a:p>
+            <a:pPr marL="0" marR="0" lvl="0" indent="0" algn="l" defTabSz="914400" rtl="0" eaLnBrk="1" fontAlgn="auto" latinLnBrk="0" hangingPunct="1">
+              <a:lnSpc>
+                <a:spcPct val="100000"/>
+              </a:lnSpc>
+              <a:spcBef>
+                <a:spcPts val="0"/>
+              </a:spcBef>
+              <a:spcAft>
+                <a:spcPts val="0"/>
+              </a:spcAft>
+              <a:buClrTx/>
+              <a:buSzTx/>
+              <a:buFontTx/>
+              <a:buNone/>
+              <a:tabLst/>
+              <a:defRPr/>
+            </a:pPr>
             <a:endParaRPr lang="en-US" dirty="0"/>
           </a:p>
           <a:p>
+            <a:pPr marL="0" marR="0" lvl="0" indent="0" algn="l" defTabSz="914400" rtl="0" eaLnBrk="1" fontAlgn="auto" latinLnBrk="0" hangingPunct="1">
+              <a:lnSpc>
+                <a:spcPct val="100000"/>
+              </a:lnSpc>
+              <a:spcBef>
+                <a:spcPts val="0"/>
+              </a:spcBef>
+              <a:spcAft>
+                <a:spcPts val="0"/>
+              </a:spcAft>
+              <a:buClrTx/>
+              <a:buSzTx/>
+              <a:buFontTx/>
+              <a:buNone/>
+              <a:tabLst/>
+              <a:defRPr/>
+            </a:pPr>
+            <a:r>
+              <a:rPr lang="en-US" dirty="0"/>
+              <a:t>Stock markets are efficient to a large degree, but at the same time they are inefficient to a higher degree than most recognize.</a:t>
+            </a:r>
+          </a:p>
+          <a:p>
+            <a:pPr marL="0" marR="0" lvl="0" indent="0" algn="l" defTabSz="914400" rtl="0" eaLnBrk="1" fontAlgn="auto" latinLnBrk="0" hangingPunct="1">
+              <a:lnSpc>
+                <a:spcPct val="100000"/>
+              </a:lnSpc>
+              <a:spcBef>
+                <a:spcPts val="0"/>
+              </a:spcBef>
+              <a:spcAft>
+                <a:spcPts val="0"/>
+              </a:spcAft>
+              <a:buClrTx/>
+              <a:buSzTx/>
+              <a:buFontTx/>
+              <a:buNone/>
+              <a:tabLst/>
+              <a:defRPr/>
+            </a:pPr>
             <a:endParaRPr lang="en-US" dirty="0"/>
           </a:p>
           <a:p>
+            <a:pPr marL="0" marR="0" lvl="0" indent="0" algn="l" defTabSz="914400" rtl="0" eaLnBrk="1" fontAlgn="auto" latinLnBrk="0" hangingPunct="1">
+              <a:lnSpc>
+                <a:spcPct val="100000"/>
+              </a:lnSpc>
+              <a:spcBef>
+                <a:spcPts val="0"/>
+              </a:spcBef>
+              <a:spcAft>
+                <a:spcPts val="0"/>
+              </a:spcAft>
+              <a:buClrTx/>
+              <a:buSzTx/>
+              <a:buFontTx/>
+              <a:buNone/>
+              <a:tabLst/>
+              <a:defRPr/>
+            </a:pPr>
+            <a:r>
+              <a:rPr lang="en-US" dirty="0"/>
+              <a:t>Time series are applicable in : sales forecasts, well logs, medical records, </a:t>
+            </a:r>
+            <a:r>
+              <a:rPr lang="en-US" dirty="0" err="1"/>
+              <a:t>etc</a:t>
+            </a:r>
             <a:endParaRPr lang="en-US" dirty="0"/>
           </a:p>
           <a:p>
@@ -7641,7 +7922,7 @@
           <a:p>
             <a:fld id="{53973B00-18CC-A14A-AFB9-3764EA84F89B}" type="slidenum">
               <a:rPr lang="en-US" smtClean="0"/>
-              <a:t>4</a:t>
+              <a:t>3</a:t>
             </a:fld>
             <a:endParaRPr lang="en-US"/>
           </a:p>
@@ -7650,7 +7931,7 @@
     </p:spTree>
     <p:extLst>
       <p:ext uri="{BB962C8B-B14F-4D97-AF65-F5344CB8AC3E}">
-        <p14:creationId xmlns:p14="http://schemas.microsoft.com/office/powerpoint/2010/main" val="2949772855"/>
+        <p14:creationId xmlns:p14="http://schemas.microsoft.com/office/powerpoint/2010/main" val="1651098744"/>
       </p:ext>
     </p:extLst>
   </p:cSld>
@@ -7704,28 +7985,43 @@
           <a:bodyPr/>
           <a:lstStyle/>
           <a:p>
+            <a:pPr marL="0" indent="0">
+              <a:buNone/>
+            </a:pPr>
             <a:r>
-              <a:rPr lang="en-US" dirty="0"/>
-              <a:t>.Summarize what was developed as part of module 4 project. Also, document the findings. Highlight 1-day model unreliable and dropped as a consequence. Added an 8-day model instead. The 8-day model doing much better than 1-day model.</a:t>
+              <a:rPr lang="en-US" sz="1200" b="1" u="sng" dirty="0"/>
+              <a:t>Components:</a:t>
             </a:r>
           </a:p>
           <a:p>
-            <a:endParaRPr lang="en-US" dirty="0"/>
+            <a:pPr marL="0" indent="0">
+              <a:buNone/>
+            </a:pPr>
+            <a:endParaRPr lang="en-US" sz="1200" dirty="0"/>
           </a:p>
           <a:p>
             <a:r>
-              <a:rPr lang="en-US" dirty="0"/>
-              <a:t>Accuracy of predicting stock market going up is important. You don’t want to predict that the market is going up while it then goes down. This would result in loosing money.</a:t>
+              <a:rPr lang="en-US" sz="1200" dirty="0"/>
+              <a:t>- The blue parts were developed as part of Module 4 project, giving final project a head start</a:t>
             </a:r>
           </a:p>
           <a:p>
-            <a:endParaRPr lang="en-US" dirty="0"/>
-          </a:p>
-          <a:p>
-            <a:endParaRPr lang="en-US" dirty="0"/>
-          </a:p>
-          <a:p>
-            <a:endParaRPr lang="en-US" dirty="0"/>
+            <a:r>
+              <a:rPr lang="en-US" sz="1200" dirty="0"/>
+              <a:t>- Two types of models envisaged to predict whether stocks are going up or not</a:t>
+            </a:r>
+          </a:p>
+          <a:p>
+            <a:r>
+              <a:rPr lang="en-US" sz="1200" dirty="0"/>
+              <a:t>- The middle part integrates both recommendations to identify buy opportunities</a:t>
+            </a:r>
+          </a:p>
+          <a:p>
+            <a:r>
+              <a:rPr lang="en-US" sz="1200" dirty="0"/>
+              <a:t>- The top part shows that buy decisions are verified by a human and then added to ledger after buying</a:t>
+            </a:r>
           </a:p>
           <a:p>
             <a:endParaRPr lang="en-US" dirty="0"/>
@@ -7749,7 +8045,7 @@
           <a:p>
             <a:fld id="{53973B00-18CC-A14A-AFB9-3764EA84F89B}" type="slidenum">
               <a:rPr lang="en-US" smtClean="0"/>
-              <a:t>5</a:t>
+              <a:t>4</a:t>
             </a:fld>
             <a:endParaRPr lang="en-US"/>
           </a:p>
@@ -7758,7 +8054,7 @@
     </p:spTree>
     <p:extLst>
       <p:ext uri="{BB962C8B-B14F-4D97-AF65-F5344CB8AC3E}">
-        <p14:creationId xmlns:p14="http://schemas.microsoft.com/office/powerpoint/2010/main" val="457819218"/>
+        <p14:creationId xmlns:p14="http://schemas.microsoft.com/office/powerpoint/2010/main" val="2949772855"/>
       </p:ext>
     </p:extLst>
   </p:cSld>
@@ -7812,18 +8108,68 @@
           <a:bodyPr/>
           <a:lstStyle/>
           <a:p>
+            <a:pPr marL="0" indent="0">
+              <a:buNone/>
+            </a:pPr>
             <a:r>
-              <a:rPr lang="en-US" dirty="0"/>
-              <a:t>.Summarize what was developed as part of module 4 project. Also, document the findings. Highlight 1-day model unreliable and dropped as a consequence. Added an 8-day model instead. The 8-day model doing much better than 1-day model.</a:t>
+              <a:rPr lang="en-US" sz="1200" b="1" u="sng" dirty="0"/>
+              <a:t>Components:</a:t>
             </a:r>
           </a:p>
           <a:p>
-            <a:endParaRPr lang="en-US" dirty="0"/>
+            <a:pPr marL="0" indent="0">
+              <a:buNone/>
+            </a:pPr>
+            <a:endParaRPr lang="en-US" sz="1200" dirty="0"/>
           </a:p>
           <a:p>
             <a:r>
-              <a:rPr lang="en-US" dirty="0"/>
-              <a:t>Accuracy of predicting stock market going up is important. You don’t want to predict that the market is going up while it then goes down. This would result in loosing money.</a:t>
+              <a:rPr lang="en-US" sz="1200" dirty="0"/>
+              <a:t>- 2,000 stocks instead of 100</a:t>
+            </a:r>
+          </a:p>
+          <a:p>
+            <a:r>
+              <a:rPr lang="en-US" sz="1200" dirty="0"/>
+              <a:t>- </a:t>
+            </a:r>
+            <a:r>
+              <a:rPr lang="en-US" sz="1200" dirty="0" err="1"/>
+              <a:t>Backtesting</a:t>
+            </a:r>
+            <a:r>
+              <a:rPr lang="en-US" sz="1200" dirty="0"/>
+              <a:t> engine</a:t>
+            </a:r>
+          </a:p>
+          <a:p>
+            <a:r>
+              <a:rPr lang="en-US" sz="1200" dirty="0"/>
+              <a:t>- Forecasting with ARX/GARCH model</a:t>
+            </a:r>
+          </a:p>
+          <a:p>
+            <a:r>
+              <a:rPr lang="en-US" sz="1200" dirty="0"/>
+              <a:t>- Local minima and maxima models</a:t>
+            </a:r>
+          </a:p>
+          <a:p>
+            <a:r>
+              <a:rPr lang="en-US" sz="1200" dirty="0"/>
+              <a:t>- P&amp;L functionality to track performance</a:t>
+            </a:r>
+          </a:p>
+          <a:p>
+            <a:r>
+              <a:rPr lang="en-US" sz="1200" dirty="0"/>
+              <a:t>- Buy recommendations (but not sell)</a:t>
+            </a:r>
+          </a:p>
+          <a:p>
+            <a:r>
+              <a:rPr lang="en-US" sz="1200" dirty="0"/>
+              <a:t>- Hourly updates</a:t>
             </a:r>
           </a:p>
           <a:p>
@@ -7857,6 +8203,394 @@
           <a:p>
             <a:fld id="{53973B00-18CC-A14A-AFB9-3764EA84F89B}" type="slidenum">
               <a:rPr lang="en-US" smtClean="0"/>
+              <a:t>5</a:t>
+            </a:fld>
+            <a:endParaRPr lang="en-US"/>
+          </a:p>
+        </p:txBody>
+      </p:sp>
+    </p:spTree>
+    <p:extLst>
+      <p:ext uri="{BB962C8B-B14F-4D97-AF65-F5344CB8AC3E}">
+        <p14:creationId xmlns:p14="http://schemas.microsoft.com/office/powerpoint/2010/main" val="457819218"/>
+      </p:ext>
+    </p:extLst>
+  </p:cSld>
+  <p:clrMapOvr>
+    <a:masterClrMapping/>
+  </p:clrMapOvr>
+</p:notes>
+</file>
+
+<file path=ppt/notesSlides/notesSlide6.xml><?xml version="1.0" encoding="utf-8"?>
+<p:notes xmlns:a="http://schemas.openxmlformats.org/drawingml/2006/main" xmlns:r="http://schemas.openxmlformats.org/officeDocument/2006/relationships" xmlns:p="http://schemas.openxmlformats.org/presentationml/2006/main">
+  <p:cSld>
+    <p:spTree>
+      <p:nvGrpSpPr>
+        <p:cNvPr id="1" name=""/>
+        <p:cNvGrpSpPr/>
+        <p:nvPr/>
+      </p:nvGrpSpPr>
+      <p:grpSpPr>
+        <a:xfrm>
+          <a:off x="0" y="0"/>
+          <a:ext cx="0" cy="0"/>
+          <a:chOff x="0" y="0"/>
+          <a:chExt cx="0" cy="0"/>
+        </a:xfrm>
+      </p:grpSpPr>
+      <p:sp>
+        <p:nvSpPr>
+          <p:cNvPr id="2" name="Slide Image Placeholder 1"/>
+          <p:cNvSpPr>
+            <a:spLocks noGrp="1" noRot="1" noChangeAspect="1"/>
+          </p:cNvSpPr>
+          <p:nvPr>
+            <p:ph type="sldImg"/>
+          </p:nvPr>
+        </p:nvSpPr>
+        <p:spPr/>
+      </p:sp>
+      <p:sp>
+        <p:nvSpPr>
+          <p:cNvPr id="3" name="Notes Placeholder 2"/>
+          <p:cNvSpPr>
+            <a:spLocks noGrp="1"/>
+          </p:cNvSpPr>
+          <p:nvPr>
+            <p:ph type="body" idx="1"/>
+          </p:nvPr>
+        </p:nvSpPr>
+        <p:spPr/>
+        <p:txBody>
+          <a:bodyPr/>
+          <a:lstStyle/>
+          <a:p>
+            <a:r>
+              <a:rPr lang="en-US" dirty="0"/>
+              <a:t>Note that the chart is only showing (buy and sell pairs). This is why you see the in use line dropping at the end of the chart.</a:t>
+            </a:r>
+          </a:p>
+          <a:p>
+            <a:endParaRPr lang="en-US" dirty="0"/>
+          </a:p>
+          <a:p>
+            <a:r>
+              <a:rPr lang="en-US" dirty="0"/>
+              <a:t>253 trading days per year. </a:t>
+            </a:r>
+          </a:p>
+          <a:p>
+            <a:r>
+              <a:rPr lang="en-US" dirty="0"/>
+              <a:t>0.4 % daily compounded return =  175 % p.a. (excluding initial capital)</a:t>
+            </a:r>
+          </a:p>
+          <a:p>
+            <a:r>
+              <a:rPr lang="en-US" dirty="0"/>
+              <a:t>0.5 % daily compounded return =  253 % p.a. (excluding initial capital)</a:t>
+            </a:r>
+          </a:p>
+        </p:txBody>
+      </p:sp>
+      <p:sp>
+        <p:nvSpPr>
+          <p:cNvPr id="4" name="Slide Number Placeholder 3"/>
+          <p:cNvSpPr>
+            <a:spLocks noGrp="1"/>
+          </p:cNvSpPr>
+          <p:nvPr>
+            <p:ph type="sldNum" sz="quarter" idx="5"/>
+          </p:nvPr>
+        </p:nvSpPr>
+        <p:spPr/>
+        <p:txBody>
+          <a:bodyPr/>
+          <a:lstStyle/>
+          <a:p>
+            <a:fld id="{53973B00-18CC-A14A-AFB9-3764EA84F89B}" type="slidenum">
+              <a:rPr lang="en-US" smtClean="0"/>
+              <a:t>7</a:t>
+            </a:fld>
+            <a:endParaRPr lang="en-US"/>
+          </a:p>
+        </p:txBody>
+      </p:sp>
+    </p:spTree>
+    <p:extLst>
+      <p:ext uri="{BB962C8B-B14F-4D97-AF65-F5344CB8AC3E}">
+        <p14:creationId xmlns:p14="http://schemas.microsoft.com/office/powerpoint/2010/main" val="4248893426"/>
+      </p:ext>
+    </p:extLst>
+  </p:cSld>
+  <p:clrMapOvr>
+    <a:masterClrMapping/>
+  </p:clrMapOvr>
+</p:notes>
+</file>
+
+<file path=ppt/notesSlides/notesSlide7.xml><?xml version="1.0" encoding="utf-8"?>
+<p:notes xmlns:a="http://schemas.openxmlformats.org/drawingml/2006/main" xmlns:r="http://schemas.openxmlformats.org/officeDocument/2006/relationships" xmlns:p="http://schemas.openxmlformats.org/presentationml/2006/main">
+  <p:cSld>
+    <p:spTree>
+      <p:nvGrpSpPr>
+        <p:cNvPr id="1" name=""/>
+        <p:cNvGrpSpPr/>
+        <p:nvPr/>
+      </p:nvGrpSpPr>
+      <p:grpSpPr>
+        <a:xfrm>
+          <a:off x="0" y="0"/>
+          <a:ext cx="0" cy="0"/>
+          <a:chOff x="0" y="0"/>
+          <a:chExt cx="0" cy="0"/>
+        </a:xfrm>
+      </p:grpSpPr>
+      <p:sp>
+        <p:nvSpPr>
+          <p:cNvPr id="2" name="Slide Image Placeholder 1"/>
+          <p:cNvSpPr>
+            <a:spLocks noGrp="1" noRot="1" noChangeAspect="1"/>
+          </p:cNvSpPr>
+          <p:nvPr>
+            <p:ph type="sldImg"/>
+          </p:nvPr>
+        </p:nvSpPr>
+        <p:spPr/>
+      </p:sp>
+      <p:sp>
+        <p:nvSpPr>
+          <p:cNvPr id="3" name="Notes Placeholder 2"/>
+          <p:cNvSpPr>
+            <a:spLocks noGrp="1"/>
+          </p:cNvSpPr>
+          <p:nvPr>
+            <p:ph type="body" idx="1"/>
+          </p:nvPr>
+        </p:nvSpPr>
+        <p:spPr/>
+        <p:txBody>
+          <a:bodyPr/>
+          <a:lstStyle/>
+          <a:p>
+            <a:r>
+              <a:rPr lang="en-US" dirty="0"/>
+              <a:t>Literature claims NN are better at predicting stock market prices.  That may be true, but they are also more complex (what features they are precisely using...?)</a:t>
+            </a:r>
+          </a:p>
+          <a:p>
+            <a:endParaRPr lang="en-US" dirty="0"/>
+          </a:p>
+          <a:p>
+            <a:r>
+              <a:rPr lang="en-US" dirty="0"/>
+              <a:t>NB: not shown and covered, but I developed a Markov Chain model to predict stock market prices prior to Module 4. When considering ARX/GARCH and NN models, we also need to revisit this part. Perhaps a mixture of models works best?</a:t>
+            </a:r>
+          </a:p>
+        </p:txBody>
+      </p:sp>
+      <p:sp>
+        <p:nvSpPr>
+          <p:cNvPr id="4" name="Slide Number Placeholder 3"/>
+          <p:cNvSpPr>
+            <a:spLocks noGrp="1"/>
+          </p:cNvSpPr>
+          <p:nvPr>
+            <p:ph type="sldNum" sz="quarter" idx="5"/>
+          </p:nvPr>
+        </p:nvSpPr>
+        <p:spPr/>
+        <p:txBody>
+          <a:bodyPr/>
+          <a:lstStyle/>
+          <a:p>
+            <a:fld id="{53973B00-18CC-A14A-AFB9-3764EA84F89B}" type="slidenum">
+              <a:rPr lang="en-US" smtClean="0"/>
+              <a:t>8</a:t>
+            </a:fld>
+            <a:endParaRPr lang="en-US"/>
+          </a:p>
+        </p:txBody>
+      </p:sp>
+    </p:spTree>
+    <p:extLst>
+      <p:ext uri="{BB962C8B-B14F-4D97-AF65-F5344CB8AC3E}">
+        <p14:creationId xmlns:p14="http://schemas.microsoft.com/office/powerpoint/2010/main" val="3404195636"/>
+      </p:ext>
+    </p:extLst>
+  </p:cSld>
+  <p:clrMapOvr>
+    <a:masterClrMapping/>
+  </p:clrMapOvr>
+</p:notes>
+</file>
+
+<file path=ppt/notesSlides/notesSlide8.xml><?xml version="1.0" encoding="utf-8"?>
+<p:notes xmlns:a="http://schemas.openxmlformats.org/drawingml/2006/main" xmlns:r="http://schemas.openxmlformats.org/officeDocument/2006/relationships" xmlns:p="http://schemas.openxmlformats.org/presentationml/2006/main">
+  <p:cSld>
+    <p:spTree>
+      <p:nvGrpSpPr>
+        <p:cNvPr id="1" name=""/>
+        <p:cNvGrpSpPr/>
+        <p:nvPr/>
+      </p:nvGrpSpPr>
+      <p:grpSpPr>
+        <a:xfrm>
+          <a:off x="0" y="0"/>
+          <a:ext cx="0" cy="0"/>
+          <a:chOff x="0" y="0"/>
+          <a:chExt cx="0" cy="0"/>
+        </a:xfrm>
+      </p:grpSpPr>
+      <p:sp>
+        <p:nvSpPr>
+          <p:cNvPr id="2" name="Slide Image Placeholder 1"/>
+          <p:cNvSpPr>
+            <a:spLocks noGrp="1" noRot="1" noChangeAspect="1"/>
+          </p:cNvSpPr>
+          <p:nvPr>
+            <p:ph type="sldImg"/>
+          </p:nvPr>
+        </p:nvSpPr>
+        <p:spPr/>
+      </p:sp>
+      <p:sp>
+        <p:nvSpPr>
+          <p:cNvPr id="3" name="Notes Placeholder 2"/>
+          <p:cNvSpPr>
+            <a:spLocks noGrp="1"/>
+          </p:cNvSpPr>
+          <p:nvPr>
+            <p:ph type="body" idx="1"/>
+          </p:nvPr>
+        </p:nvSpPr>
+        <p:spPr/>
+        <p:txBody>
+          <a:bodyPr/>
+          <a:lstStyle/>
+          <a:p>
+            <a:endParaRPr lang="en-US" dirty="0"/>
+          </a:p>
+          <a:p>
+            <a:pPr marL="0" indent="0">
+              <a:buNone/>
+            </a:pPr>
+            <a:r>
+              <a:rPr lang="en-US" sz="1200" b="1" u="sng" dirty="0"/>
+              <a:t>Enhancements:</a:t>
+            </a:r>
+          </a:p>
+          <a:p>
+            <a:pPr marL="0" indent="0">
+              <a:buNone/>
+            </a:pPr>
+            <a:endParaRPr lang="en-US" sz="1200" dirty="0"/>
+          </a:p>
+          <a:p>
+            <a:r>
+              <a:rPr lang="en-US" sz="1200" dirty="0"/>
+              <a:t>- Break up the code &amp; simplify </a:t>
+            </a:r>
+            <a:r>
+              <a:rPr lang="en-US" sz="1200" dirty="0" err="1"/>
+              <a:t>backtester</a:t>
+            </a:r>
+            <a:endParaRPr lang="en-US" sz="1200" dirty="0"/>
+          </a:p>
+          <a:p>
+            <a:r>
+              <a:rPr lang="en-US" sz="1200" dirty="0"/>
+              <a:t>- Implement sell recommendations, rebalancing, capping holding period, and limiting trading days</a:t>
+            </a:r>
+          </a:p>
+          <a:p>
+            <a:r>
+              <a:rPr lang="en-US" sz="1200" dirty="0"/>
+              <a:t>- Running jobs in background</a:t>
+            </a:r>
+          </a:p>
+          <a:p>
+            <a:r>
+              <a:rPr lang="en-US" sz="1200" dirty="0"/>
+              <a:t>- Add BlackRock stocks from F-13 filings</a:t>
+            </a:r>
+          </a:p>
+          <a:p>
+            <a:endParaRPr lang="en-US" sz="1200" dirty="0"/>
+          </a:p>
+          <a:p>
+            <a:pPr marL="0" indent="0">
+              <a:buNone/>
+            </a:pPr>
+            <a:r>
+              <a:rPr lang="en-US" sz="1200" b="1" u="sng" dirty="0"/>
+              <a:t>Estimated Effort &amp; Timeline:</a:t>
+            </a:r>
+          </a:p>
+          <a:p>
+            <a:pPr marL="0" indent="0">
+              <a:buNone/>
+            </a:pPr>
+            <a:endParaRPr lang="en-US" sz="1200" dirty="0"/>
+          </a:p>
+          <a:p>
+            <a:pPr marL="0" indent="0">
+              <a:buNone/>
+            </a:pPr>
+            <a:r>
+              <a:rPr lang="en-US" sz="1200" dirty="0"/>
+              <a:t>Takes 2 – 3 weeks to implement. After that we can start testing how well </a:t>
+            </a:r>
+            <a:r>
+              <a:rPr lang="en-US" sz="1200" dirty="0" err="1"/>
+              <a:t>Stockie</a:t>
+            </a:r>
+            <a:r>
+              <a:rPr lang="en-US" sz="1200" dirty="0"/>
+              <a:t> does in predicting future stock movements.</a:t>
+            </a:r>
+          </a:p>
+          <a:p>
+            <a:pPr marL="0" indent="0">
+              <a:buNone/>
+            </a:pPr>
+            <a:endParaRPr lang="en-US" sz="1200" dirty="0"/>
+          </a:p>
+          <a:p>
+            <a:pPr marL="0" indent="0">
+              <a:buNone/>
+            </a:pPr>
+            <a:r>
+              <a:rPr lang="en-US" sz="1200" dirty="0"/>
+              <a:t>Not included: ARX/GARCH, NN, and portfolio management</a:t>
+            </a:r>
+          </a:p>
+          <a:p>
+            <a:endParaRPr lang="en-US" dirty="0"/>
+          </a:p>
+          <a:p>
+            <a:endParaRPr lang="en-US" dirty="0"/>
+          </a:p>
+        </p:txBody>
+      </p:sp>
+      <p:sp>
+        <p:nvSpPr>
+          <p:cNvPr id="4" name="Slide Number Placeholder 3"/>
+          <p:cNvSpPr>
+            <a:spLocks noGrp="1"/>
+          </p:cNvSpPr>
+          <p:nvPr>
+            <p:ph type="sldNum" sz="quarter" idx="5"/>
+          </p:nvPr>
+        </p:nvSpPr>
+        <p:spPr/>
+        <p:txBody>
+          <a:bodyPr/>
+          <a:lstStyle/>
+          <a:p>
+            <a:fld id="{53973B00-18CC-A14A-AFB9-3764EA84F89B}" type="slidenum">
+              <a:rPr lang="en-US" smtClean="0"/>
               <a:t>9</a:t>
             </a:fld>
             <a:endParaRPr lang="en-US"/>
@@ -7876,9 +8610,101 @@
 </p:notes>
 </file>
 
+<file path=ppt/notesSlides/notesSlide9.xml><?xml version="1.0" encoding="utf-8"?>
+<p:notes xmlns:a="http://schemas.openxmlformats.org/drawingml/2006/main" xmlns:r="http://schemas.openxmlformats.org/officeDocument/2006/relationships" xmlns:p="http://schemas.openxmlformats.org/presentationml/2006/main">
+  <p:cSld>
+    <p:spTree>
+      <p:nvGrpSpPr>
+        <p:cNvPr id="1" name=""/>
+        <p:cNvGrpSpPr/>
+        <p:nvPr/>
+      </p:nvGrpSpPr>
+      <p:grpSpPr>
+        <a:xfrm>
+          <a:off x="0" y="0"/>
+          <a:ext cx="0" cy="0"/>
+          <a:chOff x="0" y="0"/>
+          <a:chExt cx="0" cy="0"/>
+        </a:xfrm>
+      </p:grpSpPr>
+      <p:sp>
+        <p:nvSpPr>
+          <p:cNvPr id="2" name="Slide Image Placeholder 1"/>
+          <p:cNvSpPr>
+            <a:spLocks noGrp="1" noRot="1" noChangeAspect="1"/>
+          </p:cNvSpPr>
+          <p:nvPr>
+            <p:ph type="sldImg"/>
+          </p:nvPr>
+        </p:nvSpPr>
+        <p:spPr/>
+      </p:sp>
+      <p:sp>
+        <p:nvSpPr>
+          <p:cNvPr id="3" name="Notes Placeholder 2"/>
+          <p:cNvSpPr>
+            <a:spLocks noGrp="1"/>
+          </p:cNvSpPr>
+          <p:nvPr>
+            <p:ph type="body" idx="1"/>
+          </p:nvPr>
+        </p:nvSpPr>
+        <p:spPr/>
+        <p:txBody>
+          <a:bodyPr/>
+          <a:lstStyle/>
+          <a:p>
+            <a:endParaRPr lang="en-US" dirty="0"/>
+          </a:p>
+        </p:txBody>
+      </p:sp>
+      <p:sp>
+        <p:nvSpPr>
+          <p:cNvPr id="4" name="Slide Number Placeholder 3"/>
+          <p:cNvSpPr>
+            <a:spLocks noGrp="1"/>
+          </p:cNvSpPr>
+          <p:nvPr>
+            <p:ph type="sldNum" sz="quarter" idx="5"/>
+          </p:nvPr>
+        </p:nvSpPr>
+        <p:spPr/>
+        <p:txBody>
+          <a:bodyPr/>
+          <a:lstStyle/>
+          <a:p>
+            <a:fld id="{53973B00-18CC-A14A-AFB9-3764EA84F89B}" type="slidenum">
+              <a:rPr lang="en-US" smtClean="0"/>
+              <a:t>10</a:t>
+            </a:fld>
+            <a:endParaRPr lang="en-US"/>
+          </a:p>
+        </p:txBody>
+      </p:sp>
+    </p:spTree>
+    <p:extLst>
+      <p:ext uri="{BB962C8B-B14F-4D97-AF65-F5344CB8AC3E}">
+        <p14:creationId xmlns:p14="http://schemas.microsoft.com/office/powerpoint/2010/main" val="576779415"/>
+      </p:ext>
+    </p:extLst>
+  </p:cSld>
+  <p:clrMapOvr>
+    <a:masterClrMapping/>
+  </p:clrMapOvr>
+</p:notes>
+</file>
+
 <file path=ppt/slideLayouts/slideLayout1.xml><?xml version="1.0" encoding="utf-8"?>
 <p:sldLayout xmlns:a="http://schemas.openxmlformats.org/drawingml/2006/main" xmlns:r="http://schemas.openxmlformats.org/officeDocument/2006/relationships" xmlns:p="http://schemas.openxmlformats.org/presentationml/2006/main" type="title" preserve="1">
   <p:cSld name="Title Slide">
+    <p:bg>
+      <p:bgPr>
+        <a:solidFill>
+          <a:schemeClr val="accent2"/>
+        </a:solidFill>
+        <a:effectLst/>
+      </p:bgPr>
+    </p:bg>
     <p:spTree>
       <p:nvGrpSpPr>
         <p:cNvPr id="1" name=""/>
@@ -7903,17 +8729,31 @@
             <p:ph type="ctrTitle"/>
           </p:nvPr>
         </p:nvSpPr>
-        <p:spPr>
+        <p:spPr bwMode="blackWhite">
           <a:xfrm>
-            <a:off x="1524000" y="1122363"/>
-            <a:ext cx="9144000" cy="2387600"/>
+            <a:off x="1600200" y="2386744"/>
+            <a:ext cx="8991600" cy="1645920"/>
           </a:xfrm>
+          <a:solidFill>
+            <a:srgbClr val="FFFFFF"/>
+          </a:solidFill>
+          <a:ln w="38100">
+            <a:solidFill>
+              <a:srgbClr val="404040"/>
+            </a:solidFill>
+          </a:ln>
         </p:spPr>
         <p:txBody>
-          <a:bodyPr anchor="b"/>
+          <a:bodyPr lIns="274320" rIns="274320" anchor="ctr" anchorCtr="1">
+            <a:normAutofit/>
+          </a:bodyPr>
           <a:lstStyle>
             <a:lvl1pPr algn="ctr">
-              <a:defRPr sz="6000"/>
+              <a:defRPr sz="3800">
+                <a:solidFill>
+                  <a:srgbClr val="262626"/>
+                </a:solidFill>
+              </a:defRPr>
             </a:lvl1pPr>
           </a:lstStyle>
           <a:p>
@@ -7937,16 +8777,26 @@
         </p:nvSpPr>
         <p:spPr>
           <a:xfrm>
-            <a:off x="1524000" y="3602038"/>
-            <a:ext cx="9144000" cy="1655762"/>
+            <a:off x="2695194" y="4352544"/>
+            <a:ext cx="6801612" cy="1239894"/>
           </a:xfrm>
+          <a:noFill/>
         </p:spPr>
         <p:txBody>
-          <a:bodyPr/>
+          <a:bodyPr>
+            <a:normAutofit/>
+          </a:bodyPr>
           <a:lstStyle>
             <a:lvl1pPr marL="0" indent="0" algn="ctr">
               <a:buNone/>
-              <a:defRPr sz="2400"/>
+              <a:defRPr sz="2000">
+                <a:solidFill>
+                  <a:schemeClr val="tx1">
+                    <a:lumMod val="75000"/>
+                    <a:lumOff val="25000"/>
+                  </a:schemeClr>
+                </a:solidFill>
+              </a:defRPr>
             </a:lvl1pPr>
             <a:lvl2pPr marL="457200" indent="0" algn="ctr">
               <a:buNone/>
@@ -7992,7 +8842,7 @@
       </p:sp>
       <p:sp>
         <p:nvSpPr>
-          <p:cNvPr id="4" name="Date Placeholder 3"/>
+          <p:cNvPr id="7" name="Date Placeholder 6"/>
           <p:cNvSpPr>
             <a:spLocks noGrp="1"/>
           </p:cNvSpPr>
@@ -8015,7 +8865,7 @@
       </p:sp>
       <p:sp>
         <p:nvSpPr>
-          <p:cNvPr id="5" name="Footer Placeholder 4"/>
+          <p:cNvPr id="8" name="Footer Placeholder 7"/>
           <p:cNvSpPr>
             <a:spLocks noGrp="1"/>
           </p:cNvSpPr>
@@ -8034,7 +8884,7 @@
       </p:sp>
       <p:sp>
         <p:nvSpPr>
-          <p:cNvPr id="6" name="Slide Number Placeholder 5"/>
+          <p:cNvPr id="9" name="Slide Number Placeholder 8"/>
           <p:cNvSpPr>
             <a:spLocks noGrp="1"/>
           </p:cNvSpPr>
@@ -8058,12 +8908,12 @@
     </p:spTree>
     <p:extLst>
       <p:ext uri="{BB962C8B-B14F-4D97-AF65-F5344CB8AC3E}">
-        <p14:creationId xmlns:p14="http://schemas.microsoft.com/office/powerpoint/2010/main" val="268434833"/>
+        <p14:creationId xmlns:p14="http://schemas.microsoft.com/office/powerpoint/2010/main" val="349548442"/>
       </p:ext>
     </p:extLst>
   </p:cSld>
   <p:clrMapOvr>
-    <a:masterClrMapping/>
+    <a:overrideClrMapping bg1="dk1" tx1="lt1" bg2="dk2" tx2="lt2" accent1="accent1" accent2="accent2" accent3="accent3" accent4="accent4" accent5="accent5" accent6="accent6" hlink="hlink" folHlink="folHlink"/>
   </p:clrMapOvr>
 </p:sldLayout>
 </file>
@@ -8228,7 +9078,7 @@
     </p:spTree>
     <p:extLst>
       <p:ext uri="{BB962C8B-B14F-4D97-AF65-F5344CB8AC3E}">
-        <p14:creationId xmlns:p14="http://schemas.microsoft.com/office/powerpoint/2010/main" val="2339868604"/>
+        <p14:creationId xmlns:p14="http://schemas.microsoft.com/office/powerpoint/2010/main" val="2324956180"/>
       </p:ext>
     </p:extLst>
   </p:cSld>
@@ -8267,8 +9117,8 @@
         </p:nvSpPr>
         <p:spPr>
           <a:xfrm>
-            <a:off x="8724900" y="365125"/>
-            <a:ext cx="2628900" cy="5811838"/>
+            <a:off x="8653112" y="937260"/>
+            <a:ext cx="1298608" cy="4983480"/>
           </a:xfrm>
         </p:spPr>
         <p:txBody>
@@ -8295,8 +9145,8 @@
         </p:nvSpPr>
         <p:spPr>
           <a:xfrm>
-            <a:off x="838200" y="365125"/>
-            <a:ext cx="7734300" cy="5811838"/>
+            <a:off x="2231136" y="937260"/>
+            <a:ext cx="6198489" cy="4983480"/>
           </a:xfrm>
         </p:spPr>
         <p:txBody>
@@ -8408,7 +9258,7 @@
     </p:spTree>
     <p:extLst>
       <p:ext uri="{BB962C8B-B14F-4D97-AF65-F5344CB8AC3E}">
-        <p14:creationId xmlns:p14="http://schemas.microsoft.com/office/powerpoint/2010/main" val="1665324782"/>
+        <p14:creationId xmlns:p14="http://schemas.microsoft.com/office/powerpoint/2010/main" val="3064929330"/>
       </p:ext>
     </p:extLst>
   </p:cSld>
@@ -8512,7 +9362,7 @@
       </p:sp>
       <p:sp>
         <p:nvSpPr>
-          <p:cNvPr id="4" name="Date Placeholder 3"/>
+          <p:cNvPr id="7" name="Date Placeholder 6"/>
           <p:cNvSpPr>
             <a:spLocks noGrp="1"/>
           </p:cNvSpPr>
@@ -8535,7 +9385,7 @@
       </p:sp>
       <p:sp>
         <p:nvSpPr>
-          <p:cNvPr id="5" name="Footer Placeholder 4"/>
+          <p:cNvPr id="8" name="Footer Placeholder 7"/>
           <p:cNvSpPr>
             <a:spLocks noGrp="1"/>
           </p:cNvSpPr>
@@ -8554,7 +9404,7 @@
       </p:sp>
       <p:sp>
         <p:nvSpPr>
-          <p:cNvPr id="6" name="Slide Number Placeholder 5"/>
+          <p:cNvPr id="9" name="Slide Number Placeholder 8"/>
           <p:cNvSpPr>
             <a:spLocks noGrp="1"/>
           </p:cNvSpPr>
@@ -8578,7 +9428,7 @@
     </p:spTree>
     <p:extLst>
       <p:ext uri="{BB962C8B-B14F-4D97-AF65-F5344CB8AC3E}">
-        <p14:creationId xmlns:p14="http://schemas.microsoft.com/office/powerpoint/2010/main" val="522650817"/>
+        <p14:creationId xmlns:p14="http://schemas.microsoft.com/office/powerpoint/2010/main" val="1725615180"/>
       </p:ext>
     </p:extLst>
   </p:cSld>
@@ -8591,6 +9441,14 @@
 <file path=ppt/slideLayouts/slideLayout3.xml><?xml version="1.0" encoding="utf-8"?>
 <p:sldLayout xmlns:a="http://schemas.openxmlformats.org/drawingml/2006/main" xmlns:r="http://schemas.openxmlformats.org/officeDocument/2006/relationships" xmlns:p="http://schemas.openxmlformats.org/presentationml/2006/main" type="secHead" preserve="1">
   <p:cSld name="Section Header">
+    <p:bg>
+      <p:bgPr>
+        <a:solidFill>
+          <a:schemeClr val="accent1"/>
+        </a:solidFill>
+        <a:effectLst/>
+      </p:bgPr>
+    </p:bg>
     <p:spTree>
       <p:nvGrpSpPr>
         <p:cNvPr id="1" name=""/>
@@ -8615,17 +9473,31 @@
             <p:ph type="title"/>
           </p:nvPr>
         </p:nvSpPr>
-        <p:spPr>
+        <p:spPr bwMode="blackWhite">
           <a:xfrm>
-            <a:off x="831850" y="1709738"/>
-            <a:ext cx="10515600" cy="2852737"/>
+            <a:off x="1600200" y="2386744"/>
+            <a:ext cx="8991600" cy="1645920"/>
           </a:xfrm>
+          <a:solidFill>
+            <a:srgbClr val="FFFFFF"/>
+          </a:solidFill>
+          <a:ln w="38100">
+            <a:solidFill>
+              <a:srgbClr val="404040"/>
+            </a:solidFill>
+          </a:ln>
         </p:spPr>
         <p:txBody>
-          <a:bodyPr anchor="b"/>
+          <a:bodyPr lIns="274320" rIns="274320" anchor="ctr" anchorCtr="1">
+            <a:normAutofit/>
+          </a:bodyPr>
           <a:lstStyle>
             <a:lvl1pPr>
-              <a:defRPr sz="6000"/>
+              <a:defRPr sz="3800">
+                <a:solidFill>
+                  <a:srgbClr val="262626"/>
+                </a:solidFill>
+              </a:defRPr>
             </a:lvl1pPr>
           </a:lstStyle>
           <a:p>
@@ -8649,20 +9521,20 @@
         </p:nvSpPr>
         <p:spPr>
           <a:xfrm>
-            <a:off x="831850" y="4589463"/>
-            <a:ext cx="10515600" cy="1500187"/>
+            <a:off x="2695194" y="4352465"/>
+            <a:ext cx="6801612" cy="1265082"/>
           </a:xfrm>
         </p:spPr>
         <p:txBody>
-          <a:bodyPr/>
+          <a:bodyPr anchor="t" anchorCtr="1">
+            <a:normAutofit/>
+          </a:bodyPr>
           <a:lstStyle>
             <a:lvl1pPr marL="0" indent="0">
               <a:buNone/>
-              <a:defRPr sz="2400">
+              <a:defRPr sz="2000">
                 <a:solidFill>
-                  <a:schemeClr val="tx1">
-                    <a:tint val="75000"/>
-                  </a:schemeClr>
+                  <a:schemeClr val="tx1"/>
                 </a:solidFill>
               </a:defRPr>
             </a:lvl1pPr>
@@ -8758,7 +9630,7 @@
       </p:sp>
       <p:sp>
         <p:nvSpPr>
-          <p:cNvPr id="4" name="Date Placeholder 3"/>
+          <p:cNvPr id="7" name="Date Placeholder 6"/>
           <p:cNvSpPr>
             <a:spLocks noGrp="1"/>
           </p:cNvSpPr>
@@ -8781,7 +9653,7 @@
       </p:sp>
       <p:sp>
         <p:nvSpPr>
-          <p:cNvPr id="5" name="Footer Placeholder 4"/>
+          <p:cNvPr id="8" name="Footer Placeholder 7"/>
           <p:cNvSpPr>
             <a:spLocks noGrp="1"/>
           </p:cNvSpPr>
@@ -8800,7 +9672,7 @@
       </p:sp>
       <p:sp>
         <p:nvSpPr>
-          <p:cNvPr id="6" name="Slide Number Placeholder 5"/>
+          <p:cNvPr id="9" name="Slide Number Placeholder 8"/>
           <p:cNvSpPr>
             <a:spLocks noGrp="1"/>
           </p:cNvSpPr>
@@ -8824,12 +9696,12 @@
     </p:spTree>
     <p:extLst>
       <p:ext uri="{BB962C8B-B14F-4D97-AF65-F5344CB8AC3E}">
-        <p14:creationId xmlns:p14="http://schemas.microsoft.com/office/powerpoint/2010/main" val="3251552639"/>
+        <p14:creationId xmlns:p14="http://schemas.microsoft.com/office/powerpoint/2010/main" val="4118166832"/>
       </p:ext>
     </p:extLst>
   </p:cSld>
   <p:clrMapOvr>
-    <a:masterClrMapping/>
+    <a:overrideClrMapping bg1="dk1" tx1="lt1" bg2="dk2" tx2="lt2" accent1="accent1" accent2="accent2" accent3="accent3" accent4="accent4" accent5="accent5" accent6="accent6" hlink="hlink" folHlink="folHlink"/>
   </p:clrMapOvr>
 </p:sldLayout>
 </file>
@@ -8886,8 +9758,8 @@
         </p:nvSpPr>
         <p:spPr>
           <a:xfrm>
-            <a:off x="838200" y="1825625"/>
-            <a:ext cx="5181600" cy="4351338"/>
+            <a:off x="1581912" y="2638044"/>
+            <a:ext cx="4271771" cy="3101982"/>
           </a:xfrm>
         </p:spPr>
         <p:txBody>
@@ -8943,8 +9815,8 @@
         </p:nvSpPr>
         <p:spPr>
           <a:xfrm>
-            <a:off x="6172200" y="1825625"/>
-            <a:ext cx="5181600" cy="4351338"/>
+            <a:off x="6338315" y="2638044"/>
+            <a:ext cx="4270247" cy="3101982"/>
           </a:xfrm>
         </p:spPr>
         <p:txBody>
@@ -8990,7 +9862,7 @@
       </p:sp>
       <p:sp>
         <p:nvSpPr>
-          <p:cNvPr id="5" name="Date Placeholder 4"/>
+          <p:cNvPr id="8" name="Date Placeholder 7"/>
           <p:cNvSpPr>
             <a:spLocks noGrp="1"/>
           </p:cNvSpPr>
@@ -9013,7 +9885,7 @@
       </p:sp>
       <p:sp>
         <p:nvSpPr>
-          <p:cNvPr id="6" name="Footer Placeholder 5"/>
+          <p:cNvPr id="9" name="Footer Placeholder 8"/>
           <p:cNvSpPr>
             <a:spLocks noGrp="1"/>
           </p:cNvSpPr>
@@ -9032,7 +9904,7 @@
       </p:sp>
       <p:sp>
         <p:nvSpPr>
-          <p:cNvPr id="7" name="Slide Number Placeholder 6"/>
+          <p:cNvPr id="10" name="Slide Number Placeholder 9"/>
           <p:cNvSpPr>
             <a:spLocks noGrp="1"/>
           </p:cNvSpPr>
@@ -9056,7 +9928,7 @@
     </p:spTree>
     <p:extLst>
       <p:ext uri="{BB962C8B-B14F-4D97-AF65-F5344CB8AC3E}">
-        <p14:creationId xmlns:p14="http://schemas.microsoft.com/office/powerpoint/2010/main" val="779568394"/>
+        <p14:creationId xmlns:p14="http://schemas.microsoft.com/office/powerpoint/2010/main" val="3167709406"/>
       </p:ext>
     </p:extLst>
   </p:cSld>
@@ -9085,34 +9957,6 @@
       </p:grpSpPr>
       <p:sp>
         <p:nvSpPr>
-          <p:cNvPr id="2" name="Title 1"/>
-          <p:cNvSpPr>
-            <a:spLocks noGrp="1"/>
-          </p:cNvSpPr>
-          <p:nvPr>
-            <p:ph type="title"/>
-          </p:nvPr>
-        </p:nvSpPr>
-        <p:spPr>
-          <a:xfrm>
-            <a:off x="839788" y="365125"/>
-            <a:ext cx="10515600" cy="1325563"/>
-          </a:xfrm>
-        </p:spPr>
-        <p:txBody>
-          <a:bodyPr/>
-          <a:lstStyle/>
-          <a:p>
-            <a:r>
-              <a:rPr lang="en-US"/>
-              <a:t>Click to edit Master title style</a:t>
-            </a:r>
-            <a:endParaRPr lang="en-US" dirty="0"/>
-          </a:p>
-        </p:txBody>
-      </p:sp>
-      <p:sp>
-        <p:nvSpPr>
           <p:cNvPr id="3" name="Text Placeholder 2"/>
           <p:cNvSpPr>
             <a:spLocks noGrp="1"/>
@@ -9123,20 +9967,28 @@
         </p:nvSpPr>
         <p:spPr>
           <a:xfrm>
-            <a:off x="839788" y="1681163"/>
-            <a:ext cx="5157787" cy="823912"/>
+            <a:off x="1583436" y="2313433"/>
+            <a:ext cx="4270248" cy="704087"/>
           </a:xfrm>
         </p:spPr>
         <p:txBody>
-          <a:bodyPr anchor="b"/>
+          <a:bodyPr anchor="b" anchorCtr="1">
+            <a:normAutofit/>
+          </a:bodyPr>
           <a:lstStyle>
-            <a:lvl1pPr marL="0" indent="0">
+            <a:lvl1pPr marL="0" indent="0" algn="ctr">
               <a:buNone/>
-              <a:defRPr sz="2400" b="1"/>
+              <a:defRPr sz="1900" b="0" cap="all" spc="100" baseline="0">
+                <a:solidFill>
+                  <a:schemeClr val="accent2">
+                    <a:lumMod val="75000"/>
+                  </a:schemeClr>
+                </a:solidFill>
+              </a:defRPr>
             </a:lvl1pPr>
             <a:lvl2pPr marL="457200" indent="0">
               <a:buNone/>
-              <a:defRPr sz="2000" b="1"/>
+              <a:defRPr sz="1900" b="1"/>
             </a:lvl2pPr>
             <a:lvl3pPr marL="914400" indent="0">
               <a:buNone/>
@@ -9188,8 +10040,8 @@
         </p:nvSpPr>
         <p:spPr>
           <a:xfrm>
-            <a:off x="839788" y="2505075"/>
-            <a:ext cx="5157787" cy="3684588"/>
+            <a:off x="1583436" y="3143250"/>
+            <a:ext cx="4270248" cy="2596776"/>
           </a:xfrm>
         </p:spPr>
         <p:txBody>
@@ -9235,30 +10087,99 @@
       </p:sp>
       <p:sp>
         <p:nvSpPr>
-          <p:cNvPr id="5" name="Text Placeholder 4"/>
+          <p:cNvPr id="6" name="Content Placeholder 5"/>
           <p:cNvSpPr>
             <a:spLocks noGrp="1"/>
           </p:cNvSpPr>
           <p:nvPr>
-            <p:ph type="body" sz="quarter" idx="3"/>
+            <p:ph sz="quarter" idx="4"/>
           </p:nvPr>
         </p:nvSpPr>
         <p:spPr>
           <a:xfrm>
-            <a:off x="6172200" y="1681163"/>
-            <a:ext cx="5183188" cy="823912"/>
+            <a:off x="6338316" y="3143250"/>
+            <a:ext cx="4253484" cy="2596776"/>
           </a:xfrm>
         </p:spPr>
         <p:txBody>
-          <a:bodyPr anchor="b"/>
+          <a:bodyPr/>
           <a:lstStyle>
-            <a:lvl1pPr marL="0" indent="0">
+            <a:lvl5pPr>
+              <a:defRPr/>
+            </a:lvl5pPr>
+          </a:lstStyle>
+          <a:p>
+            <a:pPr lvl="0"/>
+            <a:r>
+              <a:rPr lang="en-US"/>
+              <a:t>Click to edit Master text styles</a:t>
+            </a:r>
+          </a:p>
+          <a:p>
+            <a:pPr lvl="1"/>
+            <a:r>
+              <a:rPr lang="en-US"/>
+              <a:t>Second level</a:t>
+            </a:r>
+          </a:p>
+          <a:p>
+            <a:pPr lvl="2"/>
+            <a:r>
+              <a:rPr lang="en-US"/>
+              <a:t>Third level</a:t>
+            </a:r>
+          </a:p>
+          <a:p>
+            <a:pPr lvl="3"/>
+            <a:r>
+              <a:rPr lang="en-US"/>
+              <a:t>Fourth level</a:t>
+            </a:r>
+          </a:p>
+          <a:p>
+            <a:pPr lvl="4"/>
+            <a:r>
+              <a:rPr lang="en-US"/>
+              <a:t>Fifth level</a:t>
+            </a:r>
+            <a:endParaRPr lang="en-US" dirty="0"/>
+          </a:p>
+        </p:txBody>
+      </p:sp>
+      <p:sp>
+        <p:nvSpPr>
+          <p:cNvPr id="11" name="Text Placeholder 4"/>
+          <p:cNvSpPr>
+            <a:spLocks noGrp="1"/>
+          </p:cNvSpPr>
+          <p:nvPr>
+            <p:ph type="body" sz="quarter" idx="13"/>
+          </p:nvPr>
+        </p:nvSpPr>
+        <p:spPr>
+          <a:xfrm>
+            <a:off x="6338316" y="2313433"/>
+            <a:ext cx="4270248" cy="704087"/>
+          </a:xfrm>
+        </p:spPr>
+        <p:txBody>
+          <a:bodyPr anchor="b" anchorCtr="1">
+            <a:normAutofit/>
+          </a:bodyPr>
+          <a:lstStyle>
+            <a:lvl1pPr marL="0" indent="0" algn="ctr">
               <a:buNone/>
-              <a:defRPr sz="2400" b="1"/>
+              <a:defRPr sz="1900" b="0" cap="all" spc="100" baseline="0">
+                <a:solidFill>
+                  <a:schemeClr val="accent2">
+                    <a:lumMod val="75000"/>
+                  </a:schemeClr>
+                </a:solidFill>
+              </a:defRPr>
             </a:lvl1pPr>
             <a:lvl2pPr marL="457200" indent="0">
               <a:buNone/>
-              <a:defRPr sz="2000" b="1"/>
+              <a:defRPr sz="1900" b="1"/>
             </a:lvl2pPr>
             <a:lvl3pPr marL="914400" indent="0">
               <a:buNone/>
@@ -9300,63 +10221,6 @@
       </p:sp>
       <p:sp>
         <p:nvSpPr>
-          <p:cNvPr id="6" name="Content Placeholder 5"/>
-          <p:cNvSpPr>
-            <a:spLocks noGrp="1"/>
-          </p:cNvSpPr>
-          <p:nvPr>
-            <p:ph sz="quarter" idx="4"/>
-          </p:nvPr>
-        </p:nvSpPr>
-        <p:spPr>
-          <a:xfrm>
-            <a:off x="6172200" y="2505075"/>
-            <a:ext cx="5183188" cy="3684588"/>
-          </a:xfrm>
-        </p:spPr>
-        <p:txBody>
-          <a:bodyPr/>
-          <a:lstStyle/>
-          <a:p>
-            <a:pPr lvl="0"/>
-            <a:r>
-              <a:rPr lang="en-US"/>
-              <a:t>Click to edit Master text styles</a:t>
-            </a:r>
-          </a:p>
-          <a:p>
-            <a:pPr lvl="1"/>
-            <a:r>
-              <a:rPr lang="en-US"/>
-              <a:t>Second level</a:t>
-            </a:r>
-          </a:p>
-          <a:p>
-            <a:pPr lvl="2"/>
-            <a:r>
-              <a:rPr lang="en-US"/>
-              <a:t>Third level</a:t>
-            </a:r>
-          </a:p>
-          <a:p>
-            <a:pPr lvl="3"/>
-            <a:r>
-              <a:rPr lang="en-US"/>
-              <a:t>Fourth level</a:t>
-            </a:r>
-          </a:p>
-          <a:p>
-            <a:pPr lvl="4"/>
-            <a:r>
-              <a:rPr lang="en-US"/>
-              <a:t>Fifth level</a:t>
-            </a:r>
-            <a:endParaRPr lang="en-US" dirty="0"/>
-          </a:p>
-        </p:txBody>
-      </p:sp>
-      <p:sp>
-        <p:nvSpPr>
           <p:cNvPr id="7" name="Date Placeholder 6"/>
           <p:cNvSpPr>
             <a:spLocks noGrp="1"/>
@@ -9420,10 +10284,33 @@
           </a:p>
         </p:txBody>
       </p:sp>
+      <p:sp>
+        <p:nvSpPr>
+          <p:cNvPr id="10" name="Title 9"/>
+          <p:cNvSpPr>
+            <a:spLocks noGrp="1"/>
+          </p:cNvSpPr>
+          <p:nvPr>
+            <p:ph type="title"/>
+          </p:nvPr>
+        </p:nvSpPr>
+        <p:spPr/>
+        <p:txBody>
+          <a:bodyPr/>
+          <a:lstStyle/>
+          <a:p>
+            <a:r>
+              <a:rPr lang="en-US"/>
+              <a:t>Click to edit Master title style</a:t>
+            </a:r>
+            <a:endParaRPr lang="en-US" dirty="0"/>
+          </a:p>
+        </p:txBody>
+      </p:sp>
     </p:spTree>
     <p:extLst>
       <p:ext uri="{BB962C8B-B14F-4D97-AF65-F5344CB8AC3E}">
-        <p14:creationId xmlns:p14="http://schemas.microsoft.com/office/powerpoint/2010/main" val="3879250987"/>
+        <p14:creationId xmlns:p14="http://schemas.microsoft.com/office/powerpoint/2010/main" val="1725266674"/>
       </p:ext>
     </p:extLst>
   </p:cSld>
@@ -9541,7 +10428,7 @@
     </p:spTree>
     <p:extLst>
       <p:ext uri="{BB962C8B-B14F-4D97-AF65-F5344CB8AC3E}">
-        <p14:creationId xmlns:p14="http://schemas.microsoft.com/office/powerpoint/2010/main" val="2953348880"/>
+        <p14:creationId xmlns:p14="http://schemas.microsoft.com/office/powerpoint/2010/main" val="1053422435"/>
       </p:ext>
     </p:extLst>
   </p:cSld>
@@ -9636,7 +10523,7 @@
     </p:spTree>
     <p:extLst>
       <p:ext uri="{BB962C8B-B14F-4D97-AF65-F5344CB8AC3E}">
-        <p14:creationId xmlns:p14="http://schemas.microsoft.com/office/powerpoint/2010/main" val="4140977941"/>
+        <p14:creationId xmlns:p14="http://schemas.microsoft.com/office/powerpoint/2010/main" val="1286898811"/>
       </p:ext>
     </p:extLst>
   </p:cSld>
@@ -9665,6 +10552,44 @@
       </p:grpSpPr>
       <p:sp>
         <p:nvSpPr>
+          <p:cNvPr id="26" name="Rectangle 25"/>
+          <p:cNvSpPr/>
+          <p:nvPr/>
+        </p:nvSpPr>
+        <p:spPr>
+          <a:xfrm>
+            <a:off x="0" y="0"/>
+            <a:ext cx="6096000" cy="6858000"/>
+          </a:xfrm>
+          <a:prstGeom prst="rect">
+            <a:avLst/>
+          </a:prstGeom>
+          <a:solidFill>
+            <a:schemeClr val="accent2"/>
+          </a:solidFill>
+          <a:ln>
+            <a:noFill/>
+          </a:ln>
+        </p:spPr>
+        <p:style>
+          <a:lnRef idx="2">
+            <a:schemeClr val="accent1">
+              <a:shade val="50000"/>
+            </a:schemeClr>
+          </a:lnRef>
+          <a:fillRef idx="1">
+            <a:schemeClr val="accent1"/>
+          </a:fillRef>
+          <a:effectRef idx="0">
+            <a:schemeClr val="accent1"/>
+          </a:effectRef>
+          <a:fontRef idx="minor">
+            <a:schemeClr val="lt1"/>
+          </a:fontRef>
+        </p:style>
+      </p:sp>
+      <p:sp>
+        <p:nvSpPr>
           <p:cNvPr id="2" name="Title 1"/>
           <p:cNvSpPr>
             <a:spLocks noGrp="1"/>
@@ -9673,17 +10598,31 @@
             <p:ph type="title"/>
           </p:nvPr>
         </p:nvSpPr>
-        <p:spPr>
+        <p:spPr bwMode="blackWhite">
           <a:xfrm>
-            <a:off x="839788" y="457200"/>
-            <a:ext cx="3932237" cy="1600200"/>
+            <a:off x="804672" y="2243828"/>
+            <a:ext cx="4486656" cy="1141497"/>
           </a:xfrm>
+          <a:solidFill>
+            <a:srgbClr val="FFFFFF"/>
+          </a:solidFill>
+          <a:ln>
+            <a:solidFill>
+              <a:srgbClr val="404040"/>
+            </a:solidFill>
+          </a:ln>
         </p:spPr>
         <p:txBody>
-          <a:bodyPr anchor="b"/>
+          <a:bodyPr anchor="ctr" anchorCtr="1">
+            <a:normAutofit/>
+          </a:bodyPr>
           <a:lstStyle>
             <a:lvl1pPr>
-              <a:defRPr sz="3200"/>
+              <a:defRPr sz="2200">
+                <a:solidFill>
+                  <a:srgbClr val="262626"/>
+                </a:solidFill>
+              </a:defRPr>
             </a:lvl1pPr>
           </a:lstStyle>
           <a:p>
@@ -9707,39 +10646,61 @@
         </p:nvSpPr>
         <p:spPr>
           <a:xfrm>
-            <a:off x="5183188" y="987425"/>
-            <a:ext cx="6172200" cy="4873625"/>
+            <a:off x="6736080" y="804672"/>
+            <a:ext cx="4815840" cy="5248656"/>
           </a:xfrm>
         </p:spPr>
         <p:txBody>
-          <a:bodyPr/>
+          <a:bodyPr>
+            <a:normAutofit/>
+          </a:bodyPr>
           <a:lstStyle>
             <a:lvl1pPr>
-              <a:defRPr sz="3200"/>
+              <a:defRPr sz="1900">
+                <a:solidFill>
+                  <a:schemeClr val="tx1"/>
+                </a:solidFill>
+              </a:defRPr>
             </a:lvl1pPr>
             <a:lvl2pPr>
-              <a:defRPr sz="2800"/>
+              <a:defRPr sz="1600">
+                <a:solidFill>
+                  <a:schemeClr val="tx1"/>
+                </a:solidFill>
+              </a:defRPr>
             </a:lvl2pPr>
             <a:lvl3pPr>
-              <a:defRPr sz="2400"/>
+              <a:defRPr sz="1600">
+                <a:solidFill>
+                  <a:schemeClr val="tx1"/>
+                </a:solidFill>
+              </a:defRPr>
             </a:lvl3pPr>
             <a:lvl4pPr>
-              <a:defRPr sz="2000"/>
+              <a:defRPr sz="1600">
+                <a:solidFill>
+                  <a:schemeClr val="tx1"/>
+                </a:solidFill>
+              </a:defRPr>
             </a:lvl4pPr>
             <a:lvl5pPr>
-              <a:defRPr sz="2000"/>
+              <a:defRPr sz="1600">
+                <a:solidFill>
+                  <a:schemeClr val="tx1"/>
+                </a:solidFill>
+              </a:defRPr>
             </a:lvl5pPr>
             <a:lvl6pPr>
-              <a:defRPr sz="2000"/>
+              <a:defRPr sz="1600"/>
             </a:lvl6pPr>
             <a:lvl7pPr>
-              <a:defRPr sz="2000"/>
+              <a:defRPr sz="1600"/>
             </a:lvl7pPr>
             <a:lvl8pPr>
-              <a:defRPr sz="2000"/>
+              <a:defRPr sz="1600"/>
             </a:lvl8pPr>
             <a:lvl9pPr>
-              <a:defRPr sz="2000"/>
+              <a:defRPr sz="1600"/>
             </a:lvl9pPr>
           </a:lstStyle>
           <a:p>
@@ -9792,16 +10753,22 @@
         </p:nvSpPr>
         <p:spPr>
           <a:xfrm>
-            <a:off x="839788" y="2057400"/>
-            <a:ext cx="3932237" cy="3811588"/>
+            <a:off x="1115568" y="3549918"/>
+            <a:ext cx="3794760" cy="2194036"/>
           </a:xfrm>
         </p:spPr>
         <p:txBody>
-          <a:bodyPr/>
+          <a:bodyPr anchor="t" anchorCtr="1">
+            <a:normAutofit/>
+          </a:bodyPr>
           <a:lstStyle>
-            <a:lvl1pPr marL="0" indent="0">
+            <a:lvl1pPr marL="0" indent="0" algn="ctr">
               <a:buNone/>
-              <a:defRPr sz="1600"/>
+              <a:defRPr sz="1500">
+                <a:solidFill>
+                  <a:srgbClr val="FFFFFF"/>
+                </a:solidFill>
+              </a:defRPr>
             </a:lvl1pPr>
             <a:lvl2pPr marL="457200" indent="0">
               <a:buNone/>
@@ -9847,7 +10814,7 @@
       </p:sp>
       <p:sp>
         <p:nvSpPr>
-          <p:cNvPr id="5" name="Date Placeholder 4"/>
+          <p:cNvPr id="9" name="Date Placeholder 8"/>
           <p:cNvSpPr>
             <a:spLocks noGrp="1"/>
           </p:cNvSpPr>
@@ -9870,7 +10837,7 @@
       </p:sp>
       <p:sp>
         <p:nvSpPr>
-          <p:cNvPr id="6" name="Footer Placeholder 5"/>
+          <p:cNvPr id="10" name="Footer Placeholder 9"/>
           <p:cNvSpPr>
             <a:spLocks noGrp="1"/>
           </p:cNvSpPr>
@@ -9878,10 +10845,25 @@
             <p:ph type="ftr" sz="quarter" idx="11"/>
           </p:nvPr>
         </p:nvSpPr>
-        <p:spPr/>
+        <p:spPr>
+          <a:xfrm>
+            <a:off x="804672" y="6236208"/>
+            <a:ext cx="5124797" cy="320040"/>
+          </a:xfrm>
+        </p:spPr>
         <p:txBody>
           <a:bodyPr/>
-          <a:lstStyle/>
+          <a:lstStyle>
+            <a:lvl1pPr>
+              <a:defRPr>
+                <a:solidFill>
+                  <a:srgbClr val="FFFFFF">
+                    <a:alpha val="70000"/>
+                  </a:srgbClr>
+                </a:solidFill>
+              </a:defRPr>
+            </a:lvl1pPr>
+          </a:lstStyle>
           <a:p>
             <a:endParaRPr lang="en-US"/>
           </a:p>
@@ -9889,7 +10871,7 @@
       </p:sp>
       <p:sp>
         <p:nvSpPr>
-          <p:cNvPr id="7" name="Slide Number Placeholder 6"/>
+          <p:cNvPr id="11" name="Slide Number Placeholder 10"/>
           <p:cNvSpPr>
             <a:spLocks noGrp="1"/>
           </p:cNvSpPr>
@@ -9913,7 +10895,7 @@
     </p:spTree>
     <p:extLst>
       <p:ext uri="{BB962C8B-B14F-4D97-AF65-F5344CB8AC3E}">
-        <p14:creationId xmlns:p14="http://schemas.microsoft.com/office/powerpoint/2010/main" val="840059302"/>
+        <p14:creationId xmlns:p14="http://schemas.microsoft.com/office/powerpoint/2010/main" val="3181807029"/>
       </p:ext>
     </p:extLst>
   </p:cSld>
@@ -9942,6 +10924,44 @@
       </p:grpSpPr>
       <p:sp>
         <p:nvSpPr>
+          <p:cNvPr id="18" name="Rectangle 17"/>
+          <p:cNvSpPr/>
+          <p:nvPr/>
+        </p:nvSpPr>
+        <p:spPr>
+          <a:xfrm>
+            <a:off x="0" y="0"/>
+            <a:ext cx="6095999" cy="6858000"/>
+          </a:xfrm>
+          <a:prstGeom prst="rect">
+            <a:avLst/>
+          </a:prstGeom>
+          <a:solidFill>
+            <a:schemeClr val="accent2"/>
+          </a:solidFill>
+          <a:ln>
+            <a:noFill/>
+          </a:ln>
+        </p:spPr>
+        <p:style>
+          <a:lnRef idx="2">
+            <a:schemeClr val="accent1">
+              <a:shade val="50000"/>
+            </a:schemeClr>
+          </a:lnRef>
+          <a:fillRef idx="1">
+            <a:schemeClr val="accent1"/>
+          </a:fillRef>
+          <a:effectRef idx="0">
+            <a:schemeClr val="accent1"/>
+          </a:effectRef>
+          <a:fontRef idx="minor">
+            <a:schemeClr val="lt1"/>
+          </a:fontRef>
+        </p:style>
+      </p:sp>
+      <p:sp>
+        <p:nvSpPr>
           <p:cNvPr id="2" name="Title 1"/>
           <p:cNvSpPr>
             <a:spLocks noGrp="1"/>
@@ -9950,17 +10970,31 @@
             <p:ph type="title"/>
           </p:nvPr>
         </p:nvSpPr>
-        <p:spPr>
+        <p:spPr bwMode="blackWhite">
           <a:xfrm>
-            <a:off x="839788" y="457200"/>
-            <a:ext cx="3932237" cy="1600200"/>
+            <a:off x="808523" y="2243828"/>
+            <a:ext cx="4494998" cy="1134640"/>
           </a:xfrm>
+          <a:solidFill>
+            <a:srgbClr val="FFFFFF"/>
+          </a:solidFill>
+          <a:ln>
+            <a:solidFill>
+              <a:srgbClr val="404040"/>
+            </a:solidFill>
+          </a:ln>
         </p:spPr>
         <p:txBody>
-          <a:bodyPr anchor="b"/>
+          <a:bodyPr anchor="ctr" anchorCtr="1">
+            <a:noAutofit/>
+          </a:bodyPr>
           <a:lstStyle>
             <a:lvl1pPr>
-              <a:defRPr sz="3200"/>
+              <a:defRPr sz="2200">
+                <a:solidFill>
+                  <a:srgbClr val="262626"/>
+                </a:solidFill>
+              </a:defRPr>
             </a:lvl1pPr>
           </a:lstStyle>
           <a:p>
@@ -9984,16 +11018,28 @@
         </p:nvSpPr>
         <p:spPr>
           <a:xfrm>
-            <a:off x="5183188" y="987425"/>
-            <a:ext cx="6172200" cy="4873625"/>
+            <a:off x="6095999" y="0"/>
+            <a:ext cx="6102097" cy="6858000"/>
           </a:xfrm>
+          <a:solidFill>
+            <a:schemeClr val="bg1">
+              <a:lumMod val="75000"/>
+            </a:schemeClr>
+          </a:solidFill>
         </p:spPr>
         <p:txBody>
           <a:bodyPr anchor="t"/>
           <a:lstStyle>
             <a:lvl1pPr marL="0" indent="0">
               <a:buNone/>
-              <a:defRPr sz="3200"/>
+              <a:defRPr sz="3200">
+                <a:solidFill>
+                  <a:schemeClr val="bg1">
+                    <a:lumMod val="85000"/>
+                    <a:lumOff val="15000"/>
+                  </a:schemeClr>
+                </a:solidFill>
+              </a:defRPr>
             </a:lvl1pPr>
             <a:lvl2pPr marL="457200" indent="0">
               <a:buNone/>
@@ -10049,16 +11095,22 @@
         </p:nvSpPr>
         <p:spPr>
           <a:xfrm>
-            <a:off x="839788" y="2057400"/>
-            <a:ext cx="3932237" cy="3811588"/>
+            <a:off x="1115568" y="3549918"/>
+            <a:ext cx="3794760" cy="2194037"/>
           </a:xfrm>
         </p:spPr>
         <p:txBody>
-          <a:bodyPr/>
+          <a:bodyPr anchor="t" anchorCtr="1">
+            <a:normAutofit/>
+          </a:bodyPr>
           <a:lstStyle>
-            <a:lvl1pPr marL="0" indent="0">
+            <a:lvl1pPr marL="0" indent="0" algn="ctr">
               <a:buNone/>
-              <a:defRPr sz="1600"/>
+              <a:defRPr sz="1500">
+                <a:solidFill>
+                  <a:srgbClr val="FFFFFF"/>
+                </a:solidFill>
+              </a:defRPr>
             </a:lvl1pPr>
             <a:lvl2pPr marL="457200" indent="0">
               <a:buNone/>
@@ -10104,7 +11156,7 @@
       </p:sp>
       <p:sp>
         <p:nvSpPr>
-          <p:cNvPr id="5" name="Date Placeholder 4"/>
+          <p:cNvPr id="8" name="Date Placeholder 7"/>
           <p:cNvSpPr>
             <a:spLocks noGrp="1"/>
           </p:cNvSpPr>
@@ -10115,7 +11167,22 @@
         <p:spPr/>
         <p:txBody>
           <a:bodyPr/>
-          <a:lstStyle/>
+          <a:lstStyle>
+            <a:lvl1pPr>
+              <a:defRPr>
+                <a:solidFill>
+                  <a:srgbClr val="FFFFFF"/>
+                </a:solidFill>
+                <a:effectLst>
+                  <a:outerShdw blurRad="50800" dist="38100" dir="2700000" algn="tl" rotWithShape="0">
+                    <a:prstClr val="black">
+                      <a:alpha val="43000"/>
+                    </a:prstClr>
+                  </a:outerShdw>
+                </a:effectLst>
+              </a:defRPr>
+            </a:lvl1pPr>
+          </a:lstStyle>
           <a:p>
             <a:fld id="{0E262770-FD19-A84E-AF74-4CFB89940B3B}" type="datetimeFigureOut">
               <a:rPr lang="en-US" smtClean="0"/>
@@ -10127,7 +11194,7 @@
       </p:sp>
       <p:sp>
         <p:nvSpPr>
-          <p:cNvPr id="6" name="Footer Placeholder 5"/>
+          <p:cNvPr id="9" name="Footer Placeholder 8"/>
           <p:cNvSpPr>
             <a:spLocks noGrp="1"/>
           </p:cNvSpPr>
@@ -10135,10 +11202,25 @@
             <p:ph type="ftr" sz="quarter" idx="11"/>
           </p:nvPr>
         </p:nvSpPr>
-        <p:spPr/>
+        <p:spPr>
+          <a:xfrm>
+            <a:off x="804672" y="6236208"/>
+            <a:ext cx="5124797" cy="320040"/>
+          </a:xfrm>
+        </p:spPr>
         <p:txBody>
           <a:bodyPr/>
-          <a:lstStyle/>
+          <a:lstStyle>
+            <a:lvl1pPr>
+              <a:defRPr>
+                <a:solidFill>
+                  <a:srgbClr val="FFFFFF">
+                    <a:alpha val="70000"/>
+                  </a:srgbClr>
+                </a:solidFill>
+              </a:defRPr>
+            </a:lvl1pPr>
+          </a:lstStyle>
           <a:p>
             <a:endParaRPr lang="en-US"/>
           </a:p>
@@ -10146,7 +11228,7 @@
       </p:sp>
       <p:sp>
         <p:nvSpPr>
-          <p:cNvPr id="7" name="Slide Number Placeholder 6"/>
+          <p:cNvPr id="10" name="Slide Number Placeholder 9"/>
           <p:cNvSpPr>
             <a:spLocks noGrp="1"/>
           </p:cNvSpPr>
@@ -10170,7 +11252,7 @@
     </p:spTree>
     <p:extLst>
       <p:ext uri="{BB962C8B-B14F-4D97-AF65-F5344CB8AC3E}">
-        <p14:creationId xmlns:p14="http://schemas.microsoft.com/office/powerpoint/2010/main" val="2136890910"/>
+        <p14:creationId xmlns:p14="http://schemas.microsoft.com/office/powerpoint/2010/main" val="876968099"/>
       </p:ext>
     </p:extLst>
   </p:cSld>
@@ -10184,9 +11266,14 @@
 <p:sldMaster xmlns:a="http://schemas.openxmlformats.org/drawingml/2006/main" xmlns:r="http://schemas.openxmlformats.org/officeDocument/2006/relationships" xmlns:p="http://schemas.openxmlformats.org/presentationml/2006/main">
   <p:cSld>
     <p:bg>
-      <p:bgRef idx="1001">
-        <a:schemeClr val="bg1"/>
-      </p:bgRef>
+      <p:bgPr>
+        <a:solidFill>
+          <a:schemeClr val="bg1">
+            <a:lumMod val="95000"/>
+          </a:schemeClr>
+        </a:solidFill>
+        <a:effectLst/>
+      </p:bgPr>
     </p:bg>
     <p:spTree>
       <p:nvGrpSpPr>
@@ -10212,17 +11299,26 @@
             <p:ph type="title"/>
           </p:nvPr>
         </p:nvSpPr>
-        <p:spPr>
+        <p:spPr bwMode="black">
           <a:xfrm>
-            <a:off x="838200" y="365125"/>
-            <a:ext cx="10515600" cy="1325563"/>
+            <a:off x="2231136" y="964692"/>
+            <a:ext cx="7729728" cy="1188720"/>
           </a:xfrm>
           <a:prstGeom prst="rect">
             <a:avLst/>
           </a:prstGeom>
+          <a:solidFill>
+            <a:srgbClr val="FFFFFF"/>
+          </a:solidFill>
+          <a:ln w="31750" cap="sq">
+            <a:solidFill>
+              <a:srgbClr val="404040"/>
+            </a:solidFill>
+            <a:miter lim="800000"/>
+          </a:ln>
         </p:spPr>
         <p:txBody>
-          <a:bodyPr vert="horz" lIns="91440" tIns="45720" rIns="91440" bIns="45720" rtlCol="0" anchor="ctr">
+          <a:bodyPr vert="horz" lIns="182880" tIns="182880" rIns="182880" bIns="182880" rtlCol="0" anchor="ctr">
             <a:normAutofit/>
           </a:bodyPr>
           <a:lstStyle/>
@@ -10247,8 +11343,8 @@
         </p:nvSpPr>
         <p:spPr>
           <a:xfrm>
-            <a:off x="838200" y="1825625"/>
-            <a:ext cx="10515600" cy="4351338"/>
+            <a:off x="2231136" y="2638044"/>
+            <a:ext cx="7729728" cy="3101983"/>
           </a:xfrm>
           <a:prstGeom prst="rect">
             <a:avLst/>
@@ -10309,8 +11405,8 @@
         </p:nvSpPr>
         <p:spPr>
           <a:xfrm>
-            <a:off x="838200" y="6356350"/>
-            <a:ext cx="2743200" cy="365125"/>
+            <a:off x="7821429" y="6238816"/>
+            <a:ext cx="2753746" cy="323968"/>
           </a:xfrm>
           <a:prstGeom prst="rect">
             <a:avLst/>
@@ -10319,11 +11415,11 @@
         <p:txBody>
           <a:bodyPr vert="horz" lIns="91440" tIns="45720" rIns="91440" bIns="45720" rtlCol="0" anchor="ctr"/>
           <a:lstStyle>
-            <a:lvl1pPr algn="l">
-              <a:defRPr sz="1200">
+            <a:lvl1pPr algn="r">
+              <a:defRPr sz="1050">
                 <a:solidFill>
                   <a:schemeClr val="tx1">
-                    <a:tint val="75000"/>
+                    <a:alpha val="70000"/>
                   </a:schemeClr>
                 </a:solidFill>
               </a:defRPr>
@@ -10350,8 +11446,8 @@
         </p:nvSpPr>
         <p:spPr>
           <a:xfrm>
-            <a:off x="4038600" y="6356350"/>
-            <a:ext cx="4114800" cy="365125"/>
+            <a:off x="1600200" y="6236208"/>
+            <a:ext cx="5901189" cy="320040"/>
           </a:xfrm>
           <a:prstGeom prst="rect">
             <a:avLst/>
@@ -10360,11 +11456,11 @@
         <p:txBody>
           <a:bodyPr vert="horz" lIns="91440" tIns="45720" rIns="91440" bIns="45720" rtlCol="0" anchor="ctr"/>
           <a:lstStyle>
-            <a:lvl1pPr algn="ctr">
-              <a:defRPr sz="1200">
+            <a:lvl1pPr algn="l">
+              <a:defRPr sz="1050">
                 <a:solidFill>
                   <a:schemeClr val="tx1">
-                    <a:tint val="75000"/>
+                    <a:alpha val="70000"/>
                   </a:schemeClr>
                 </a:solidFill>
               </a:defRPr>
@@ -10387,22 +11483,27 @@
         </p:nvSpPr>
         <p:spPr>
           <a:xfrm>
-            <a:off x="8610600" y="6356350"/>
-            <a:ext cx="2743200" cy="365125"/>
+            <a:off x="10758922" y="6217920"/>
+            <a:ext cx="365760" cy="365760"/>
           </a:xfrm>
-          <a:prstGeom prst="rect">
+          <a:prstGeom prst="ellipse">
             <a:avLst/>
           </a:prstGeom>
+          <a:solidFill>
+            <a:srgbClr val="1D1D1D">
+              <a:alpha val="70000"/>
+            </a:srgbClr>
+          </a:solidFill>
         </p:spPr>
         <p:txBody>
-          <a:bodyPr vert="horz" lIns="91440" tIns="45720" rIns="91440" bIns="45720" rtlCol="0" anchor="ctr"/>
+          <a:bodyPr vert="horz" lIns="18288" tIns="45720" rIns="18288" bIns="45720" rtlCol="0" anchor="ctr">
+            <a:noAutofit/>
+          </a:bodyPr>
           <a:lstStyle>
-            <a:lvl1pPr algn="r">
-              <a:defRPr sz="1200">
+            <a:lvl1pPr algn="ctr">
+              <a:defRPr sz="1100" spc="0" baseline="0">
                 <a:solidFill>
-                  <a:schemeClr val="tx1">
-                    <a:tint val="75000"/>
-                  </a:schemeClr>
+                  <a:srgbClr val="FFFFFF"/>
                 </a:solidFill>
               </a:defRPr>
             </a:lvl1pPr>
@@ -10419,27 +11520,27 @@
     </p:spTree>
     <p:extLst>
       <p:ext uri="{BB962C8B-B14F-4D97-AF65-F5344CB8AC3E}">
-        <p14:creationId xmlns:p14="http://schemas.microsoft.com/office/powerpoint/2010/main" val="1870583215"/>
+        <p14:creationId xmlns:p14="http://schemas.microsoft.com/office/powerpoint/2010/main" val="1190101696"/>
       </p:ext>
     </p:extLst>
   </p:cSld>
   <p:clrMap bg1="lt1" tx1="dk1" bg2="lt2" tx2="dk2" accent1="accent1" accent2="accent2" accent3="accent3" accent4="accent4" accent5="accent5" accent6="accent6" hlink="hlink" folHlink="folHlink"/>
   <p:sldLayoutIdLst>
-    <p:sldLayoutId id="2147483673" r:id="rId1"/>
-    <p:sldLayoutId id="2147483674" r:id="rId2"/>
-    <p:sldLayoutId id="2147483675" r:id="rId3"/>
-    <p:sldLayoutId id="2147483676" r:id="rId4"/>
-    <p:sldLayoutId id="2147483677" r:id="rId5"/>
-    <p:sldLayoutId id="2147483678" r:id="rId6"/>
-    <p:sldLayoutId id="2147483679" r:id="rId7"/>
-    <p:sldLayoutId id="2147483680" r:id="rId8"/>
-    <p:sldLayoutId id="2147483681" r:id="rId9"/>
-    <p:sldLayoutId id="2147483682" r:id="rId10"/>
-    <p:sldLayoutId id="2147483683" r:id="rId11"/>
+    <p:sldLayoutId id="2147483733" r:id="rId1"/>
+    <p:sldLayoutId id="2147483734" r:id="rId2"/>
+    <p:sldLayoutId id="2147483735" r:id="rId3"/>
+    <p:sldLayoutId id="2147483736" r:id="rId4"/>
+    <p:sldLayoutId id="2147483737" r:id="rId5"/>
+    <p:sldLayoutId id="2147483738" r:id="rId6"/>
+    <p:sldLayoutId id="2147483739" r:id="rId7"/>
+    <p:sldLayoutId id="2147483740" r:id="rId8"/>
+    <p:sldLayoutId id="2147483741" r:id="rId9"/>
+    <p:sldLayoutId id="2147483742" r:id="rId10"/>
+    <p:sldLayoutId id="2147483743" r:id="rId11"/>
   </p:sldLayoutIdLst>
   <p:txStyles>
     <p:titleStyle>
-      <a:lvl1pPr algn="l" defTabSz="914400" rtl="0" eaLnBrk="1" latinLnBrk="0" hangingPunct="1">
+      <a:lvl1pPr algn="ctr" defTabSz="914400" rtl="0" eaLnBrk="1" latinLnBrk="0" hangingPunct="1">
         <a:lnSpc>
           <a:spcPct val="90000"/>
         </a:lnSpc>
@@ -10447,9 +11548,9 @@
           <a:spcPct val="0"/>
         </a:spcBef>
         <a:buNone/>
-        <a:defRPr sz="4400" kern="1200">
+        <a:defRPr sz="2800" kern="1200" cap="all" spc="200" baseline="0">
           <a:solidFill>
-            <a:schemeClr val="tx1"/>
+            <a:srgbClr val="262626"/>
           </a:solidFill>
           <a:latin typeface="+mj-lt"/>
           <a:ea typeface="+mj-ea"/>
@@ -10460,104 +11561,137 @@
     <p:bodyStyle>
       <a:lvl1pPr marL="228600" indent="-228600" algn="l" defTabSz="914400" rtl="0" eaLnBrk="1" latinLnBrk="0" hangingPunct="1">
         <a:lnSpc>
-          <a:spcPct val="90000"/>
+          <a:spcPct val="100000"/>
         </a:lnSpc>
         <a:spcBef>
           <a:spcPts val="1000"/>
         </a:spcBef>
+        <a:buClr>
+          <a:schemeClr val="accent2"/>
+        </a:buClr>
         <a:buFont typeface="Arial" panose="020B0604020202020204" pitchFamily="34" charset="0"/>
         <a:buChar char="•"/>
-        <a:defRPr sz="2800" kern="1200">
+        <a:defRPr sz="1800" kern="1200">
           <a:solidFill>
-            <a:schemeClr val="tx1"/>
+            <a:schemeClr val="tx1">
+              <a:lumMod val="85000"/>
+              <a:lumOff val="15000"/>
+            </a:schemeClr>
           </a:solidFill>
           <a:latin typeface="+mn-lt"/>
           <a:ea typeface="+mn-ea"/>
           <a:cs typeface="+mn-cs"/>
         </a:defRPr>
       </a:lvl1pPr>
-      <a:lvl2pPr marL="685800" indent="-228600" algn="l" defTabSz="914400" rtl="0" eaLnBrk="1" latinLnBrk="0" hangingPunct="1">
+      <a:lvl2pPr marL="457200" indent="-228600" algn="l" defTabSz="914400" rtl="0" eaLnBrk="1" latinLnBrk="0" hangingPunct="1">
         <a:lnSpc>
-          <a:spcPct val="90000"/>
+          <a:spcPct val="100000"/>
         </a:lnSpc>
         <a:spcBef>
-          <a:spcPts val="500"/>
+          <a:spcPts val="1000"/>
         </a:spcBef>
+        <a:buClr>
+          <a:schemeClr val="accent2"/>
+        </a:buClr>
         <a:buFont typeface="Arial" panose="020B0604020202020204" pitchFamily="34" charset="0"/>
         <a:buChar char="•"/>
-        <a:defRPr sz="2400" kern="1200">
+        <a:defRPr sz="1600" kern="1200">
           <a:solidFill>
-            <a:schemeClr val="tx1"/>
+            <a:schemeClr val="tx1">
+              <a:lumMod val="85000"/>
+              <a:lumOff val="15000"/>
+            </a:schemeClr>
           </a:solidFill>
           <a:latin typeface="+mn-lt"/>
           <a:ea typeface="+mn-ea"/>
           <a:cs typeface="+mn-cs"/>
         </a:defRPr>
       </a:lvl2pPr>
-      <a:lvl3pPr marL="1143000" indent="-228600" algn="l" defTabSz="914400" rtl="0" eaLnBrk="1" latinLnBrk="0" hangingPunct="1">
+      <a:lvl3pPr marL="685800" indent="-228600" algn="l" defTabSz="914400" rtl="0" eaLnBrk="1" latinLnBrk="0" hangingPunct="1">
         <a:lnSpc>
-          <a:spcPct val="90000"/>
+          <a:spcPct val="100000"/>
         </a:lnSpc>
         <a:spcBef>
-          <a:spcPts val="500"/>
+          <a:spcPts val="1000"/>
         </a:spcBef>
+        <a:buClr>
+          <a:schemeClr val="accent2"/>
+        </a:buClr>
         <a:buFont typeface="Arial" panose="020B0604020202020204" pitchFamily="34" charset="0"/>
         <a:buChar char="•"/>
-        <a:defRPr sz="2000" kern="1200">
+        <a:defRPr sz="1600" kern="1200">
           <a:solidFill>
-            <a:schemeClr val="tx1"/>
+            <a:schemeClr val="tx1">
+              <a:lumMod val="85000"/>
+              <a:lumOff val="15000"/>
+            </a:schemeClr>
           </a:solidFill>
           <a:latin typeface="+mn-lt"/>
           <a:ea typeface="+mn-ea"/>
           <a:cs typeface="+mn-cs"/>
         </a:defRPr>
       </a:lvl3pPr>
-      <a:lvl4pPr marL="1600200" indent="-228600" algn="l" defTabSz="914400" rtl="0" eaLnBrk="1" latinLnBrk="0" hangingPunct="1">
+      <a:lvl4pPr marL="914400" indent="-228600" algn="l" defTabSz="914400" rtl="0" eaLnBrk="1" latinLnBrk="0" hangingPunct="1">
         <a:lnSpc>
-          <a:spcPct val="90000"/>
+          <a:spcPct val="100000"/>
         </a:lnSpc>
         <a:spcBef>
-          <a:spcPts val="500"/>
+          <a:spcPts val="1000"/>
         </a:spcBef>
+        <a:buClr>
+          <a:schemeClr val="accent2"/>
+        </a:buClr>
         <a:buFont typeface="Arial" panose="020B0604020202020204" pitchFamily="34" charset="0"/>
         <a:buChar char="•"/>
-        <a:defRPr sz="1800" kern="1200">
+        <a:defRPr sz="1600" kern="1200">
           <a:solidFill>
-            <a:schemeClr val="tx1"/>
+            <a:schemeClr val="tx1">
+              <a:lumMod val="85000"/>
+              <a:lumOff val="15000"/>
+            </a:schemeClr>
           </a:solidFill>
           <a:latin typeface="+mn-lt"/>
           <a:ea typeface="+mn-ea"/>
           <a:cs typeface="+mn-cs"/>
         </a:defRPr>
       </a:lvl4pPr>
-      <a:lvl5pPr marL="2057400" indent="-228600" algn="l" defTabSz="914400" rtl="0" eaLnBrk="1" latinLnBrk="0" hangingPunct="1">
+      <a:lvl5pPr marL="1143000" indent="-228600" algn="l" defTabSz="914400" rtl="0" eaLnBrk="1" latinLnBrk="0" hangingPunct="1">
         <a:lnSpc>
-          <a:spcPct val="90000"/>
+          <a:spcPct val="100000"/>
         </a:lnSpc>
         <a:spcBef>
-          <a:spcPts val="500"/>
+          <a:spcPts val="1000"/>
         </a:spcBef>
+        <a:buClr>
+          <a:schemeClr val="accent2"/>
+        </a:buClr>
         <a:buFont typeface="Arial" panose="020B0604020202020204" pitchFamily="34" charset="0"/>
         <a:buChar char="•"/>
-        <a:defRPr sz="1800" kern="1200">
+        <a:defRPr sz="1600" kern="1200">
           <a:solidFill>
-            <a:schemeClr val="tx1"/>
+            <a:schemeClr val="tx1">
+              <a:lumMod val="85000"/>
+              <a:lumOff val="15000"/>
+            </a:schemeClr>
           </a:solidFill>
           <a:latin typeface="+mn-lt"/>
           <a:ea typeface="+mn-ea"/>
           <a:cs typeface="+mn-cs"/>
         </a:defRPr>
       </a:lvl5pPr>
-      <a:lvl6pPr marL="2514600" indent="-228600" algn="l" defTabSz="914400" rtl="0" eaLnBrk="1" latinLnBrk="0" hangingPunct="1">
+      <a:lvl6pPr marL="1312863" indent="-228600" algn="l" defTabSz="914400" rtl="0" eaLnBrk="1" latinLnBrk="0" hangingPunct="1">
         <a:lnSpc>
-          <a:spcPct val="90000"/>
+          <a:spcPct val="100000"/>
         </a:lnSpc>
         <a:spcBef>
-          <a:spcPts val="500"/>
+          <a:spcPts val="1000"/>
         </a:spcBef>
+        <a:buClr>
+          <a:schemeClr val="accent2"/>
+        </a:buClr>
         <a:buFont typeface="Arial" panose="020B0604020202020204" pitchFamily="34" charset="0"/>
         <a:buChar char="•"/>
-        <a:defRPr sz="1800" kern="1200">
+        <a:defRPr sz="1600" kern="1200">
           <a:solidFill>
             <a:schemeClr val="tx1"/>
           </a:solidFill>
@@ -10566,16 +11700,19 @@
           <a:cs typeface="+mn-cs"/>
         </a:defRPr>
       </a:lvl6pPr>
-      <a:lvl7pPr marL="2971800" indent="-228600" algn="l" defTabSz="914400" rtl="0" eaLnBrk="1" latinLnBrk="0" hangingPunct="1">
+      <a:lvl7pPr marL="1484313" indent="-228600" algn="l" defTabSz="914400" rtl="0" eaLnBrk="1" latinLnBrk="0" hangingPunct="1">
         <a:lnSpc>
-          <a:spcPct val="90000"/>
+          <a:spcPct val="100000"/>
         </a:lnSpc>
         <a:spcBef>
-          <a:spcPts val="500"/>
+          <a:spcPts val="1000"/>
         </a:spcBef>
+        <a:buClr>
+          <a:schemeClr val="accent2"/>
+        </a:buClr>
         <a:buFont typeface="Arial" panose="020B0604020202020204" pitchFamily="34" charset="0"/>
         <a:buChar char="•"/>
-        <a:defRPr sz="1800" kern="1200">
+        <a:defRPr sz="1600" kern="1200">
           <a:solidFill>
             <a:schemeClr val="tx1"/>
           </a:solidFill>
@@ -10584,16 +11721,19 @@
           <a:cs typeface="+mn-cs"/>
         </a:defRPr>
       </a:lvl7pPr>
-      <a:lvl8pPr marL="3429000" indent="-228600" algn="l" defTabSz="914400" rtl="0" eaLnBrk="1" latinLnBrk="0" hangingPunct="1">
+      <a:lvl8pPr marL="1657350" indent="-228600" algn="l" defTabSz="914400" rtl="0" eaLnBrk="1" latinLnBrk="0" hangingPunct="1">
         <a:lnSpc>
-          <a:spcPct val="90000"/>
+          <a:spcPct val="100000"/>
         </a:lnSpc>
         <a:spcBef>
-          <a:spcPts val="500"/>
+          <a:spcPts val="1000"/>
         </a:spcBef>
+        <a:buClr>
+          <a:schemeClr val="accent2"/>
+        </a:buClr>
         <a:buFont typeface="Arial" panose="020B0604020202020204" pitchFamily="34" charset="0"/>
         <a:buChar char="•"/>
-        <a:defRPr sz="1800" kern="1200">
+        <a:defRPr sz="1600" kern="1200" baseline="0">
           <a:solidFill>
             <a:schemeClr val="tx1"/>
           </a:solidFill>
@@ -10602,16 +11742,19 @@
           <a:cs typeface="+mn-cs"/>
         </a:defRPr>
       </a:lvl8pPr>
-      <a:lvl9pPr marL="3886200" indent="-228600" algn="l" defTabSz="914400" rtl="0" eaLnBrk="1" latinLnBrk="0" hangingPunct="1">
+      <a:lvl9pPr marL="1882775" indent="-228600" algn="l" defTabSz="914400" rtl="0" eaLnBrk="1" latinLnBrk="0" hangingPunct="1">
         <a:lnSpc>
-          <a:spcPct val="90000"/>
+          <a:spcPct val="100000"/>
         </a:lnSpc>
         <a:spcBef>
-          <a:spcPts val="500"/>
+          <a:spcPts val="1000"/>
         </a:spcBef>
+        <a:buClr>
+          <a:schemeClr val="accent2"/>
+        </a:buClr>
         <a:buFont typeface="Arial" panose="020B0604020202020204" pitchFamily="34" charset="0"/>
         <a:buChar char="•"/>
-        <a:defRPr sz="1800" kern="1200">
+        <a:defRPr sz="1600" kern="1200" baseline="0">
           <a:solidFill>
             <a:schemeClr val="tx1"/>
           </a:solidFill>
@@ -10755,12 +11898,17 @@
         </p:nvSpPr>
         <p:spPr>
           <a:xfrm>
-            <a:off x="3352800" y="110947"/>
-            <a:ext cx="9144000" cy="2387600"/>
+            <a:off x="4391898" y="548885"/>
+            <a:ext cx="7547430" cy="2387600"/>
           </a:xfrm>
+          <a:solidFill>
+            <a:schemeClr val="tx1"/>
+          </a:solidFill>
         </p:spPr>
         <p:txBody>
-          <a:bodyPr/>
+          <a:bodyPr>
+            <a:normAutofit/>
+          </a:bodyPr>
           <a:lstStyle/>
           <a:p>
             <a:r>
@@ -10832,10 +11980,6 @@
             <a:endParaRPr lang="en-US" dirty="0"/>
           </a:p>
           <a:p>
-            <a:r>
-              <a:rPr lang="en-US" dirty="0"/>
-              <a:t>@</a:t>
-            </a:r>
             <a:r>
               <a:rPr lang="en-US" dirty="0" err="1"/>
               <a:t>frkornet@gmail.com</a:t>
@@ -10879,7 +12023,7 @@
             <p:nvPr/>
           </p:nvPicPr>
           <p:blipFill rotWithShape="1">
-            <a:blip r:embed="rId2"/>
+            <a:blip r:embed="rId3"/>
             <a:srcRect/>
             <a:stretch/>
           </p:blipFill>
@@ -10987,34 +12131,6 @@
       </p:grpSpPr>
       <p:sp>
         <p:nvSpPr>
-          <p:cNvPr id="2" name="Title 1">
-            <a:extLst>
-              <a:ext uri="{FF2B5EF4-FFF2-40B4-BE49-F238E27FC236}">
-                <a16:creationId xmlns:a16="http://schemas.microsoft.com/office/drawing/2014/main" id="{CB7F2465-5055-3A48-B242-BE19A5E60729}"/>
-              </a:ext>
-            </a:extLst>
-          </p:cNvPr>
-          <p:cNvSpPr>
-            <a:spLocks noGrp="1"/>
-          </p:cNvSpPr>
-          <p:nvPr>
-            <p:ph type="title"/>
-          </p:nvPr>
-        </p:nvSpPr>
-        <p:spPr/>
-        <p:txBody>
-          <a:bodyPr/>
-          <a:lstStyle/>
-          <a:p>
-            <a:r>
-              <a:rPr lang="en-US" dirty="0"/>
-              <a:t>Acknowledgement</a:t>
-            </a:r>
-          </a:p>
-        </p:txBody>
-      </p:sp>
-      <p:sp>
-        <p:nvSpPr>
           <p:cNvPr id="3" name="Content Placeholder 2">
             <a:extLst>
               <a:ext uri="{FF2B5EF4-FFF2-40B4-BE49-F238E27FC236}">
@@ -11029,28 +12145,48 @@
             <p:ph idx="1"/>
           </p:nvPr>
         </p:nvSpPr>
-        <p:spPr/>
+        <p:spPr>
+          <a:xfrm>
+            <a:off x="1169114" y="1686574"/>
+            <a:ext cx="9853772" cy="3101983"/>
+          </a:xfrm>
+        </p:spPr>
         <p:txBody>
-          <a:bodyPr/>
+          <a:bodyPr>
+            <a:normAutofit/>
+          </a:bodyPr>
           <a:lstStyle/>
           <a:p>
+            <a:pPr marL="0" indent="0">
+              <a:buNone/>
+            </a:pPr>
             <a:r>
-              <a:rPr lang="en-US" dirty="0"/>
+              <a:rPr lang="en-US" sz="3600" b="1" u="sng" dirty="0"/>
+              <a:t>Acknowledgements</a:t>
+            </a:r>
+            <a:endParaRPr lang="en-US" sz="2400" b="1" u="sng" dirty="0"/>
+          </a:p>
+          <a:p>
+            <a:endParaRPr lang="en-US" sz="2400" dirty="0"/>
+          </a:p>
+          <a:p>
+            <a:r>
+              <a:rPr lang="en-US" sz="2400" dirty="0"/>
               <a:t>Bryan Arnold for his help and ideas. They were instrumental in developing </a:t>
             </a:r>
             <a:r>
-              <a:rPr lang="en-US" dirty="0" err="1"/>
+              <a:rPr lang="en-US" sz="2400" dirty="0" err="1"/>
               <a:t>Stockie</a:t>
             </a:r>
             <a:r>
-              <a:rPr lang="en-US" dirty="0"/>
+              <a:rPr lang="en-US" sz="2400" dirty="0"/>
               <a:t>.</a:t>
             </a:r>
           </a:p>
           <a:p>
             <a:r>
-              <a:rPr lang="en-US" dirty="0"/>
-              <a:t>Carson Lloyd for developing a web scraping template for converting CUSIP numbers to stock tickers. </a:t>
+              <a:rPr lang="en-US" sz="2400" dirty="0"/>
+              <a:t>Carson Lloyd for developing a web scraping template for converting CUSIP numbers to stock tickers. They saved me a ton of time.</a:t>
             </a:r>
           </a:p>
         </p:txBody>
@@ -11104,11 +12240,13 @@
         <p:spPr>
           <a:xfrm>
             <a:off x="516467" y="85725"/>
-            <a:ext cx="10515600" cy="752475"/>
+            <a:ext cx="10515600" cy="588351"/>
           </a:xfrm>
         </p:spPr>
         <p:txBody>
-          <a:bodyPr/>
+          <a:bodyPr>
+            <a:normAutofit fontScale="90000"/>
+          </a:bodyPr>
           <a:lstStyle/>
           <a:p>
             <a:r>
@@ -11158,7 +12296,23 @@
           <a:p>
             <a:r>
               <a:rPr lang="en-US" dirty="0"/>
-              <a:t>Limitations/Issues &amp; Performance</a:t>
+              <a:t>Learnings and Findings</a:t>
+            </a:r>
+          </a:p>
+          <a:p>
+            <a:r>
+              <a:rPr lang="en-US" dirty="0" err="1"/>
+              <a:t>Stockie’s</a:t>
+            </a:r>
+            <a:r>
+              <a:rPr lang="en-US" dirty="0"/>
+              <a:t> Trading Performance</a:t>
+            </a:r>
+          </a:p>
+          <a:p>
+            <a:r>
+              <a:rPr lang="en-US" dirty="0"/>
+              <a:t>Limitations &amp; Issues </a:t>
             </a:r>
           </a:p>
           <a:p>
@@ -11197,8 +12351,8 @@
         </p:blipFill>
         <p:spPr>
           <a:xfrm>
-            <a:off x="7500636" y="3709027"/>
-            <a:ext cx="3268964" cy="2448662"/>
+            <a:off x="7981281" y="3628455"/>
+            <a:ext cx="3691311" cy="2765027"/>
           </a:xfrm>
           <a:prstGeom prst="rect">
             <a:avLst/>
@@ -11227,8 +12381,8 @@
         </p:blipFill>
         <p:spPr>
           <a:xfrm>
-            <a:off x="850020" y="3709027"/>
-            <a:ext cx="4372610" cy="2448662"/>
+            <a:off x="7981281" y="905752"/>
+            <a:ext cx="4005751" cy="2243221"/>
           </a:xfrm>
           <a:prstGeom prst="rect">
             <a:avLst/>
@@ -11257,8 +12411,8 @@
         </p:blipFill>
         <p:spPr>
           <a:xfrm>
-            <a:off x="7500636" y="63464"/>
-            <a:ext cx="3268964" cy="3268964"/>
+            <a:off x="4304976" y="3628455"/>
+            <a:ext cx="3112147" cy="2858813"/>
           </a:xfrm>
           <a:prstGeom prst="rect">
             <a:avLst/>
@@ -11275,6 +12429,171 @@
   <p:clrMapOvr>
     <a:masterClrMapping/>
   </p:clrMapOvr>
+  <p:timing>
+    <p:tnLst>
+      <p:par>
+        <p:cTn id="1" dur="indefinite" restart="never" nodeType="tmRoot">
+          <p:childTnLst>
+            <p:seq concurrent="1" nextAc="seek">
+              <p:cTn id="2" dur="indefinite" nodeType="mainSeq">
+                <p:childTnLst>
+                  <p:par>
+                    <p:cTn id="3" fill="hold">
+                      <p:stCondLst>
+                        <p:cond delay="indefinite"/>
+                      </p:stCondLst>
+                      <p:childTnLst>
+                        <p:par>
+                          <p:cTn id="4" fill="hold">
+                            <p:stCondLst>
+                              <p:cond delay="0"/>
+                            </p:stCondLst>
+                            <p:childTnLst>
+                              <p:par>
+                                <p:cTn id="5" presetID="1" presetClass="entr" presetSubtype="0" fill="hold" nodeType="clickEffect">
+                                  <p:stCondLst>
+                                    <p:cond delay="0"/>
+                                  </p:stCondLst>
+                                  <p:childTnLst>
+                                    <p:set>
+                                      <p:cBhvr>
+                                        <p:cTn id="6" dur="1" fill="hold">
+                                          <p:stCondLst>
+                                            <p:cond delay="0"/>
+                                          </p:stCondLst>
+                                        </p:cTn>
+                                        <p:tgtEl>
+                                          <p:spTgt spid="10"/>
+                                        </p:tgtEl>
+                                        <p:attrNameLst>
+                                          <p:attrName>style.visibility</p:attrName>
+                                        </p:attrNameLst>
+                                      </p:cBhvr>
+                                      <p:to>
+                                        <p:strVal val="visible"/>
+                                      </p:to>
+                                    </p:set>
+                                  </p:childTnLst>
+                                </p:cTn>
+                              </p:par>
+                            </p:childTnLst>
+                          </p:cTn>
+                        </p:par>
+                      </p:childTnLst>
+                    </p:cTn>
+                  </p:par>
+                  <p:par>
+                    <p:cTn id="7" fill="hold">
+                      <p:stCondLst>
+                        <p:cond delay="indefinite"/>
+                      </p:stCondLst>
+                      <p:childTnLst>
+                        <p:par>
+                          <p:cTn id="8" fill="hold">
+                            <p:stCondLst>
+                              <p:cond delay="0"/>
+                            </p:stCondLst>
+                            <p:childTnLst>
+                              <p:par>
+                                <p:cTn id="9" presetID="1" presetClass="entr" presetSubtype="0" fill="hold" nodeType="clickEffect">
+                                  <p:stCondLst>
+                                    <p:cond delay="0"/>
+                                  </p:stCondLst>
+                                  <p:childTnLst>
+                                    <p:set>
+                                      <p:cBhvr>
+                                        <p:cTn id="10" dur="1" fill="hold">
+                                          <p:stCondLst>
+                                            <p:cond delay="0"/>
+                                          </p:stCondLst>
+                                        </p:cTn>
+                                        <p:tgtEl>
+                                          <p:spTgt spid="12"/>
+                                        </p:tgtEl>
+                                        <p:attrNameLst>
+                                          <p:attrName>style.visibility</p:attrName>
+                                        </p:attrNameLst>
+                                      </p:cBhvr>
+                                      <p:to>
+                                        <p:strVal val="visible"/>
+                                      </p:to>
+                                    </p:set>
+                                  </p:childTnLst>
+                                </p:cTn>
+                              </p:par>
+                            </p:childTnLst>
+                          </p:cTn>
+                        </p:par>
+                      </p:childTnLst>
+                    </p:cTn>
+                  </p:par>
+                  <p:par>
+                    <p:cTn id="11" fill="hold">
+                      <p:stCondLst>
+                        <p:cond delay="indefinite"/>
+                      </p:stCondLst>
+                      <p:childTnLst>
+                        <p:par>
+                          <p:cTn id="12" fill="hold">
+                            <p:stCondLst>
+                              <p:cond delay="0"/>
+                            </p:stCondLst>
+                            <p:childTnLst>
+                              <p:par>
+                                <p:cTn id="13" presetID="1" presetClass="entr" presetSubtype="0" fill="hold" nodeType="clickEffect">
+                                  <p:stCondLst>
+                                    <p:cond delay="0"/>
+                                  </p:stCondLst>
+                                  <p:childTnLst>
+                                    <p:set>
+                                      <p:cBhvr>
+                                        <p:cTn id="14" dur="1" fill="hold">
+                                          <p:stCondLst>
+                                            <p:cond delay="0"/>
+                                          </p:stCondLst>
+                                        </p:cTn>
+                                        <p:tgtEl>
+                                          <p:spTgt spid="8"/>
+                                        </p:tgtEl>
+                                        <p:attrNameLst>
+                                          <p:attrName>style.visibility</p:attrName>
+                                        </p:attrNameLst>
+                                      </p:cBhvr>
+                                      <p:to>
+                                        <p:strVal val="visible"/>
+                                      </p:to>
+                                    </p:set>
+                                  </p:childTnLst>
+                                </p:cTn>
+                              </p:par>
+                            </p:childTnLst>
+                          </p:cTn>
+                        </p:par>
+                      </p:childTnLst>
+                    </p:cTn>
+                  </p:par>
+                </p:childTnLst>
+              </p:cTn>
+              <p:prevCondLst>
+                <p:cond evt="onPrev" delay="0">
+                  <p:tgtEl>
+                    <p:sldTgt/>
+                  </p:tgtEl>
+                </p:cond>
+              </p:prevCondLst>
+              <p:nextCondLst>
+                <p:cond evt="onNext" delay="0">
+                  <p:tgtEl>
+                    <p:sldTgt/>
+                  </p:tgtEl>
+                </p:cond>
+              </p:nextCondLst>
+            </p:seq>
+          </p:childTnLst>
+        </p:cTn>
+      </p:par>
+    </p:tnLst>
+  </p:timing>
 </p:sld>
 </file>
 
@@ -11305,487 +12624,6 @@
       </p:grpSpPr>
       <p:sp>
         <p:nvSpPr>
-          <p:cNvPr id="10" name="Freeform: Shape 9">
-            <a:extLst>
-              <a:ext uri="{FF2B5EF4-FFF2-40B4-BE49-F238E27FC236}">
-                <a16:creationId xmlns:a16="http://schemas.microsoft.com/office/drawing/2014/main" id="{46C2E80F-49A6-4372-B103-219D417A55ED}"/>
-              </a:ext>
-              <a:ext uri="{C183D7F6-B498-43B3-948B-1728B52AA6E4}">
-                <adec:decorative xmlns:adec="http://schemas.microsoft.com/office/drawing/2017/decorative" val="1"/>
-              </a:ext>
-            </a:extLst>
-          </p:cNvPr>
-          <p:cNvSpPr>
-            <a:spLocks noGrp="1" noRot="1" noChangeAspect="1" noMove="1" noResize="1" noEditPoints="1" noAdjustHandles="1" noChangeArrowheads="1" noChangeShapeType="1" noTextEdit="1"/>
-          </p:cNvSpPr>
-          <p:nvPr>
-            <p:extLst>
-              <p:ext uri="{386F3935-93C4-4BCD-93E2-E3B085C9AB24}">
-                <p16:designElem xmlns:p16="http://schemas.microsoft.com/office/powerpoint/2015/main" val="1"/>
-              </p:ext>
-            </p:extLst>
-          </p:nvPr>
-        </p:nvSpPr>
-        <p:spPr>
-          <a:xfrm>
-            <a:off x="484096" y="470925"/>
-            <a:ext cx="4381009" cy="5892104"/>
-          </a:xfrm>
-          <a:custGeom>
-            <a:avLst/>
-            <a:gdLst>
-              <a:gd name="connsiteX0" fmla="*/ 0 w 4381009"/>
-              <a:gd name="connsiteY0" fmla="*/ 0 h 5892104"/>
-              <a:gd name="connsiteX1" fmla="*/ 4157628 w 4381009"/>
-              <a:gd name="connsiteY1" fmla="*/ 0 h 5892104"/>
-              <a:gd name="connsiteX2" fmla="*/ 4169302 w 4381009"/>
-              <a:gd name="connsiteY2" fmla="*/ 68659 h 5892104"/>
-              <a:gd name="connsiteX3" fmla="*/ 4191571 w 4381009"/>
-              <a:gd name="connsiteY3" fmla="*/ 205472 h 5892104"/>
-              <a:gd name="connsiteX4" fmla="*/ 4213368 w 4381009"/>
-              <a:gd name="connsiteY4" fmla="*/ 342890 h 5892104"/>
-              <a:gd name="connsiteX5" fmla="*/ 4232030 w 4381009"/>
-              <a:gd name="connsiteY5" fmla="*/ 480913 h 5892104"/>
-              <a:gd name="connsiteX6" fmla="*/ 4250848 w 4381009"/>
-              <a:gd name="connsiteY6" fmla="*/ 618332 h 5892104"/>
-              <a:gd name="connsiteX7" fmla="*/ 4268412 w 4381009"/>
-              <a:gd name="connsiteY7" fmla="*/ 756355 h 5892104"/>
-              <a:gd name="connsiteX8" fmla="*/ 4283467 w 4381009"/>
-              <a:gd name="connsiteY8" fmla="*/ 892563 h 5892104"/>
-              <a:gd name="connsiteX9" fmla="*/ 4297737 w 4381009"/>
-              <a:gd name="connsiteY9" fmla="*/ 1030587 h 5892104"/>
-              <a:gd name="connsiteX10" fmla="*/ 4310754 w 4381009"/>
-              <a:gd name="connsiteY10" fmla="*/ 1168005 h 5892104"/>
-              <a:gd name="connsiteX11" fmla="*/ 4322045 w 4381009"/>
-              <a:gd name="connsiteY11" fmla="*/ 1303002 h 5892104"/>
-              <a:gd name="connsiteX12" fmla="*/ 4333336 w 4381009"/>
-              <a:gd name="connsiteY12" fmla="*/ 1439815 h 5892104"/>
-              <a:gd name="connsiteX13" fmla="*/ 4342745 w 4381009"/>
-              <a:gd name="connsiteY13" fmla="*/ 1574812 h 5892104"/>
-              <a:gd name="connsiteX14" fmla="*/ 4350115 w 4381009"/>
-              <a:gd name="connsiteY14" fmla="*/ 1709808 h 5892104"/>
-              <a:gd name="connsiteX15" fmla="*/ 4357799 w 4381009"/>
-              <a:gd name="connsiteY15" fmla="*/ 1844200 h 5892104"/>
-              <a:gd name="connsiteX16" fmla="*/ 4364229 w 4381009"/>
-              <a:gd name="connsiteY16" fmla="*/ 1977381 h 5892104"/>
-              <a:gd name="connsiteX17" fmla="*/ 4368777 w 4381009"/>
-              <a:gd name="connsiteY17" fmla="*/ 2109351 h 5892104"/>
-              <a:gd name="connsiteX18" fmla="*/ 4372697 w 4381009"/>
-              <a:gd name="connsiteY18" fmla="*/ 2241321 h 5892104"/>
-              <a:gd name="connsiteX19" fmla="*/ 4376461 w 4381009"/>
-              <a:gd name="connsiteY19" fmla="*/ 2372080 h 5892104"/>
-              <a:gd name="connsiteX20" fmla="*/ 4378186 w 4381009"/>
-              <a:gd name="connsiteY20" fmla="*/ 2501023 h 5892104"/>
-              <a:gd name="connsiteX21" fmla="*/ 4380068 w 4381009"/>
-              <a:gd name="connsiteY21" fmla="*/ 2629966 h 5892104"/>
-              <a:gd name="connsiteX22" fmla="*/ 4381009 w 4381009"/>
-              <a:gd name="connsiteY22" fmla="*/ 2757093 h 5892104"/>
-              <a:gd name="connsiteX23" fmla="*/ 4380068 w 4381009"/>
-              <a:gd name="connsiteY23" fmla="*/ 2883010 h 5892104"/>
-              <a:gd name="connsiteX24" fmla="*/ 4380068 w 4381009"/>
-              <a:gd name="connsiteY24" fmla="*/ 3007715 h 5892104"/>
-              <a:gd name="connsiteX25" fmla="*/ 4378186 w 4381009"/>
-              <a:gd name="connsiteY25" fmla="*/ 3131210 h 5892104"/>
-              <a:gd name="connsiteX26" fmla="*/ 4375363 w 4381009"/>
-              <a:gd name="connsiteY26" fmla="*/ 3252283 h 5892104"/>
-              <a:gd name="connsiteX27" fmla="*/ 4372697 w 4381009"/>
-              <a:gd name="connsiteY27" fmla="*/ 3372146 h 5892104"/>
-              <a:gd name="connsiteX28" fmla="*/ 4369718 w 4381009"/>
-              <a:gd name="connsiteY28" fmla="*/ 3489587 h 5892104"/>
-              <a:gd name="connsiteX29" fmla="*/ 4365170 w 4381009"/>
-              <a:gd name="connsiteY29" fmla="*/ 3606423 h 5892104"/>
-              <a:gd name="connsiteX30" fmla="*/ 4360309 w 4381009"/>
-              <a:gd name="connsiteY30" fmla="*/ 3721443 h 5892104"/>
-              <a:gd name="connsiteX31" fmla="*/ 4355918 w 4381009"/>
-              <a:gd name="connsiteY31" fmla="*/ 3834041 h 5892104"/>
-              <a:gd name="connsiteX32" fmla="*/ 4343529 w 4381009"/>
-              <a:gd name="connsiteY32" fmla="*/ 4053789 h 5892104"/>
-              <a:gd name="connsiteX33" fmla="*/ 4330356 w 4381009"/>
-              <a:gd name="connsiteY33" fmla="*/ 4264457 h 5892104"/>
-              <a:gd name="connsiteX34" fmla="*/ 4316556 w 4381009"/>
-              <a:gd name="connsiteY34" fmla="*/ 4466650 h 5892104"/>
-              <a:gd name="connsiteX35" fmla="*/ 4301344 w 4381009"/>
-              <a:gd name="connsiteY35" fmla="*/ 4657946 h 5892104"/>
-              <a:gd name="connsiteX36" fmla="*/ 4285506 w 4381009"/>
-              <a:gd name="connsiteY36" fmla="*/ 4840767 h 5892104"/>
-              <a:gd name="connsiteX37" fmla="*/ 4268412 w 4381009"/>
-              <a:gd name="connsiteY37" fmla="*/ 5010269 h 5892104"/>
-              <a:gd name="connsiteX38" fmla="*/ 4251633 w 4381009"/>
-              <a:gd name="connsiteY38" fmla="*/ 5169481 h 5892104"/>
-              <a:gd name="connsiteX39" fmla="*/ 4234853 w 4381009"/>
-              <a:gd name="connsiteY39" fmla="*/ 5315980 h 5892104"/>
-              <a:gd name="connsiteX40" fmla="*/ 4219014 w 4381009"/>
-              <a:gd name="connsiteY40" fmla="*/ 5450371 h 5892104"/>
-              <a:gd name="connsiteX41" fmla="*/ 4203959 w 4381009"/>
-              <a:gd name="connsiteY41" fmla="*/ 5569628 h 5892104"/>
-              <a:gd name="connsiteX42" fmla="*/ 4189689 w 4381009"/>
-              <a:gd name="connsiteY42" fmla="*/ 5677384 h 5892104"/>
-              <a:gd name="connsiteX43" fmla="*/ 4177770 w 4381009"/>
-              <a:gd name="connsiteY43" fmla="*/ 5768189 h 5892104"/>
-              <a:gd name="connsiteX44" fmla="*/ 4166479 w 4381009"/>
-              <a:gd name="connsiteY44" fmla="*/ 5844465 h 5892104"/>
-              <a:gd name="connsiteX45" fmla="*/ 4159132 w 4381009"/>
-              <a:gd name="connsiteY45" fmla="*/ 5892104 h 5892104"/>
-              <a:gd name="connsiteX46" fmla="*/ 0 w 4381009"/>
-              <a:gd name="connsiteY46" fmla="*/ 5892104 h 5892104"/>
-            </a:gdLst>
-            <a:ahLst/>
-            <a:cxnLst>
-              <a:cxn ang="0">
-                <a:pos x="connsiteX0" y="connsiteY0"/>
-              </a:cxn>
-              <a:cxn ang="0">
-                <a:pos x="connsiteX1" y="connsiteY1"/>
-              </a:cxn>
-              <a:cxn ang="0">
-                <a:pos x="connsiteX2" y="connsiteY2"/>
-              </a:cxn>
-              <a:cxn ang="0">
-                <a:pos x="connsiteX3" y="connsiteY3"/>
-              </a:cxn>
-              <a:cxn ang="0">
-                <a:pos x="connsiteX4" y="connsiteY4"/>
-              </a:cxn>
-              <a:cxn ang="0">
-                <a:pos x="connsiteX5" y="connsiteY5"/>
-              </a:cxn>
-              <a:cxn ang="0">
-                <a:pos x="connsiteX6" y="connsiteY6"/>
-              </a:cxn>
-              <a:cxn ang="0">
-                <a:pos x="connsiteX7" y="connsiteY7"/>
-              </a:cxn>
-              <a:cxn ang="0">
-                <a:pos x="connsiteX8" y="connsiteY8"/>
-              </a:cxn>
-              <a:cxn ang="0">
-                <a:pos x="connsiteX9" y="connsiteY9"/>
-              </a:cxn>
-              <a:cxn ang="0">
-                <a:pos x="connsiteX10" y="connsiteY10"/>
-              </a:cxn>
-              <a:cxn ang="0">
-                <a:pos x="connsiteX11" y="connsiteY11"/>
-              </a:cxn>
-              <a:cxn ang="0">
-                <a:pos x="connsiteX12" y="connsiteY12"/>
-              </a:cxn>
-              <a:cxn ang="0">
-                <a:pos x="connsiteX13" y="connsiteY13"/>
-              </a:cxn>
-              <a:cxn ang="0">
-                <a:pos x="connsiteX14" y="connsiteY14"/>
-              </a:cxn>
-              <a:cxn ang="0">
-                <a:pos x="connsiteX15" y="connsiteY15"/>
-              </a:cxn>
-              <a:cxn ang="0">
-                <a:pos x="connsiteX16" y="connsiteY16"/>
-              </a:cxn>
-              <a:cxn ang="0">
-                <a:pos x="connsiteX17" y="connsiteY17"/>
-              </a:cxn>
-              <a:cxn ang="0">
-                <a:pos x="connsiteX18" y="connsiteY18"/>
-              </a:cxn>
-              <a:cxn ang="0">
-                <a:pos x="connsiteX19" y="connsiteY19"/>
-              </a:cxn>
-              <a:cxn ang="0">
-                <a:pos x="connsiteX20" y="connsiteY20"/>
-              </a:cxn>
-              <a:cxn ang="0">
-                <a:pos x="connsiteX21" y="connsiteY21"/>
-              </a:cxn>
-              <a:cxn ang="0">
-                <a:pos x="connsiteX22" y="connsiteY22"/>
-              </a:cxn>
-              <a:cxn ang="0">
-                <a:pos x="connsiteX23" y="connsiteY23"/>
-              </a:cxn>
-              <a:cxn ang="0">
-                <a:pos x="connsiteX24" y="connsiteY24"/>
-              </a:cxn>
-              <a:cxn ang="0">
-                <a:pos x="connsiteX25" y="connsiteY25"/>
-              </a:cxn>
-              <a:cxn ang="0">
-                <a:pos x="connsiteX26" y="connsiteY26"/>
-              </a:cxn>
-              <a:cxn ang="0">
-                <a:pos x="connsiteX27" y="connsiteY27"/>
-              </a:cxn>
-              <a:cxn ang="0">
-                <a:pos x="connsiteX28" y="connsiteY28"/>
-              </a:cxn>
-              <a:cxn ang="0">
-                <a:pos x="connsiteX29" y="connsiteY29"/>
-              </a:cxn>
-              <a:cxn ang="0">
-                <a:pos x="connsiteX30" y="connsiteY30"/>
-              </a:cxn>
-              <a:cxn ang="0">
-                <a:pos x="connsiteX31" y="connsiteY31"/>
-              </a:cxn>
-              <a:cxn ang="0">
-                <a:pos x="connsiteX32" y="connsiteY32"/>
-              </a:cxn>
-              <a:cxn ang="0">
-                <a:pos x="connsiteX33" y="connsiteY33"/>
-              </a:cxn>
-              <a:cxn ang="0">
-                <a:pos x="connsiteX34" y="connsiteY34"/>
-              </a:cxn>
-              <a:cxn ang="0">
-                <a:pos x="connsiteX35" y="connsiteY35"/>
-              </a:cxn>
-              <a:cxn ang="0">
-                <a:pos x="connsiteX36" y="connsiteY36"/>
-              </a:cxn>
-              <a:cxn ang="0">
-                <a:pos x="connsiteX37" y="connsiteY37"/>
-              </a:cxn>
-              <a:cxn ang="0">
-                <a:pos x="connsiteX38" y="connsiteY38"/>
-              </a:cxn>
-              <a:cxn ang="0">
-                <a:pos x="connsiteX39" y="connsiteY39"/>
-              </a:cxn>
-              <a:cxn ang="0">
-                <a:pos x="connsiteX40" y="connsiteY40"/>
-              </a:cxn>
-              <a:cxn ang="0">
-                <a:pos x="connsiteX41" y="connsiteY41"/>
-              </a:cxn>
-              <a:cxn ang="0">
-                <a:pos x="connsiteX42" y="connsiteY42"/>
-              </a:cxn>
-              <a:cxn ang="0">
-                <a:pos x="connsiteX43" y="connsiteY43"/>
-              </a:cxn>
-              <a:cxn ang="0">
-                <a:pos x="connsiteX44" y="connsiteY44"/>
-              </a:cxn>
-              <a:cxn ang="0">
-                <a:pos x="connsiteX45" y="connsiteY45"/>
-              </a:cxn>
-              <a:cxn ang="0">
-                <a:pos x="connsiteX46" y="connsiteY46"/>
-              </a:cxn>
-            </a:cxnLst>
-            <a:rect l="l" t="t" r="r" b="b"/>
-            <a:pathLst>
-              <a:path w="4381009" h="5892104">
-                <a:moveTo>
-                  <a:pt x="0" y="0"/>
-                </a:moveTo>
-                <a:lnTo>
-                  <a:pt x="4157628" y="0"/>
-                </a:lnTo>
-                <a:lnTo>
-                  <a:pt x="4169302" y="68659"/>
-                </a:lnTo>
-                <a:lnTo>
-                  <a:pt x="4191571" y="205472"/>
-                </a:lnTo>
-                <a:lnTo>
-                  <a:pt x="4213368" y="342890"/>
-                </a:lnTo>
-                <a:lnTo>
-                  <a:pt x="4232030" y="480913"/>
-                </a:lnTo>
-                <a:lnTo>
-                  <a:pt x="4250848" y="618332"/>
-                </a:lnTo>
-                <a:lnTo>
-                  <a:pt x="4268412" y="756355"/>
-                </a:lnTo>
-                <a:lnTo>
-                  <a:pt x="4283467" y="892563"/>
-                </a:lnTo>
-                <a:lnTo>
-                  <a:pt x="4297737" y="1030587"/>
-                </a:lnTo>
-                <a:lnTo>
-                  <a:pt x="4310754" y="1168005"/>
-                </a:lnTo>
-                <a:lnTo>
-                  <a:pt x="4322045" y="1303002"/>
-                </a:lnTo>
-                <a:lnTo>
-                  <a:pt x="4333336" y="1439815"/>
-                </a:lnTo>
-                <a:lnTo>
-                  <a:pt x="4342745" y="1574812"/>
-                </a:lnTo>
-                <a:lnTo>
-                  <a:pt x="4350115" y="1709808"/>
-                </a:lnTo>
-                <a:lnTo>
-                  <a:pt x="4357799" y="1844200"/>
-                </a:lnTo>
-                <a:lnTo>
-                  <a:pt x="4364229" y="1977381"/>
-                </a:lnTo>
-                <a:lnTo>
-                  <a:pt x="4368777" y="2109351"/>
-                </a:lnTo>
-                <a:lnTo>
-                  <a:pt x="4372697" y="2241321"/>
-                </a:lnTo>
-                <a:lnTo>
-                  <a:pt x="4376461" y="2372080"/>
-                </a:lnTo>
-                <a:lnTo>
-                  <a:pt x="4378186" y="2501023"/>
-                </a:lnTo>
-                <a:lnTo>
-                  <a:pt x="4380068" y="2629966"/>
-                </a:lnTo>
-                <a:lnTo>
-                  <a:pt x="4381009" y="2757093"/>
-                </a:lnTo>
-                <a:lnTo>
-                  <a:pt x="4380068" y="2883010"/>
-                </a:lnTo>
-                <a:lnTo>
-                  <a:pt x="4380068" y="3007715"/>
-                </a:lnTo>
-                <a:lnTo>
-                  <a:pt x="4378186" y="3131210"/>
-                </a:lnTo>
-                <a:lnTo>
-                  <a:pt x="4375363" y="3252283"/>
-                </a:lnTo>
-                <a:lnTo>
-                  <a:pt x="4372697" y="3372146"/>
-                </a:lnTo>
-                <a:lnTo>
-                  <a:pt x="4369718" y="3489587"/>
-                </a:lnTo>
-                <a:lnTo>
-                  <a:pt x="4365170" y="3606423"/>
-                </a:lnTo>
-                <a:lnTo>
-                  <a:pt x="4360309" y="3721443"/>
-                </a:lnTo>
-                <a:lnTo>
-                  <a:pt x="4355918" y="3834041"/>
-                </a:lnTo>
-                <a:lnTo>
-                  <a:pt x="4343529" y="4053789"/>
-                </a:lnTo>
-                <a:lnTo>
-                  <a:pt x="4330356" y="4264457"/>
-                </a:lnTo>
-                <a:lnTo>
-                  <a:pt x="4316556" y="4466650"/>
-                </a:lnTo>
-                <a:lnTo>
-                  <a:pt x="4301344" y="4657946"/>
-                </a:lnTo>
-                <a:lnTo>
-                  <a:pt x="4285506" y="4840767"/>
-                </a:lnTo>
-                <a:lnTo>
-                  <a:pt x="4268412" y="5010269"/>
-                </a:lnTo>
-                <a:lnTo>
-                  <a:pt x="4251633" y="5169481"/>
-                </a:lnTo>
-                <a:lnTo>
-                  <a:pt x="4234853" y="5315980"/>
-                </a:lnTo>
-                <a:lnTo>
-                  <a:pt x="4219014" y="5450371"/>
-                </a:lnTo>
-                <a:lnTo>
-                  <a:pt x="4203959" y="5569628"/>
-                </a:lnTo>
-                <a:lnTo>
-                  <a:pt x="4189689" y="5677384"/>
-                </a:lnTo>
-                <a:lnTo>
-                  <a:pt x="4177770" y="5768189"/>
-                </a:lnTo>
-                <a:lnTo>
-                  <a:pt x="4166479" y="5844465"/>
-                </a:lnTo>
-                <a:lnTo>
-                  <a:pt x="4159132" y="5892104"/>
-                </a:lnTo>
-                <a:lnTo>
-                  <a:pt x="0" y="5892104"/>
-                </a:lnTo>
-                <a:close/>
-              </a:path>
-            </a:pathLst>
-          </a:custGeom>
-          <a:solidFill>
-            <a:srgbClr val="404040"/>
-          </a:solidFill>
-          <a:ln>
-            <a:noFill/>
-          </a:ln>
-        </p:spPr>
-        <p:style>
-          <a:lnRef idx="2">
-            <a:schemeClr val="accent1">
-              <a:shade val="50000"/>
-            </a:schemeClr>
-          </a:lnRef>
-          <a:fillRef idx="1">
-            <a:schemeClr val="accent1"/>
-          </a:fillRef>
-          <a:effectRef idx="0">
-            <a:schemeClr val="accent1"/>
-          </a:effectRef>
-          <a:fontRef idx="minor">
-            <a:schemeClr val="lt1"/>
-          </a:fontRef>
-        </p:style>
-        <p:txBody>
-          <a:bodyPr wrap="square" rtlCol="0" anchor="ctr">
-            <a:noAutofit/>
-          </a:bodyPr>
-          <a:lstStyle/>
-          <a:p>
-            <a:pPr marL="0" marR="0" lvl="0" indent="0" algn="ctr" defTabSz="457200" rtl="0" eaLnBrk="1" fontAlgn="auto" latinLnBrk="0" hangingPunct="1">
-              <a:lnSpc>
-                <a:spcPct val="100000"/>
-              </a:lnSpc>
-              <a:spcBef>
-                <a:spcPts val="0"/>
-              </a:spcBef>
-              <a:spcAft>
-                <a:spcPts val="0"/>
-              </a:spcAft>
-              <a:buClrTx/>
-              <a:buSzTx/>
-              <a:buFontTx/>
-              <a:buNone/>
-              <a:tabLst/>
-              <a:defRPr/>
-            </a:pPr>
-            <a:endParaRPr kumimoji="0" lang="en-US" sz="1800" b="0" i="0" u="none" strike="noStrike" kern="1200" cap="none" spc="0" normalizeH="0" baseline="0" noProof="0">
-              <a:ln>
-                <a:noFill/>
-              </a:ln>
-              <a:solidFill>
-                <a:prstClr val="white"/>
-              </a:solidFill>
-              <a:effectLst/>
-              <a:uLnTx/>
-              <a:uFillTx/>
-              <a:latin typeface="Calibri" panose="020F0502020204030204"/>
-              <a:ea typeface="+mn-ea"/>
-              <a:cs typeface="+mn-cs"/>
-            </a:endParaRPr>
-          </a:p>
-        </p:txBody>
-      </p:sp>
-      <p:sp>
-        <p:nvSpPr>
           <p:cNvPr id="2" name="Title 1">
             <a:extLst>
               <a:ext uri="{FF2B5EF4-FFF2-40B4-BE49-F238E27FC236}">
@@ -11805,6 +12643,12 @@
             <a:off x="863029" y="1012004"/>
             <a:ext cx="3416158" cy="4795408"/>
           </a:xfrm>
+          <a:solidFill>
+            <a:schemeClr val="tx2">
+              <a:lumMod val="60000"/>
+              <a:lumOff val="40000"/>
+            </a:schemeClr>
+          </a:solidFill>
         </p:spPr>
         <p:txBody>
           <a:bodyPr>
@@ -11813,7 +12657,7 @@
           <a:lstStyle/>
           <a:p>
             <a:r>
-              <a:rPr lang="en-US">
+              <a:rPr lang="en-US" dirty="0">
                 <a:solidFill>
                   <a:srgbClr val="FFFFFF"/>
                 </a:solidFill>
@@ -11839,13 +12683,13 @@
             <p:ph idx="1"/>
             <p:extLst>
               <p:ext uri="{D42A27DB-BD31-4B8C-83A1-F6EECF244321}">
-                <p14:modId xmlns:p14="http://schemas.microsoft.com/office/powerpoint/2010/main" val="919094633"/>
+                <p14:modId xmlns:p14="http://schemas.microsoft.com/office/powerpoint/2010/main" val="4035266655"/>
               </p:ext>
             </p:extLst>
           </p:nvPr>
         </p:nvGraphicFramePr>
         <p:xfrm>
-          <a:off x="5194300" y="470924"/>
+          <a:off x="5018454" y="486287"/>
           <a:ext cx="6513604" cy="5885426"/>
         </p:xfrm>
         <a:graphic>
@@ -11902,85 +12746,19 @@
         </p:nvSpPr>
         <p:spPr>
           <a:xfrm>
-            <a:off x="465666" y="18256"/>
+            <a:off x="838200" y="5600"/>
             <a:ext cx="10515600" cy="728547"/>
           </a:xfrm>
         </p:spPr>
         <p:txBody>
-          <a:bodyPr/>
+          <a:bodyPr>
+            <a:normAutofit fontScale="90000"/>
+          </a:bodyPr>
           <a:lstStyle/>
           <a:p>
             <a:r>
               <a:rPr lang="en-US" dirty="0"/>
               <a:t>Envisaged Trading System</a:t>
-            </a:r>
-          </a:p>
-        </p:txBody>
-      </p:sp>
-      <p:sp>
-        <p:nvSpPr>
-          <p:cNvPr id="3" name="Content Placeholder 2">
-            <a:extLst>
-              <a:ext uri="{FF2B5EF4-FFF2-40B4-BE49-F238E27FC236}">
-                <a16:creationId xmlns:a16="http://schemas.microsoft.com/office/drawing/2014/main" id="{61368A14-E008-DD47-8A46-DE884D7CD990}"/>
-              </a:ext>
-            </a:extLst>
-          </p:cNvPr>
-          <p:cNvSpPr>
-            <a:spLocks noGrp="1"/>
-          </p:cNvSpPr>
-          <p:nvPr>
-            <p:ph idx="1"/>
-          </p:nvPr>
-        </p:nvSpPr>
-        <p:spPr>
-          <a:xfrm>
-            <a:off x="6662959" y="931335"/>
-            <a:ext cx="4949176" cy="5723466"/>
-          </a:xfrm>
-        </p:spPr>
-        <p:txBody>
-          <a:bodyPr>
-            <a:normAutofit/>
-          </a:bodyPr>
-          <a:lstStyle/>
-          <a:p>
-            <a:pPr marL="0" indent="0">
-              <a:buNone/>
-            </a:pPr>
-            <a:r>
-              <a:rPr lang="en-US" sz="2000" b="1" u="sng" dirty="0"/>
-              <a:t>Components:</a:t>
-            </a:r>
-          </a:p>
-          <a:p>
-            <a:pPr marL="0" indent="0">
-              <a:buNone/>
-            </a:pPr>
-            <a:endParaRPr lang="en-US" sz="2000" dirty="0"/>
-          </a:p>
-          <a:p>
-            <a:r>
-              <a:rPr lang="en-US" sz="2000" dirty="0"/>
-              <a:t>The blue parts were developed as part of Module 4 project, giving final project a head start</a:t>
-            </a:r>
-          </a:p>
-          <a:p>
-            <a:r>
-              <a:rPr lang="en-US" sz="2000" dirty="0"/>
-              <a:t>Two types of models envisaged to predict whether stocks are going up or not</a:t>
-            </a:r>
-          </a:p>
-          <a:p>
-            <a:r>
-              <a:rPr lang="en-US" sz="2000" dirty="0"/>
-              <a:t>The middle part integrates both recommendations to identify buy opportunities</a:t>
-            </a:r>
-          </a:p>
-          <a:p>
-            <a:r>
-              <a:rPr lang="en-US" sz="2000" dirty="0"/>
-              <a:t>The top part shows that buy decisions are verified by a human and then added to ledger after buying</a:t>
             </a:r>
           </a:p>
         </p:txBody>
@@ -11999,8 +12777,8 @@
         </p:nvGrpSpPr>
         <p:grpSpPr>
           <a:xfrm>
-            <a:off x="833322" y="931334"/>
-            <a:ext cx="5465878" cy="5723466"/>
+            <a:off x="2393284" y="968406"/>
+            <a:ext cx="6660364" cy="5723466"/>
             <a:chOff x="4711640" y="2354102"/>
             <a:chExt cx="2470432" cy="3301156"/>
           </a:xfrm>
@@ -14196,107 +14974,19 @@
         </p:nvSpPr>
         <p:spPr>
           <a:xfrm>
-            <a:off x="465666" y="18256"/>
+            <a:off x="799300" y="18256"/>
             <a:ext cx="10515600" cy="728547"/>
           </a:xfrm>
         </p:spPr>
         <p:txBody>
-          <a:bodyPr/>
+          <a:bodyPr>
+            <a:normAutofit fontScale="90000"/>
+          </a:bodyPr>
           <a:lstStyle/>
           <a:p>
             <a:r>
               <a:rPr lang="en-US" dirty="0"/>
               <a:t>Implemented Trading System</a:t>
-            </a:r>
-          </a:p>
-        </p:txBody>
-      </p:sp>
-      <p:sp>
-        <p:nvSpPr>
-          <p:cNvPr id="3" name="Content Placeholder 2">
-            <a:extLst>
-              <a:ext uri="{FF2B5EF4-FFF2-40B4-BE49-F238E27FC236}">
-                <a16:creationId xmlns:a16="http://schemas.microsoft.com/office/drawing/2014/main" id="{61368A14-E008-DD47-8A46-DE884D7CD990}"/>
-              </a:ext>
-            </a:extLst>
-          </p:cNvPr>
-          <p:cNvSpPr>
-            <a:spLocks noGrp="1"/>
-          </p:cNvSpPr>
-          <p:nvPr>
-            <p:ph idx="1"/>
-          </p:nvPr>
-        </p:nvSpPr>
-        <p:spPr>
-          <a:xfrm>
-            <a:off x="6662959" y="931335"/>
-            <a:ext cx="4949176" cy="5723466"/>
-          </a:xfrm>
-        </p:spPr>
-        <p:txBody>
-          <a:bodyPr>
-            <a:normAutofit/>
-          </a:bodyPr>
-          <a:lstStyle/>
-          <a:p>
-            <a:pPr marL="0" indent="0">
-              <a:buNone/>
-            </a:pPr>
-            <a:r>
-              <a:rPr lang="en-US" sz="2000" b="1" u="sng" dirty="0"/>
-              <a:t>Components:</a:t>
-            </a:r>
-          </a:p>
-          <a:p>
-            <a:pPr marL="0" indent="0">
-              <a:buNone/>
-            </a:pPr>
-            <a:endParaRPr lang="en-US" sz="2000" dirty="0"/>
-          </a:p>
-          <a:p>
-            <a:r>
-              <a:rPr lang="en-US" sz="2000" dirty="0"/>
-              <a:t>2,000 stocks instead of 100</a:t>
-            </a:r>
-          </a:p>
-          <a:p>
-            <a:r>
-              <a:rPr lang="en-US" sz="2000" dirty="0" err="1"/>
-              <a:t>Backtesting</a:t>
-            </a:r>
-            <a:r>
-              <a:rPr lang="en-US" sz="2000" dirty="0"/>
-              <a:t> engine</a:t>
-            </a:r>
-          </a:p>
-          <a:p>
-            <a:r>
-              <a:rPr lang="en-US" sz="2000" dirty="0"/>
-              <a:t>Forecasting with ARX/GARCH model</a:t>
-            </a:r>
-          </a:p>
-          <a:p>
-            <a:r>
-              <a:rPr lang="en-US" sz="2000" dirty="0"/>
-              <a:t>Local minima and maxima models</a:t>
-            </a:r>
-          </a:p>
-          <a:p>
-            <a:r>
-              <a:rPr lang="en-US" sz="2000" dirty="0"/>
-              <a:t>P&amp;L functionality to track performance</a:t>
-            </a:r>
-          </a:p>
-          <a:p>
-            <a:r>
-              <a:rPr lang="en-US" sz="2000" dirty="0"/>
-              <a:t>Buy recommendations (but not sell)</a:t>
-            </a:r>
-          </a:p>
-          <a:p>
-            <a:r>
-              <a:rPr lang="en-US" sz="2000" dirty="0"/>
-              <a:t>Hourly updates</a:t>
             </a:r>
           </a:p>
         </p:txBody>
@@ -14315,7 +15005,7 @@
         </p:nvGrpSpPr>
         <p:grpSpPr>
           <a:xfrm>
-            <a:off x="867499" y="1365739"/>
+            <a:off x="3546226" y="1365739"/>
             <a:ext cx="5099548" cy="4399154"/>
             <a:chOff x="1693981" y="1834662"/>
             <a:chExt cx="5099548" cy="4399154"/>
@@ -14342,9 +15032,8 @@
               <a:avLst/>
             </a:prstGeom>
             <a:solidFill>
-              <a:schemeClr val="accent5">
-                <a:lumMod val="40000"/>
-                <a:lumOff val="60000"/>
+              <a:schemeClr val="bg2">
+                <a:lumMod val="75000"/>
               </a:schemeClr>
             </a:solidFill>
           </p:spPr>
@@ -15433,9 +16122,8 @@
               <a:avLst/>
             </a:prstGeom>
             <a:solidFill>
-              <a:schemeClr val="accent5">
-                <a:lumMod val="40000"/>
-                <a:lumOff val="60000"/>
+              <a:schemeClr val="bg2">
+                <a:lumMod val="75000"/>
               </a:schemeClr>
             </a:solidFill>
           </p:spPr>
@@ -15627,69 +16315,6 @@
       </p:grpSpPr>
       <p:sp>
         <p:nvSpPr>
-          <p:cNvPr id="11" name="Rectangle 10">
-            <a:extLst>
-              <a:ext uri="{FF2B5EF4-FFF2-40B4-BE49-F238E27FC236}">
-                <a16:creationId xmlns:a16="http://schemas.microsoft.com/office/drawing/2014/main" id="{2B566528-1B12-4246-9431-5C2D7D081168}"/>
-              </a:ext>
-              <a:ext uri="{C183D7F6-B498-43B3-948B-1728B52AA6E4}">
-                <adec:decorative xmlns:adec="http://schemas.microsoft.com/office/drawing/2017/decorative" val="1"/>
-              </a:ext>
-            </a:extLst>
-          </p:cNvPr>
-          <p:cNvSpPr>
-            <a:spLocks noGrp="1" noRot="1" noChangeAspect="1" noMove="1" noResize="1" noEditPoints="1" noAdjustHandles="1" noChangeArrowheads="1" noChangeShapeType="1" noTextEdit="1"/>
-          </p:cNvSpPr>
-          <p:nvPr>
-            <p:extLst>
-              <p:ext uri="{386F3935-93C4-4BCD-93E2-E3B085C9AB24}">
-                <p16:designElem xmlns:p16="http://schemas.microsoft.com/office/powerpoint/2015/main" val="1"/>
-              </p:ext>
-            </p:extLst>
-          </p:nvPr>
-        </p:nvSpPr>
-        <p:spPr>
-          <a:xfrm>
-            <a:off x="0" y="0"/>
-            <a:ext cx="12192000" cy="6858000"/>
-          </a:xfrm>
-          <a:prstGeom prst="rect">
-            <a:avLst/>
-          </a:prstGeom>
-          <a:solidFill>
-            <a:schemeClr val="bg1"/>
-          </a:solidFill>
-          <a:ln>
-            <a:noFill/>
-          </a:ln>
-        </p:spPr>
-        <p:style>
-          <a:lnRef idx="2">
-            <a:schemeClr val="accent1">
-              <a:shade val="50000"/>
-            </a:schemeClr>
-          </a:lnRef>
-          <a:fillRef idx="1">
-            <a:schemeClr val="accent1"/>
-          </a:fillRef>
-          <a:effectRef idx="0">
-            <a:schemeClr val="accent1"/>
-          </a:effectRef>
-          <a:fontRef idx="minor">
-            <a:schemeClr val="lt1"/>
-          </a:fontRef>
-        </p:style>
-        <p:txBody>
-          <a:bodyPr rtlCol="0" anchor="ctr"/>
-          <a:lstStyle/>
-          <a:p>
-            <a:pPr algn="ctr"/>
-            <a:endParaRPr lang="en-US" dirty="0"/>
-          </a:p>
-        </p:txBody>
-      </p:sp>
-      <p:sp>
-        <p:nvSpPr>
           <p:cNvPr id="2" name="Title 1">
             <a:extLst>
               <a:ext uri="{FF2B5EF4-FFF2-40B4-BE49-F238E27FC236}">
@@ -15723,327 +16348,6 @@
           </a:p>
         </p:txBody>
       </p:sp>
-      <p:sp>
-        <p:nvSpPr>
-          <p:cNvPr id="13" name="Isosceles Triangle 12">
-            <a:extLst>
-              <a:ext uri="{FF2B5EF4-FFF2-40B4-BE49-F238E27FC236}">
-                <a16:creationId xmlns:a16="http://schemas.microsoft.com/office/drawing/2014/main" id="{D3F51FEB-38FB-4F6C-9F7B-2F2AFAB65463}"/>
-              </a:ext>
-              <a:ext uri="{C183D7F6-B498-43B3-948B-1728B52AA6E4}">
-                <adec:decorative xmlns:adec="http://schemas.microsoft.com/office/drawing/2017/decorative" val="1"/>
-              </a:ext>
-            </a:extLst>
-          </p:cNvPr>
-          <p:cNvSpPr>
-            <a:spLocks noGrp="1" noRot="1" noChangeAspect="1" noMove="1" noResize="1" noEditPoints="1" noAdjustHandles="1" noChangeArrowheads="1" noChangeShapeType="1" noTextEdit="1"/>
-          </p:cNvSpPr>
-          <p:nvPr>
-            <p:extLst>
-              <p:ext uri="{386F3935-93C4-4BCD-93E2-E3B085C9AB24}">
-                <p16:designElem xmlns:p16="http://schemas.microsoft.com/office/powerpoint/2015/main" val="1"/>
-              </p:ext>
-            </p:extLst>
-          </p:nvPr>
-        </p:nvSpPr>
-        <p:spPr>
-          <a:xfrm rot="5400000">
-            <a:off x="-501760" y="5103257"/>
-            <a:ext cx="2017580" cy="1014060"/>
-          </a:xfrm>
-          <a:prstGeom prst="triangle">
-            <a:avLst>
-              <a:gd name="adj" fmla="val 50000"/>
-            </a:avLst>
-          </a:prstGeom>
-          <a:solidFill>
-            <a:schemeClr val="accent1">
-              <a:alpha val="30000"/>
-            </a:schemeClr>
-          </a:solidFill>
-          <a:ln>
-            <a:noFill/>
-          </a:ln>
-        </p:spPr>
-        <p:style>
-          <a:lnRef idx="2">
-            <a:schemeClr val="accent1">
-              <a:shade val="50000"/>
-            </a:schemeClr>
-          </a:lnRef>
-          <a:fillRef idx="1">
-            <a:schemeClr val="accent1"/>
-          </a:fillRef>
-          <a:effectRef idx="0">
-            <a:schemeClr val="accent1"/>
-          </a:effectRef>
-          <a:fontRef idx="minor">
-            <a:schemeClr val="lt1"/>
-          </a:fontRef>
-        </p:style>
-        <p:txBody>
-          <a:bodyPr rtlCol="0" anchor="ctr"/>
-          <a:lstStyle/>
-          <a:p>
-            <a:pPr algn="ctr"/>
-            <a:endParaRPr lang="en-US"/>
-          </a:p>
-        </p:txBody>
-      </p:sp>
-      <p:sp>
-        <p:nvSpPr>
-          <p:cNvPr id="15" name="Rectangle 14">
-            <a:extLst>
-              <a:ext uri="{FF2B5EF4-FFF2-40B4-BE49-F238E27FC236}">
-                <a16:creationId xmlns:a16="http://schemas.microsoft.com/office/drawing/2014/main" id="{1E547BA6-BAE0-43BB-A7CA-60F69CE252F0}"/>
-              </a:ext>
-              <a:ext uri="{C183D7F6-B498-43B3-948B-1728B52AA6E4}">
-                <adec:decorative xmlns:adec="http://schemas.microsoft.com/office/drawing/2017/decorative" val="1"/>
-              </a:ext>
-            </a:extLst>
-          </p:cNvPr>
-          <p:cNvSpPr>
-            <a:spLocks noGrp="1" noRot="1" noChangeAspect="1" noMove="1" noResize="1" noEditPoints="1" noAdjustHandles="1" noChangeArrowheads="1" noChangeShapeType="1" noTextEdit="1"/>
-          </p:cNvSpPr>
-          <p:nvPr>
-            <p:extLst>
-              <p:ext uri="{386F3935-93C4-4BCD-93E2-E3B085C9AB24}">
-                <p16:designElem xmlns:p16="http://schemas.microsoft.com/office/powerpoint/2015/main" val="1"/>
-              </p:ext>
-            </p:extLst>
-          </p:nvPr>
-        </p:nvSpPr>
-        <p:spPr>
-          <a:xfrm rot="2700000">
-            <a:off x="427916" y="5728708"/>
-            <a:ext cx="485578" cy="485578"/>
-          </a:xfrm>
-          <a:prstGeom prst="rect">
-            <a:avLst/>
-          </a:prstGeom>
-          <a:solidFill>
-            <a:schemeClr val="accent1">
-              <a:alpha val="30000"/>
-            </a:schemeClr>
-          </a:solidFill>
-          <a:ln>
-            <a:noFill/>
-          </a:ln>
-        </p:spPr>
-        <p:style>
-          <a:lnRef idx="2">
-            <a:schemeClr val="accent1">
-              <a:shade val="50000"/>
-            </a:schemeClr>
-          </a:lnRef>
-          <a:fillRef idx="1">
-            <a:schemeClr val="accent1"/>
-          </a:fillRef>
-          <a:effectRef idx="0">
-            <a:schemeClr val="accent1"/>
-          </a:effectRef>
-          <a:fontRef idx="minor">
-            <a:schemeClr val="lt1"/>
-          </a:fontRef>
-        </p:style>
-        <p:txBody>
-          <a:bodyPr rtlCol="0" anchor="ctr"/>
-          <a:lstStyle/>
-          <a:p>
-            <a:pPr algn="ctr"/>
-            <a:endParaRPr lang="en-US"/>
-          </a:p>
-        </p:txBody>
-      </p:sp>
-      <p:pic>
-        <p:nvPicPr>
-          <p:cNvPr id="7" name="Picture 6">
-            <a:extLst>
-              <a:ext uri="{FF2B5EF4-FFF2-40B4-BE49-F238E27FC236}">
-                <a16:creationId xmlns:a16="http://schemas.microsoft.com/office/drawing/2014/main" id="{1A34C241-09EA-4063-976C-B56C7E580736}"/>
-              </a:ext>
-            </a:extLst>
-          </p:cNvPr>
-          <p:cNvPicPr>
-            <a:picLocks noChangeAspect="1"/>
-          </p:cNvPicPr>
-          <p:nvPr/>
-        </p:nvPicPr>
-        <p:blipFill rotWithShape="1">
-          <a:blip r:embed="rId2"/>
-          <a:srcRect l="45598" r="14864" b="-1"/>
-          <a:stretch/>
-        </p:blipFill>
-        <p:spPr>
-          <a:xfrm>
-            <a:off x="8129873" y="10"/>
-            <a:ext cx="4062128" cy="6857990"/>
-          </a:xfrm>
-          <a:prstGeom prst="rect">
-            <a:avLst/>
-          </a:prstGeom>
-        </p:spPr>
-      </p:pic>
-      <p:grpSp>
-        <p:nvGrpSpPr>
-          <p:cNvPr id="17" name="Group 16">
-            <a:extLst>
-              <a:ext uri="{FF2B5EF4-FFF2-40B4-BE49-F238E27FC236}">
-                <a16:creationId xmlns:a16="http://schemas.microsoft.com/office/drawing/2014/main" id="{07EAA094-9CF6-4695-958A-33D9BCAA9474}"/>
-              </a:ext>
-              <a:ext uri="{C183D7F6-B498-43B3-948B-1728B52AA6E4}">
-                <adec:decorative xmlns:adec="http://schemas.microsoft.com/office/drawing/2017/decorative" val="1"/>
-              </a:ext>
-            </a:extLst>
-          </p:cNvPr>
-          <p:cNvGrpSpPr>
-            <a:grpSpLocks noGrp="1" noUngrp="1" noRot="1" noChangeAspect="1" noMove="1" noResize="1"/>
-          </p:cNvGrpSpPr>
-          <p:nvPr>
-            <p:extLst>
-              <p:ext uri="{386F3935-93C4-4BCD-93E2-E3B085C9AB24}">
-                <p16:designElem xmlns:p16="http://schemas.microsoft.com/office/powerpoint/2015/main" val="1"/>
-              </p:ext>
-            </p:extLst>
-          </p:nvPr>
-        </p:nvGrpSpPr>
-        <p:grpSpPr>
-          <a:xfrm>
-            <a:off x="11123132" y="713128"/>
-            <a:ext cx="1068867" cy="2126625"/>
-            <a:chOff x="10918968" y="713127"/>
-            <a:chExt cx="1273032" cy="2532832"/>
-          </a:xfrm>
-        </p:grpSpPr>
-        <p:sp>
-          <p:nvSpPr>
-            <p:cNvPr id="18" name="Rectangle 17">
-              <a:extLst>
-                <a:ext uri="{FF2B5EF4-FFF2-40B4-BE49-F238E27FC236}">
-                  <a16:creationId xmlns:a16="http://schemas.microsoft.com/office/drawing/2014/main" id="{2E80C965-DB6D-4F81-9E9E-B027384D0BD6}"/>
-                </a:ext>
-                <a:ext uri="{C183D7F6-B498-43B3-948B-1728B52AA6E4}">
-                  <adec:decorative xmlns:adec="http://schemas.microsoft.com/office/drawing/2017/decorative" val="1"/>
-                </a:ext>
-              </a:extLst>
-            </p:cNvPr>
-            <p:cNvSpPr/>
-            <p:nvPr>
-              <p:extLst>
-                <p:ext uri="{386F3935-93C4-4BCD-93E2-E3B085C9AB24}">
-                  <p16:designElem xmlns:p16="http://schemas.microsoft.com/office/powerpoint/2015/main" val="1"/>
-                </p:ext>
-              </p:extLst>
-            </p:nvPr>
-          </p:nvSpPr>
-          <p:spPr>
-            <a:xfrm rot="2700000">
-              <a:off x="11052629" y="2120024"/>
-              <a:ext cx="645368" cy="645368"/>
-            </a:xfrm>
-            <a:prstGeom prst="rect">
-              <a:avLst/>
-            </a:prstGeom>
-            <a:solidFill>
-              <a:schemeClr val="accent4">
-                <a:alpha val="30000"/>
-              </a:schemeClr>
-            </a:solidFill>
-            <a:ln>
-              <a:noFill/>
-            </a:ln>
-          </p:spPr>
-          <p:style>
-            <a:lnRef idx="2">
-              <a:schemeClr val="accent1">
-                <a:shade val="50000"/>
-              </a:schemeClr>
-            </a:lnRef>
-            <a:fillRef idx="1">
-              <a:schemeClr val="accent1"/>
-            </a:fillRef>
-            <a:effectRef idx="0">
-              <a:schemeClr val="accent1"/>
-            </a:effectRef>
-            <a:fontRef idx="minor">
-              <a:schemeClr val="lt1"/>
-            </a:fontRef>
-          </p:style>
-          <p:txBody>
-            <a:bodyPr rtlCol="0" anchor="ctr"/>
-            <a:lstStyle/>
-            <a:p>
-              <a:pPr algn="ctr"/>
-              <a:endParaRPr lang="en-US"/>
-            </a:p>
-          </p:txBody>
-        </p:sp>
-        <p:sp>
-          <p:nvSpPr>
-            <p:cNvPr id="19" name="Isosceles Triangle 18">
-              <a:extLst>
-                <a:ext uri="{FF2B5EF4-FFF2-40B4-BE49-F238E27FC236}">
-                  <a16:creationId xmlns:a16="http://schemas.microsoft.com/office/drawing/2014/main" id="{A580F890-B085-4E95-96AA-55AEBEC5CE6E}"/>
-                </a:ext>
-                <a:ext uri="{C183D7F6-B498-43B3-948B-1728B52AA6E4}">
-                  <adec:decorative xmlns:adec="http://schemas.microsoft.com/office/drawing/2017/decorative" val="1"/>
-                </a:ext>
-              </a:extLst>
-            </p:cNvPr>
-            <p:cNvSpPr/>
-            <p:nvPr>
-              <p:extLst>
-                <p:ext uri="{386F3935-93C4-4BCD-93E2-E3B085C9AB24}">
-                  <p16:designElem xmlns:p16="http://schemas.microsoft.com/office/powerpoint/2015/main" val="1"/>
-                </p:ext>
-              </p:extLst>
-            </p:nvPr>
-          </p:nvSpPr>
-          <p:spPr>
-            <a:xfrm rot="16200000">
-              <a:off x="10289068" y="1343027"/>
-              <a:ext cx="2532832" cy="1273032"/>
-            </a:xfrm>
-            <a:prstGeom prst="triangle">
-              <a:avLst>
-                <a:gd name="adj" fmla="val 50000"/>
-              </a:avLst>
-            </a:prstGeom>
-            <a:solidFill>
-              <a:schemeClr val="accent4">
-                <a:alpha val="30000"/>
-              </a:schemeClr>
-            </a:solidFill>
-            <a:ln>
-              <a:noFill/>
-            </a:ln>
-          </p:spPr>
-          <p:style>
-            <a:lnRef idx="2">
-              <a:schemeClr val="accent1">
-                <a:shade val="50000"/>
-              </a:schemeClr>
-            </a:lnRef>
-            <a:fillRef idx="1">
-              <a:schemeClr val="accent1"/>
-            </a:fillRef>
-            <a:effectRef idx="0">
-              <a:schemeClr val="accent1"/>
-            </a:effectRef>
-            <a:fontRef idx="minor">
-              <a:schemeClr val="lt1"/>
-            </a:fontRef>
-          </p:style>
-          <p:txBody>
-            <a:bodyPr rtlCol="0" anchor="ctr"/>
-            <a:lstStyle/>
-            <a:p>
-              <a:pPr algn="ctr"/>
-              <a:endParaRPr lang="en-US" dirty="0"/>
-            </a:p>
-          </p:txBody>
-        </p:sp>
-      </p:grpSp>
       <p:graphicFrame>
         <p:nvGraphicFramePr>
           <p:cNvPr id="12" name="Content Placeholder 2">
@@ -16071,10 +16375,39 @@
         </p:xfrm>
         <a:graphic>
           <a:graphicData uri="http://schemas.openxmlformats.org/drawingml/2006/diagram">
-            <dgm:relIds xmlns:dgm="http://schemas.openxmlformats.org/drawingml/2006/diagram" xmlns:r="http://schemas.openxmlformats.org/officeDocument/2006/relationships" r:dm="rId3" r:lo="rId4" r:qs="rId5" r:cs="rId6"/>
+            <dgm:relIds xmlns:dgm="http://schemas.openxmlformats.org/drawingml/2006/diagram" xmlns:r="http://schemas.openxmlformats.org/officeDocument/2006/relationships" r:dm="rId2" r:lo="rId3" r:qs="rId4" r:cs="rId5"/>
           </a:graphicData>
         </a:graphic>
       </p:graphicFrame>
+      <p:pic>
+        <p:nvPicPr>
+          <p:cNvPr id="7" name="Picture 6">
+            <a:extLst>
+              <a:ext uri="{FF2B5EF4-FFF2-40B4-BE49-F238E27FC236}">
+                <a16:creationId xmlns:a16="http://schemas.microsoft.com/office/drawing/2014/main" id="{1A34C241-09EA-4063-976C-B56C7E580736}"/>
+              </a:ext>
+            </a:extLst>
+          </p:cNvPr>
+          <p:cNvPicPr>
+            <a:picLocks noChangeAspect="1"/>
+          </p:cNvPicPr>
+          <p:nvPr/>
+        </p:nvPicPr>
+        <p:blipFill rotWithShape="1">
+          <a:blip r:embed="rId7"/>
+          <a:srcRect l="45598" r="14864" b="-1"/>
+          <a:stretch/>
+        </p:blipFill>
+        <p:spPr>
+          <a:xfrm>
+            <a:off x="8129873" y="10"/>
+            <a:ext cx="4062128" cy="6857990"/>
+          </a:xfrm>
+          <a:prstGeom prst="rect">
+            <a:avLst/>
+          </a:prstGeom>
+        </p:spPr>
+      </p:pic>
       <p:grpSp>
         <p:nvGrpSpPr>
           <p:cNvPr id="14" name="Group 13">
@@ -16226,10 +16559,10 @@
       </p:grpSpPr>
       <p:pic>
         <p:nvPicPr>
-          <p:cNvPr id="5" name="Content Placeholder 4" descr="A picture containing photo, table, kitchen, white&#10;&#10;Description automatically generated">
+          <p:cNvPr id="10" name="Content Placeholder 4" descr="A picture containing photo, table, kitchen, white&#10;&#10;Description automatically generated">
             <a:extLst>
               <a:ext uri="{FF2B5EF4-FFF2-40B4-BE49-F238E27FC236}">
-                <a16:creationId xmlns:a16="http://schemas.microsoft.com/office/drawing/2014/main" id="{7D9EE029-20A8-684D-B3B5-F5D68BFBE281}"/>
+                <a16:creationId xmlns:a16="http://schemas.microsoft.com/office/drawing/2014/main" id="{F305D4D8-53C3-344C-B6C7-6D3BD150DD44}"/>
               </a:ext>
             </a:extLst>
           </p:cNvPr>
@@ -16238,163 +16571,22 @@
           </p:cNvPicPr>
           <p:nvPr/>
         </p:nvPicPr>
-        <p:blipFill rotWithShape="1">
-          <a:blip r:embed="rId2"/>
-          <a:srcRect r="4890" b="1"/>
-          <a:stretch/>
+        <p:blipFill>
+          <a:blip r:embed="rId3"/>
+          <a:stretch>
+            <a:fillRect/>
+          </a:stretch>
         </p:blipFill>
         <p:spPr>
           <a:xfrm>
-            <a:off x="-1" y="10"/>
-            <a:ext cx="12192000" cy="6857990"/>
+            <a:off x="-10673" y="1"/>
+            <a:ext cx="12213348" cy="6858000"/>
           </a:xfrm>
           <a:prstGeom prst="rect">
             <a:avLst/>
           </a:prstGeom>
         </p:spPr>
       </p:pic>
-      <p:sp>
-        <p:nvSpPr>
-          <p:cNvPr id="12" name="Freeform 5">
-            <a:extLst>
-              <a:ext uri="{FF2B5EF4-FFF2-40B4-BE49-F238E27FC236}">
-                <a16:creationId xmlns:a16="http://schemas.microsoft.com/office/drawing/2014/main" id="{3CD9DF72-87A3-404E-A828-84CBF11A8303}"/>
-              </a:ext>
-              <a:ext uri="{C183D7F6-B498-43B3-948B-1728B52AA6E4}">
-                <adec:decorative xmlns:adec="http://schemas.microsoft.com/office/drawing/2017/decorative" val="1"/>
-              </a:ext>
-            </a:extLst>
-          </p:cNvPr>
-          <p:cNvSpPr>
-            <a:spLocks noGrp="1" noRot="1" noChangeAspect="1" noMove="1" noResize="1" noEditPoints="1" noAdjustHandles="1" noChangeArrowheads="1" noChangeShapeType="1" noTextEdit="1"/>
-          </p:cNvSpPr>
-          <p:nvPr>
-            <p:extLst>
-              <p:ext uri="{386F3935-93C4-4BCD-93E2-E3B085C9AB24}">
-                <p16:designElem xmlns:p16="http://schemas.microsoft.com/office/powerpoint/2015/main" val="1"/>
-              </p:ext>
-            </p:extLst>
-          </p:nvPr>
-        </p:nvSpPr>
-        <p:spPr bwMode="grayWhite">
-          <a:xfrm flipH="1">
-            <a:off x="0" y="998175"/>
-            <a:ext cx="6017172" cy="5859825"/>
-          </a:xfrm>
-          <a:custGeom>
-            <a:avLst/>
-            <a:gdLst>
-              <a:gd name="T0" fmla="*/ 1333 w 1333"/>
-              <a:gd name="T1" fmla="*/ 1031 h 1298"/>
-              <a:gd name="T2" fmla="*/ 1333 w 1333"/>
-              <a:gd name="T3" fmla="*/ 380 h 1298"/>
-              <a:gd name="T4" fmla="*/ 706 w 1333"/>
-              <a:gd name="T5" fmla="*/ 0 h 1298"/>
-              <a:gd name="T6" fmla="*/ 0 w 1333"/>
-              <a:gd name="T7" fmla="*/ 706 h 1298"/>
-              <a:gd name="T8" fmla="*/ 323 w 1333"/>
-              <a:gd name="T9" fmla="*/ 1298 h 1298"/>
-              <a:gd name="T10" fmla="*/ 1090 w 1333"/>
-              <a:gd name="T11" fmla="*/ 1298 h 1298"/>
-              <a:gd name="T12" fmla="*/ 1333 w 1333"/>
-              <a:gd name="T13" fmla="*/ 1031 h 1298"/>
-            </a:gdLst>
-            <a:ahLst/>
-            <a:cxnLst>
-              <a:cxn ang="0">
-                <a:pos x="T0" y="T1"/>
-              </a:cxn>
-              <a:cxn ang="0">
-                <a:pos x="T2" y="T3"/>
-              </a:cxn>
-              <a:cxn ang="0">
-                <a:pos x="T4" y="T5"/>
-              </a:cxn>
-              <a:cxn ang="0">
-                <a:pos x="T6" y="T7"/>
-              </a:cxn>
-              <a:cxn ang="0">
-                <a:pos x="T8" y="T9"/>
-              </a:cxn>
-              <a:cxn ang="0">
-                <a:pos x="T10" y="T11"/>
-              </a:cxn>
-              <a:cxn ang="0">
-                <a:pos x="T12" y="T13"/>
-              </a:cxn>
-            </a:cxnLst>
-            <a:rect l="0" t="0" r="r" b="b"/>
-            <a:pathLst>
-              <a:path w="1333" h="1298">
-                <a:moveTo>
-                  <a:pt x="1333" y="1031"/>
-                </a:moveTo>
-                <a:cubicBezTo>
-                  <a:pt x="1333" y="380"/>
-                  <a:pt x="1333" y="380"/>
-                  <a:pt x="1333" y="380"/>
-                </a:cubicBezTo>
-                <a:cubicBezTo>
-                  <a:pt x="1215" y="154"/>
-                  <a:pt x="979" y="0"/>
-                  <a:pt x="706" y="0"/>
-                </a:cubicBezTo>
-                <a:cubicBezTo>
-                  <a:pt x="317" y="0"/>
-                  <a:pt x="0" y="316"/>
-                  <a:pt x="0" y="706"/>
-                </a:cubicBezTo>
-                <a:cubicBezTo>
-                  <a:pt x="0" y="954"/>
-                  <a:pt x="129" y="1172"/>
-                  <a:pt x="323" y="1298"/>
-                </a:cubicBezTo>
-                <a:cubicBezTo>
-                  <a:pt x="1090" y="1298"/>
-                  <a:pt x="1090" y="1298"/>
-                  <a:pt x="1090" y="1298"/>
-                </a:cubicBezTo>
-                <a:cubicBezTo>
-                  <a:pt x="1193" y="1232"/>
-                  <a:pt x="1276" y="1140"/>
-                  <a:pt x="1333" y="1031"/>
-                </a:cubicBezTo>
-                <a:close/>
-              </a:path>
-            </a:pathLst>
-          </a:custGeom>
-          <a:solidFill>
-            <a:schemeClr val="bg1">
-              <a:alpha val="75000"/>
-            </a:schemeClr>
-          </a:solidFill>
-          <a:ln w="50800" cap="sq" cmpd="dbl">
-            <a:noFill/>
-            <a:miter lim="800000"/>
-          </a:ln>
-          <a:effectLst/>
-        </p:spPr>
-        <p:txBody>
-          <a:bodyPr vert="horz" lIns="91440" tIns="45720" rIns="91440" bIns="45720" rtlCol="0" anchor="t">
-            <a:normAutofit/>
-          </a:bodyPr>
-          <a:lstStyle/>
-          <a:p>
-            <a:pPr algn="ctr">
-              <a:spcAft>
-                <a:spcPts val="1000"/>
-              </a:spcAft>
-              <a:buClr>
-                <a:schemeClr val="tx1"/>
-              </a:buClr>
-              <a:buSzPct val="100000"/>
-              <a:buFont typeface="Arial"/>
-              <a:buNone/>
-            </a:pPr>
-            <a:endParaRPr lang="en-US" sz="1600" cap="all"/>
-          </a:p>
-        </p:txBody>
-      </p:sp>
       <p:sp>
         <p:nvSpPr>
           <p:cNvPr id="2" name="Title 1">
@@ -16413,13 +16605,13 @@
         </p:nvSpPr>
         <p:spPr>
           <a:xfrm>
-            <a:off x="709448" y="1913950"/>
+            <a:off x="903889" y="1342774"/>
             <a:ext cx="4204137" cy="1342754"/>
           </a:xfrm>
         </p:spPr>
         <p:txBody>
           <a:bodyPr>
-            <a:normAutofit/>
+            <a:normAutofit fontScale="90000"/>
           </a:bodyPr>
           <a:lstStyle/>
           <a:p>
@@ -16431,62 +16623,6 @@
           </a:p>
         </p:txBody>
       </p:sp>
-      <p:cxnSp>
-        <p:nvCxnSpPr>
-          <p:cNvPr id="14" name="Straight Connector 13">
-            <a:extLst>
-              <a:ext uri="{FF2B5EF4-FFF2-40B4-BE49-F238E27FC236}">
-                <a16:creationId xmlns:a16="http://schemas.microsoft.com/office/drawing/2014/main" id="{20E3A342-4D61-4E3F-AF90-1AB42AEB96CC}"/>
-              </a:ext>
-              <a:ext uri="{C183D7F6-B498-43B3-948B-1728B52AA6E4}">
-                <adec:decorative xmlns:adec="http://schemas.microsoft.com/office/drawing/2017/decorative" val="1"/>
-              </a:ext>
-            </a:extLst>
-          </p:cNvPr>
-          <p:cNvCxnSpPr>
-            <a:cxnSpLocks noGrp="1" noRot="1" noChangeAspect="1" noMove="1" noResize="1" noEditPoints="1" noAdjustHandles="1" noChangeArrowheads="1" noChangeShapeType="1"/>
-          </p:cNvCxnSpPr>
-          <p:nvPr>
-            <p:extLst>
-              <p:ext uri="{386F3935-93C4-4BCD-93E2-E3B085C9AB24}">
-                <p16:designElem xmlns:p16="http://schemas.microsoft.com/office/powerpoint/2015/main" val="1"/>
-              </p:ext>
-            </p:extLst>
-          </p:nvPr>
-        </p:nvCxnSpPr>
-        <p:spPr>
-          <a:xfrm>
-            <a:off x="2287051" y="3337139"/>
-            <a:ext cx="935420" cy="0"/>
-          </a:xfrm>
-          <a:prstGeom prst="line">
-            <a:avLst/>
-          </a:prstGeom>
-          <a:ln w="25400" cap="sq">
-            <a:solidFill>
-              <a:schemeClr val="tx1">
-                <a:lumMod val="85000"/>
-                <a:lumOff val="15000"/>
-              </a:schemeClr>
-            </a:solidFill>
-            <a:bevel/>
-          </a:ln>
-        </p:spPr>
-        <p:style>
-          <a:lnRef idx="1">
-            <a:schemeClr val="accent1"/>
-          </a:lnRef>
-          <a:fillRef idx="0">
-            <a:schemeClr val="accent1"/>
-          </a:fillRef>
-          <a:effectRef idx="0">
-            <a:schemeClr val="accent1"/>
-          </a:effectRef>
-          <a:fontRef idx="minor">
-            <a:schemeClr val="tx1"/>
-          </a:fontRef>
-        </p:style>
-      </p:cxnSp>
       <p:sp>
         <p:nvSpPr>
           <p:cNvPr id="9" name="Content Placeholder 8">
@@ -16505,8 +16641,8 @@
         </p:nvSpPr>
         <p:spPr>
           <a:xfrm>
-            <a:off x="525516" y="3417573"/>
-            <a:ext cx="4593021" cy="2619839"/>
+            <a:off x="903889" y="2769968"/>
+            <a:ext cx="4593021" cy="2001795"/>
           </a:xfrm>
         </p:spPr>
         <p:txBody>
@@ -16537,15 +16673,6 @@
               <a:rPr lang="en-US" sz="1800" dirty="0"/>
               <a:t>Compounded daily return: 0.4 – 0.5 % / day</a:t>
             </a:r>
-          </a:p>
-          <a:p>
-            <a:endParaRPr lang="en-US" sz="1800" dirty="0"/>
-          </a:p>
-          <a:p>
-            <a:endParaRPr lang="en-US" sz="1800" dirty="0"/>
-          </a:p>
-          <a:p>
-            <a:endParaRPr lang="en-US" sz="1800" dirty="0"/>
           </a:p>
         </p:txBody>
       </p:sp>
@@ -16597,12 +16724,14 @@
         </p:nvSpPr>
         <p:spPr>
           <a:xfrm>
-            <a:off x="838200" y="-15383"/>
+            <a:off x="776418" y="157611"/>
             <a:ext cx="10515600" cy="696420"/>
           </a:xfrm>
         </p:spPr>
         <p:txBody>
-          <a:bodyPr/>
+          <a:bodyPr>
+            <a:normAutofit fontScale="90000"/>
+          </a:bodyPr>
           <a:lstStyle/>
           <a:p>
             <a:r>
@@ -16635,62 +16764,57 @@
           </a:xfrm>
         </p:spPr>
         <p:txBody>
-          <a:bodyPr/>
+          <a:bodyPr>
+            <a:normAutofit/>
+          </a:bodyPr>
           <a:lstStyle/>
           <a:p>
             <a:r>
-              <a:rPr lang="en-US" dirty="0"/>
-              <a:t>All code in </a:t>
-            </a:r>
-            <a:r>
-              <a:rPr lang="en-US" dirty="0" err="1"/>
-              <a:t>backtest.py</a:t>
-            </a:r>
-            <a:r>
-              <a:rPr lang="en-US" dirty="0"/>
-              <a:t> (~1200 lines of code)</a:t>
-            </a:r>
-          </a:p>
-          <a:p>
-            <a:r>
-              <a:rPr lang="en-US" dirty="0" err="1"/>
+              <a:rPr lang="en-US" sz="2800" dirty="0" err="1"/>
               <a:t>Backtester</a:t>
             </a:r>
             <a:r>
-              <a:rPr lang="en-US" dirty="0"/>
+              <a:rPr lang="en-US" sz="2800" dirty="0"/>
               <a:t> function complex and large</a:t>
             </a:r>
           </a:p>
           <a:p>
             <a:r>
-              <a:rPr lang="en-US" dirty="0" err="1"/>
+              <a:rPr lang="en-US" sz="2800" dirty="0" err="1"/>
               <a:t>Stockie</a:t>
             </a:r>
             <a:r>
-              <a:rPr lang="en-US" dirty="0"/>
-              <a:t> has so far only proven itself in </a:t>
+              <a:rPr lang="en-US" sz="2800" dirty="0"/>
+              <a:t> has proven itself in </a:t>
             </a:r>
             <a:r>
-              <a:rPr lang="en-US" dirty="0" err="1"/>
+              <a:rPr lang="en-US" sz="2800" dirty="0" err="1"/>
               <a:t>backtesting</a:t>
             </a:r>
-            <a:endParaRPr lang="en-US" dirty="0"/>
+            <a:endParaRPr lang="en-US" sz="2800" dirty="0"/>
           </a:p>
           <a:p>
             <a:r>
-              <a:rPr lang="en-US" dirty="0"/>
-              <a:t>Not implemented: sell recommendations, rebalancing, capping holding period if a certain gain has been achieved,  portfolio management, and limiting number of trading days</a:t>
+              <a:rPr lang="en-US" sz="2800" dirty="0"/>
+              <a:t>Still to implement:</a:t>
             </a:r>
           </a:p>
           <a:p>
+            <a:pPr lvl="1"/>
             <a:r>
-              <a:rPr lang="en-US" dirty="0"/>
-              <a:t>Literature claims ARX/GARCH models are good at predicting stock prices. Are neural networks perhaps better?</a:t>
+              <a:rPr lang="en-US" sz="2600" dirty="0"/>
+              <a:t>sell recommendations, rebalancing, capping holding period if a certain gain has been achieved, limiting number of trading days, and portfolio management, </a:t>
             </a:r>
           </a:p>
           <a:p>
             <a:r>
-              <a:rPr lang="en-US" dirty="0"/>
+              <a:rPr lang="en-US" sz="3000" dirty="0"/>
+              <a:t>Literature claims ARX/GARCH models are good at predicting stock prices.  Related: neural networks to be better.</a:t>
+            </a:r>
+          </a:p>
+          <a:p>
+            <a:r>
+              <a:rPr lang="en-US" sz="2800" dirty="0"/>
               <a:t>The heuristics restrict the 2,000 stocks to 436 good stocks</a:t>
             </a:r>
           </a:p>
@@ -16749,139 +16873,14 @@
           </a:xfrm>
         </p:spPr>
         <p:txBody>
-          <a:bodyPr/>
+          <a:bodyPr>
+            <a:normAutofit fontScale="90000"/>
+          </a:bodyPr>
           <a:lstStyle/>
           <a:p>
-            <a:r>
-              <a:rPr lang="en-US" dirty="0" err="1"/>
-              <a:t>Stockie</a:t>
-            </a:r>
             <a:r>
               <a:rPr lang="en-US" dirty="0"/>
-              <a:t> V2 Blueprint</a:t>
-            </a:r>
-          </a:p>
-        </p:txBody>
-      </p:sp>
-      <p:sp>
-        <p:nvSpPr>
-          <p:cNvPr id="3" name="Content Placeholder 2">
-            <a:extLst>
-              <a:ext uri="{FF2B5EF4-FFF2-40B4-BE49-F238E27FC236}">
-                <a16:creationId xmlns:a16="http://schemas.microsoft.com/office/drawing/2014/main" id="{61368A14-E008-DD47-8A46-DE884D7CD990}"/>
-              </a:ext>
-            </a:extLst>
-          </p:cNvPr>
-          <p:cNvSpPr>
-            <a:spLocks noGrp="1"/>
-          </p:cNvSpPr>
-          <p:nvPr>
-            <p:ph idx="1"/>
-          </p:nvPr>
-        </p:nvSpPr>
-        <p:spPr>
-          <a:xfrm>
-            <a:off x="7166045" y="910815"/>
-            <a:ext cx="4949176" cy="5723466"/>
-          </a:xfrm>
-        </p:spPr>
-        <p:txBody>
-          <a:bodyPr>
-            <a:normAutofit lnSpcReduction="10000"/>
-          </a:bodyPr>
-          <a:lstStyle/>
-          <a:p>
-            <a:pPr marL="0" indent="0">
-              <a:buNone/>
-            </a:pPr>
-            <a:r>
-              <a:rPr lang="en-US" sz="2000" b="1" u="sng" dirty="0"/>
-              <a:t>Enhancements:</a:t>
-            </a:r>
-          </a:p>
-          <a:p>
-            <a:pPr marL="0" indent="0">
-              <a:buNone/>
-            </a:pPr>
-            <a:endParaRPr lang="en-US" sz="2000" dirty="0"/>
-          </a:p>
-          <a:p>
-            <a:r>
-              <a:rPr lang="en-US" sz="2000" dirty="0"/>
-              <a:t>Break up the code &amp; simplify </a:t>
-            </a:r>
-            <a:r>
-              <a:rPr lang="en-US" sz="2000" dirty="0" err="1"/>
-              <a:t>backtester</a:t>
-            </a:r>
-            <a:endParaRPr lang="en-US" sz="2000" dirty="0"/>
-          </a:p>
-          <a:p>
-            <a:r>
-              <a:rPr lang="en-US" sz="2000" dirty="0"/>
-              <a:t>Implement sell recommendations, rebalancing, capping holding period, and limiting trading days</a:t>
-            </a:r>
-          </a:p>
-          <a:p>
-            <a:r>
-              <a:rPr lang="en-US" sz="2000" dirty="0"/>
-              <a:t>Running jobs in background</a:t>
-            </a:r>
-          </a:p>
-          <a:p>
-            <a:r>
-              <a:rPr lang="en-US" sz="2000" dirty="0"/>
-              <a:t>Add BlackRock stocks from F-13 filings</a:t>
-            </a:r>
-          </a:p>
-          <a:p>
-            <a:endParaRPr lang="en-US" sz="2000" dirty="0"/>
-          </a:p>
-          <a:p>
-            <a:pPr marL="0" indent="0">
-              <a:buNone/>
-            </a:pPr>
-            <a:r>
-              <a:rPr lang="en-US" sz="2000" b="1" u="sng" dirty="0"/>
-              <a:t>Estimated Effort &amp; Timeline:</a:t>
-            </a:r>
-          </a:p>
-          <a:p>
-            <a:pPr marL="0" indent="0">
-              <a:buNone/>
-            </a:pPr>
-            <a:endParaRPr lang="en-US" sz="2000" dirty="0"/>
-          </a:p>
-          <a:p>
-            <a:pPr marL="0" indent="0">
-              <a:buNone/>
-            </a:pPr>
-            <a:r>
-              <a:rPr lang="en-US" sz="2000" dirty="0"/>
-              <a:t>Takes 2 – 3 weeks to implement. After which we can start testing how well </a:t>
-            </a:r>
-            <a:r>
-              <a:rPr lang="en-US" sz="2000" dirty="0" err="1"/>
-              <a:t>Stockie</a:t>
-            </a:r>
-            <a:r>
-              <a:rPr lang="en-US" sz="2000" dirty="0"/>
-              <a:t> does in predicting future stock movements.</a:t>
-            </a:r>
-          </a:p>
-          <a:p>
-            <a:pPr marL="0" indent="0">
-              <a:buNone/>
-            </a:pPr>
-            <a:endParaRPr lang="en-US" sz="2000" dirty="0"/>
-          </a:p>
-          <a:p>
-            <a:pPr marL="0" indent="0">
-              <a:buNone/>
-            </a:pPr>
-            <a:r>
-              <a:rPr lang="en-US" sz="2000" dirty="0"/>
-              <a:t>Not included: ARX/GARCH, NN, and portfolio management</a:t>
+              <a:t>Version 2 Blueprint</a:t>
             </a:r>
           </a:p>
         </p:txBody>
@@ -16900,7 +16899,7 @@
         </p:nvGrpSpPr>
         <p:grpSpPr>
           <a:xfrm>
-            <a:off x="620841" y="1595363"/>
+            <a:off x="2742718" y="1560194"/>
             <a:ext cx="6239896" cy="4171769"/>
             <a:chOff x="1778684" y="770758"/>
             <a:chExt cx="6239896" cy="3717744"/>
@@ -17204,9 +17203,8 @@
               <a:avLst/>
             </a:prstGeom>
             <a:solidFill>
-              <a:schemeClr val="accent5">
-                <a:lumMod val="40000"/>
-                <a:lumOff val="60000"/>
+              <a:schemeClr val="bg2">
+                <a:lumMod val="75000"/>
               </a:schemeClr>
             </a:solidFill>
           </p:spPr>
@@ -17238,7 +17236,7 @@
               <a:pPr algn="ctr"/>
               <a:r>
                 <a:rPr lang="en-US" dirty="0"/>
-                <a:t>strategy</a:t>
+                <a:t>Strategy</a:t>
               </a:r>
             </a:p>
           </p:txBody>
@@ -17316,9 +17314,8 @@
               <a:avLst/>
             </a:prstGeom>
             <a:solidFill>
-              <a:schemeClr val="accent5">
-                <a:lumMod val="40000"/>
-                <a:lumOff val="60000"/>
+              <a:schemeClr val="bg2">
+                <a:lumMod val="75000"/>
               </a:schemeClr>
             </a:solidFill>
           </p:spPr>
@@ -17447,9 +17444,8 @@
               <a:avLst/>
             </a:prstGeom>
             <a:solidFill>
-              <a:schemeClr val="accent5">
-                <a:lumMod val="40000"/>
-                <a:lumOff val="60000"/>
+              <a:schemeClr val="bg2">
+                <a:lumMod val="75000"/>
               </a:schemeClr>
             </a:solidFill>
           </p:spPr>
@@ -17480,10 +17476,9 @@
             <a:p>
               <a:pPr algn="ctr"/>
               <a:r>
-                <a:rPr lang="en-US" dirty="0" err="1"/>
-                <a:t>quality.py</a:t>
+                <a:rPr lang="en-US" dirty="0"/>
+                <a:t>Quality</a:t>
               </a:r>
-              <a:endParaRPr lang="en-US" dirty="0"/>
             </a:p>
           </p:txBody>
         </p:sp>
@@ -17640,9 +17635,8 @@
               <a:avLst/>
             </a:prstGeom>
             <a:solidFill>
-              <a:schemeClr val="accent5">
-                <a:lumMod val="40000"/>
-                <a:lumOff val="60000"/>
+              <a:schemeClr val="bg2">
+                <a:lumMod val="75000"/>
               </a:schemeClr>
             </a:solidFill>
           </p:spPr>
@@ -17814,9 +17808,8 @@
               <a:avLst/>
             </a:prstGeom>
             <a:solidFill>
-              <a:schemeClr val="accent5">
-                <a:lumMod val="40000"/>
-                <a:lumOff val="60000"/>
+              <a:schemeClr val="bg2">
+                <a:lumMod val="75000"/>
               </a:schemeClr>
             </a:solidFill>
           </p:spPr>
@@ -17848,7 +17841,7 @@
               <a:pPr algn="ctr"/>
               <a:r>
                 <a:rPr lang="en-US" dirty="0"/>
-                <a:t>trade</a:t>
+                <a:t>Trade</a:t>
               </a:r>
             </a:p>
           </p:txBody>
@@ -17919,9 +17912,8 @@
               <a:avLst/>
             </a:prstGeom>
             <a:solidFill>
-              <a:schemeClr val="accent5">
-                <a:lumMod val="40000"/>
-                <a:lumOff val="60000"/>
+              <a:schemeClr val="bg2">
+                <a:lumMod val="75000"/>
               </a:schemeClr>
             </a:solidFill>
           </p:spPr>
@@ -17953,7 +17945,7 @@
               <a:pPr algn="ctr"/>
               <a:r>
                 <a:rPr lang="en-US" dirty="0"/>
-                <a:t>heuristic</a:t>
+                <a:t>Heuristic</a:t>
               </a:r>
             </a:p>
           </p:txBody>
@@ -18069,9 +18061,8 @@
               <a:avLst/>
             </a:prstGeom>
             <a:solidFill>
-              <a:schemeClr val="accent5">
-                <a:lumMod val="40000"/>
-                <a:lumOff val="60000"/>
+              <a:schemeClr val="bg2">
+                <a:lumMod val="75000"/>
               </a:schemeClr>
             </a:solidFill>
           </p:spPr>
@@ -18103,7 +18094,7 @@
               <a:pPr algn="ctr"/>
               <a:r>
                 <a:rPr lang="en-US" dirty="0" err="1"/>
-                <a:t>util</a:t>
+                <a:t>Util</a:t>
               </a:r>
               <a:endParaRPr lang="en-US" dirty="0"/>
             </a:p>
@@ -18316,6 +18307,41 @@
           </p:style>
         </p:cxnSp>
       </p:grpSp>
+      <p:sp>
+        <p:nvSpPr>
+          <p:cNvPr id="6" name="TextBox 5">
+            <a:extLst>
+              <a:ext uri="{FF2B5EF4-FFF2-40B4-BE49-F238E27FC236}">
+                <a16:creationId xmlns:a16="http://schemas.microsoft.com/office/drawing/2014/main" id="{DBC138FD-E4BE-C049-B5F3-DEBBE875A112}"/>
+              </a:ext>
+            </a:extLst>
+          </p:cNvPr>
+          <p:cNvSpPr txBox="1"/>
+          <p:nvPr/>
+        </p:nvSpPr>
+        <p:spPr>
+          <a:xfrm>
+            <a:off x="3136991" y="6211956"/>
+            <a:ext cx="4563044" cy="307777"/>
+          </a:xfrm>
+          <a:prstGeom prst="rect">
+            <a:avLst/>
+          </a:prstGeom>
+          <a:noFill/>
+        </p:spPr>
+        <p:txBody>
+          <a:bodyPr wrap="none" rtlCol="0">
+            <a:spAutoFit/>
+          </a:bodyPr>
+          <a:lstStyle/>
+          <a:p>
+            <a:r>
+              <a:rPr lang="en-US" sz="1400" dirty="0"/>
+              <a:t>Not included: ARX/GARCH, NN, and portfolio management</a:t>
+            </a:r>
+          </a:p>
+        </p:txBody>
+      </p:sp>
     </p:spTree>
     <p:extLst>
       <p:ext uri="{BB962C8B-B14F-4D97-AF65-F5344CB8AC3E}">
@@ -18330,91 +18356,58 @@
 </file>
 
 <file path=ppt/theme/theme1.xml><?xml version="1.0" encoding="utf-8"?>
-<a:theme xmlns:a="http://schemas.openxmlformats.org/drawingml/2006/main" name="Office Theme">
+<a:theme xmlns:a="http://schemas.openxmlformats.org/drawingml/2006/main" name="Parcel">
   <a:themeElements>
-    <a:clrScheme name="Office Theme">
+    <a:clrScheme name="Parcel">
       <a:dk1>
-        <a:sysClr val="windowText" lastClr="000000"/>
+        <a:srgbClr val="000000"/>
       </a:dk1>
       <a:lt1>
-        <a:sysClr val="window" lastClr="FFFFFF"/>
+        <a:srgbClr val="FFFFFF"/>
       </a:lt1>
       <a:dk2>
-        <a:srgbClr val="44546A"/>
+        <a:srgbClr val="4A5356"/>
       </a:dk2>
       <a:lt2>
-        <a:srgbClr val="E7E6E6"/>
+        <a:srgbClr val="E8E3CE"/>
       </a:lt2>
       <a:accent1>
-        <a:srgbClr val="4472C4"/>
+        <a:srgbClr val="F6A21D"/>
       </a:accent1>
       <a:accent2>
-        <a:srgbClr val="ED7D31"/>
+        <a:srgbClr val="9BAFB5"/>
       </a:accent2>
       <a:accent3>
-        <a:srgbClr val="A5A5A5"/>
+        <a:srgbClr val="C96731"/>
       </a:accent3>
       <a:accent4>
-        <a:srgbClr val="FFC000"/>
+        <a:srgbClr val="9CA383"/>
       </a:accent4>
       <a:accent5>
-        <a:srgbClr val="5B9BD5"/>
+        <a:srgbClr val="87795D"/>
       </a:accent5>
       <a:accent6>
-        <a:srgbClr val="70AD47"/>
+        <a:srgbClr val="A0988C"/>
       </a:accent6>
       <a:hlink>
-        <a:srgbClr val="0563C1"/>
+        <a:srgbClr val="00B0F0"/>
       </a:hlink>
       <a:folHlink>
-        <a:srgbClr val="954F72"/>
+        <a:srgbClr val="738F97"/>
       </a:folHlink>
     </a:clrScheme>
-    <a:fontScheme name="Office Theme">
+    <a:fontScheme name="Parcel">
       <a:majorFont>
-        <a:latin typeface="Calibri Light" panose="020F0302020204030204"/>
+        <a:latin typeface="Gill Sans MT" panose="020B0502020104020203"/>
         <a:ea typeface=""/>
         <a:cs typeface=""/>
-        <a:font script="Jpan" typeface="游ゴシック Light"/>
-        <a:font script="Hang" typeface="맑은 고딕"/>
-        <a:font script="Hans" typeface="等线 Light"/>
-        <a:font script="Hant" typeface="新細明體"/>
-        <a:font script="Arab" typeface="Times New Roman"/>
-        <a:font script="Hebr" typeface="Times New Roman"/>
-        <a:font script="Thai" typeface="Angsana New"/>
-        <a:font script="Ethi" typeface="Nyala"/>
-        <a:font script="Beng" typeface="Vrinda"/>
-        <a:font script="Gujr" typeface="Shruti"/>
-        <a:font script="Khmr" typeface="MoolBoran"/>
-        <a:font script="Knda" typeface="Tunga"/>
-        <a:font script="Guru" typeface="Raavi"/>
-        <a:font script="Cans" typeface="Euphemia"/>
-        <a:font script="Cher" typeface="Plantagenet Cherokee"/>
-        <a:font script="Yiii" typeface="Microsoft Yi Baiti"/>
-        <a:font script="Tibt" typeface="Microsoft Himalaya"/>
-        <a:font script="Thaa" typeface="MV Boli"/>
-        <a:font script="Deva" typeface="Mangal"/>
-        <a:font script="Telu" typeface="Gautami"/>
-        <a:font script="Taml" typeface="Latha"/>
-        <a:font script="Syrc" typeface="Estrangelo Edessa"/>
-        <a:font script="Orya" typeface="Kalinga"/>
-        <a:font script="Mlym" typeface="Kartika"/>
-        <a:font script="Laoo" typeface="DokChampa"/>
-        <a:font script="Sinh" typeface="Iskoola Pota"/>
-        <a:font script="Mong" typeface="Mongolian Baiti"/>
-        <a:font script="Viet" typeface="Times New Roman"/>
-        <a:font script="Uigh" typeface="Microsoft Uighur"/>
-        <a:font script="Geor" typeface="Sylfaen"/>
-      </a:majorFont>
-      <a:minorFont>
-        <a:latin typeface="Calibri" panose="020F0502020204030204"/>
-        <a:ea typeface=""/>
-        <a:cs typeface=""/>
-        <a:font script="Jpan" typeface="游ゴシック"/>
-        <a:font script="Hang" typeface="맑은 고딕"/>
-        <a:font script="Hans" typeface="等线"/>
-        <a:font script="Hant" typeface="新細明體"/>
-        <a:font script="Arab" typeface="Arial"/>
+        <a:font script="Grek" typeface="Corbel"/>
+        <a:font script="Cyrl" typeface="Corbel"/>
+        <a:font script="Jpan" typeface="HGｺﾞｼｯｸE"/>
+        <a:font script="Hang" typeface="휴먼매직체"/>
+        <a:font script="Hans" typeface="华文中宋"/>
+        <a:font script="Hant" typeface="微軟正黑體"/>
+        <a:font script="Arab" typeface="Majalla UI"/>
         <a:font script="Hebr" typeface="Arial"/>
         <a:font script="Thai" typeface="Cordia New"/>
         <a:font script="Ethi" typeface="Nyala"/>
@@ -18437,12 +18430,49 @@
         <a:font script="Laoo" typeface="DokChampa"/>
         <a:font script="Sinh" typeface="Iskoola Pota"/>
         <a:font script="Mong" typeface="Mongolian Baiti"/>
-        <a:font script="Viet" typeface="Arial"/>
+        <a:font script="Viet" typeface="Tahoma"/>
+        <a:font script="Uigh" typeface="Microsoft Uighur"/>
+        <a:font script="Geor" typeface="Sylfaen"/>
+      </a:majorFont>
+      <a:minorFont>
+        <a:latin typeface="Gill Sans MT" panose="020B0502020104020203"/>
+        <a:ea typeface=""/>
+        <a:cs typeface=""/>
+        <a:font script="Grek" typeface="Corbel"/>
+        <a:font script="Cyrl" typeface="Corbel"/>
+        <a:font script="Jpan" typeface="HGｺﾞｼｯｸE"/>
+        <a:font script="Hang" typeface="휴먼매직체"/>
+        <a:font script="Hans" typeface="华文中宋"/>
+        <a:font script="Hant" typeface="微軟正黑體"/>
+        <a:font script="Arab" typeface="Majalla UI"/>
+        <a:font script="Hebr" typeface="Arial"/>
+        <a:font script="Thai" typeface="Cordia New"/>
+        <a:font script="Ethi" typeface="Nyala"/>
+        <a:font script="Beng" typeface="Vrinda"/>
+        <a:font script="Gujr" typeface="Shruti"/>
+        <a:font script="Khmr" typeface="DaunPenh"/>
+        <a:font script="Knda" typeface="Tunga"/>
+        <a:font script="Guru" typeface="Raavi"/>
+        <a:font script="Cans" typeface="Euphemia"/>
+        <a:font script="Cher" typeface="Plantagenet Cherokee"/>
+        <a:font script="Yiii" typeface="Microsoft Yi Baiti"/>
+        <a:font script="Tibt" typeface="Microsoft Himalaya"/>
+        <a:font script="Thaa" typeface="MV Boli"/>
+        <a:font script="Deva" typeface="Mangal"/>
+        <a:font script="Telu" typeface="Gautami"/>
+        <a:font script="Taml" typeface="Latha"/>
+        <a:font script="Syrc" typeface="Estrangelo Edessa"/>
+        <a:font script="Orya" typeface="Kalinga"/>
+        <a:font script="Mlym" typeface="Kartika"/>
+        <a:font script="Laoo" typeface="DokChampa"/>
+        <a:font script="Sinh" typeface="Iskoola Pota"/>
+        <a:font script="Mong" typeface="Mongolian Baiti"/>
+        <a:font script="Viet" typeface="Tahoma"/>
         <a:font script="Uigh" typeface="Microsoft Uighur"/>
         <a:font script="Geor" typeface="Sylfaen"/>
       </a:minorFont>
     </a:fontScheme>
-    <a:fmtScheme name="Office Theme">
+    <a:fmtScheme name="Parcel">
       <a:fillStyleLst>
         <a:solidFill>
           <a:schemeClr val="phClr"/>
@@ -18451,23 +18481,16 @@
           <a:gsLst>
             <a:gs pos="0">
               <a:schemeClr val="phClr">
-                <a:lumMod val="110000"/>
-                <a:satMod val="105000"/>
-                <a:tint val="67000"/>
-              </a:schemeClr>
-            </a:gs>
-            <a:gs pos="50000">
-              <a:schemeClr val="phClr">
-                <a:lumMod val="105000"/>
-                <a:satMod val="103000"/>
-                <a:tint val="73000"/>
+                <a:tint val="80000"/>
+                <a:satMod val="107000"/>
+                <a:lumMod val="103000"/>
               </a:schemeClr>
             </a:gs>
             <a:gs pos="100000">
               <a:schemeClr val="phClr">
-                <a:lumMod val="105000"/>
+                <a:tint val="82000"/>
                 <a:satMod val="109000"/>
-                <a:tint val="81000"/>
+                <a:lumMod val="103000"/>
               </a:schemeClr>
             </a:gs>
           </a:gsLst>
@@ -18477,23 +18500,23 @@
           <a:gsLst>
             <a:gs pos="0">
               <a:schemeClr val="phClr">
-                <a:satMod val="103000"/>
+                <a:tint val="97000"/>
+                <a:satMod val="100000"/>
                 <a:lumMod val="102000"/>
-                <a:tint val="94000"/>
               </a:schemeClr>
             </a:gs>
             <a:gs pos="50000">
               <a:schemeClr val="phClr">
-                <a:satMod val="110000"/>
+                <a:shade val="100000"/>
+                <a:satMod val="103000"/>
                 <a:lumMod val="100000"/>
-                <a:shade val="100000"/>
               </a:schemeClr>
             </a:gs>
             <a:gs pos="100000">
               <a:schemeClr val="phClr">
+                <a:shade val="93000"/>
+                <a:satMod val="110000"/>
                 <a:lumMod val="99000"/>
-                <a:satMod val="120000"/>
-                <a:shade val="78000"/>
               </a:schemeClr>
             </a:gs>
           </a:gsLst>
@@ -18506,21 +18529,18 @@
             <a:schemeClr val="phClr"/>
           </a:solidFill>
           <a:prstDash val="solid"/>
-          <a:miter lim="800000"/>
         </a:ln>
         <a:ln w="12700" cap="flat" cmpd="sng" algn="ctr">
           <a:solidFill>
             <a:schemeClr val="phClr"/>
           </a:solidFill>
           <a:prstDash val="solid"/>
-          <a:miter lim="800000"/>
         </a:ln>
-        <a:ln w="19050" cap="flat" cmpd="sng" algn="ctr">
+        <a:ln w="31750" cap="flat" cmpd="sng" algn="ctr">
           <a:solidFill>
             <a:schemeClr val="phClr"/>
           </a:solidFill>
           <a:prstDash val="solid"/>
-          <a:miter lim="800000"/>
         </a:ln>
       </a:lnStyleLst>
       <a:effectStyleLst>
@@ -18532,12 +18552,21 @@
         </a:effectStyle>
         <a:effectStyle>
           <a:effectLst>
-            <a:outerShdw blurRad="57150" dist="19050" dir="5400000" algn="ctr" rotWithShape="0">
+            <a:outerShdw blurRad="55880" dist="15240" dir="5400000" algn="ctr" rotWithShape="0">
               <a:srgbClr val="000000">
-                <a:alpha val="63000"/>
+                <a:alpha val="45000"/>
               </a:srgbClr>
             </a:outerShdw>
           </a:effectLst>
+          <a:scene3d>
+            <a:camera prst="orthographicFront">
+              <a:rot lat="0" lon="0" rev="0"/>
+            </a:camera>
+            <a:lightRig rig="brightRoom" dir="tl"/>
+          </a:scene3d>
+          <a:sp3d prstMaterial="dkEdge">
+            <a:bevelT w="0" h="0"/>
+          </a:sp3d>
         </a:effectStyle>
       </a:effectStyleLst>
       <a:bgFillStyleLst>
@@ -18554,28 +18583,24 @@
           <a:gsLst>
             <a:gs pos="0">
               <a:schemeClr val="phClr">
-                <a:tint val="93000"/>
-                <a:satMod val="150000"/>
-                <a:shade val="98000"/>
-                <a:lumMod val="102000"/>
-              </a:schemeClr>
-            </a:gs>
-            <a:gs pos="50000">
-              <a:schemeClr val="phClr">
-                <a:tint val="98000"/>
-                <a:satMod val="130000"/>
-                <a:shade val="90000"/>
-                <a:lumMod val="103000"/>
+                <a:tint val="97000"/>
+                <a:shade val="100000"/>
+                <a:satMod val="185000"/>
+                <a:lumMod val="120000"/>
               </a:schemeClr>
             </a:gs>
             <a:gs pos="100000">
               <a:schemeClr val="phClr">
-                <a:shade val="63000"/>
-                <a:satMod val="120000"/>
+                <a:tint val="96000"/>
+                <a:shade val="95000"/>
+                <a:satMod val="215000"/>
+                <a:lumMod val="80000"/>
               </a:schemeClr>
             </a:gs>
           </a:gsLst>
-          <a:lin ang="5400000" scaled="0"/>
+          <a:path path="circle">
+            <a:fillToRect l="50000" t="55000" r="125000" b="100000"/>
+          </a:path>
         </a:gradFill>
       </a:bgFillStyleLst>
     </a:fmtScheme>
@@ -18584,7 +18609,7 @@
   <a:extraClrSchemeLst/>
   <a:extLst>
     <a:ext uri="{05A4C25C-085E-4340-85A3-A5531E510DB2}">
-      <thm15:themeFamily xmlns:thm15="http://schemas.microsoft.com/office/thememl/2012/main" name="Office Theme" id="{62F939B6-93AF-4DB8-9C6B-D6C7DFDC589F}" vid="{4A3C46E8-61CC-4603-A589-7422A47A8E4A}"/>
+      <thm15:themeFamily xmlns:thm15="http://schemas.microsoft.com/office/thememl/2012/main" name="Parcel" id="{8BEC4385-4EB9-4D53-BFB5-0EA123736B6D}" vid="{4DB32801-28C0-48B0-8C1D-A9A58613615A}"/>
     </a:ext>
   </a:extLst>
 </a:theme>

--- a/Final Project.pptx
+++ b/Final Project.pptx
@@ -1895,7 +1895,7 @@
         <a:p>
           <a:r>
             <a:rPr lang="en-US" dirty="0"/>
-            <a:t>result: an interest in stocks </a:t>
+            <a:t>Result: an interest in stocks </a:t>
           </a:r>
         </a:p>
       </dgm:t>
@@ -2105,7 +2105,7 @@
         <a:p>
           <a:r>
             <a:rPr lang="en-US" dirty="0"/>
-            <a:t>pay part of my first house</a:t>
+            <a:t>Pay part of my first house</a:t>
           </a:r>
         </a:p>
       </dgm:t>
@@ -3121,7 +3121,7 @@
           </a:pPr>
           <a:r>
             <a:rPr lang="en-US" sz="3100" kern="1200" dirty="0"/>
-            <a:t>pay part of my first house</a:t>
+            <a:t>Pay part of my first house</a:t>
           </a:r>
         </a:p>
         <a:p>
@@ -3139,7 +3139,7 @@
           </a:pPr>
           <a:r>
             <a:rPr lang="en-US" sz="3100" kern="1200" dirty="0"/>
-            <a:t>result: an interest in stocks </a:t>
+            <a:t>Result: an interest in stocks </a:t>
           </a:r>
         </a:p>
       </dsp:txBody>
@@ -6985,7 +6985,7 @@
           <a:p>
             <a:fld id="{3F6DBDCB-493B-C044-BCCD-0B525FB6A430}" type="datetimeFigureOut">
               <a:rPr lang="en-US" smtClean="0"/>
-              <a:t>3/2/20</a:t>
+              <a:t>3/3/20</a:t>
             </a:fld>
             <a:endParaRPr lang="en-US"/>
           </a:p>
@@ -8026,6 +8026,185 @@
           <a:p>
             <a:endParaRPr lang="en-US" dirty="0"/>
           </a:p>
+          <a:p>
+            <a:pPr marL="0" marR="0" lvl="0" indent="0" algn="l" defTabSz="914400" rtl="0" eaLnBrk="1" fontAlgn="auto" latinLnBrk="0" hangingPunct="1">
+              <a:lnSpc>
+                <a:spcPct val="100000"/>
+              </a:lnSpc>
+              <a:spcBef>
+                <a:spcPts val="0"/>
+              </a:spcBef>
+              <a:spcAft>
+                <a:spcPts val="0"/>
+              </a:spcAft>
+              <a:buClrTx/>
+              <a:buSzTx/>
+              <a:buFontTx/>
+              <a:buNone/>
+              <a:tabLst/>
+              <a:defRPr/>
+            </a:pPr>
+            <a:r>
+              <a:rPr lang="en-US" sz="1200" kern="1200" dirty="0">
+                <a:solidFill>
+                  <a:schemeClr val="tx1"/>
+                </a:solidFill>
+                <a:effectLst/>
+                <a:latin typeface="+mn-lt"/>
+                <a:ea typeface="+mn-ea"/>
+                <a:cs typeface="+mn-cs"/>
+              </a:rPr>
+              <a:t>The trading system reads the stock prices from Yahoo Finance. The system uses the python </a:t>
+            </a:r>
+            <a:r>
+              <a:rPr lang="en-US" sz="1200" kern="1200" dirty="0" err="1">
+                <a:solidFill>
+                  <a:schemeClr val="tx1"/>
+                </a:solidFill>
+                <a:effectLst/>
+                <a:latin typeface="+mn-lt"/>
+                <a:ea typeface="+mn-ea"/>
+                <a:cs typeface="+mn-cs"/>
+              </a:rPr>
+              <a:t>yfinance</a:t>
+            </a:r>
+            <a:r>
+              <a:rPr lang="en-US" sz="1200" kern="1200" dirty="0">
+                <a:solidFill>
+                  <a:schemeClr val="tx1"/>
+                </a:solidFill>
+                <a:effectLst/>
+                <a:latin typeface="+mn-lt"/>
+                <a:ea typeface="+mn-ea"/>
+                <a:cs typeface="+mn-cs"/>
+              </a:rPr>
+              <a:t> library as a wrapper for accessing Yahoo Finance. More details can be found at </a:t>
+            </a:r>
+            <a:r>
+              <a:rPr lang="en-US" sz="1200" u="sng" kern="1200" dirty="0">
+                <a:solidFill>
+                  <a:schemeClr val="tx1"/>
+                </a:solidFill>
+                <a:effectLst/>
+                <a:latin typeface="+mn-lt"/>
+                <a:ea typeface="+mn-ea"/>
+                <a:cs typeface="+mn-cs"/>
+                <a:hlinkClick r:id="rId3"/>
+              </a:rPr>
+              <a:t>https://pypi.org/project/yfinance/</a:t>
+            </a:r>
+            <a:r>
+              <a:rPr lang="en-US" sz="1200" kern="1200" dirty="0">
+                <a:solidFill>
+                  <a:schemeClr val="tx1"/>
+                </a:solidFill>
+                <a:effectLst/>
+                <a:latin typeface="+mn-lt"/>
+                <a:ea typeface="+mn-ea"/>
+                <a:cs typeface="+mn-cs"/>
+              </a:rPr>
+              <a:t>. </a:t>
+            </a:r>
+          </a:p>
+          <a:p>
+            <a:endParaRPr lang="en-US" dirty="0"/>
+          </a:p>
+          <a:p>
+            <a:pPr marL="0" marR="0" lvl="0" indent="0" algn="l" defTabSz="914400" rtl="0" eaLnBrk="1" fontAlgn="auto" latinLnBrk="0" hangingPunct="1">
+              <a:lnSpc>
+                <a:spcPct val="100000"/>
+              </a:lnSpc>
+              <a:spcBef>
+                <a:spcPts val="0"/>
+              </a:spcBef>
+              <a:spcAft>
+                <a:spcPts val="0"/>
+              </a:spcAft>
+              <a:buClrTx/>
+              <a:buSzTx/>
+              <a:buFontTx/>
+              <a:buNone/>
+              <a:tabLst/>
+              <a:defRPr/>
+            </a:pPr>
+            <a:r>
+              <a:rPr lang="en-US" sz="1200" kern="1200" dirty="0">
+                <a:solidFill>
+                  <a:schemeClr val="tx1"/>
+                </a:solidFill>
+                <a:effectLst/>
+                <a:latin typeface="+mn-lt"/>
+                <a:ea typeface="+mn-ea"/>
+                <a:cs typeface="+mn-cs"/>
+              </a:rPr>
+              <a:t>The list of tickers was derived from Renaissance Technologies’ F-13 Filing. This is a quarterly filing that is open to the public and documents all the stocks owned by Renaissance Technologies. All large players have to file this to the SEC and are publicly accessible through the Edgar database.</a:t>
+            </a:r>
+          </a:p>
+          <a:p>
+            <a:endParaRPr lang="en-US" dirty="0"/>
+          </a:p>
+          <a:p>
+            <a:pPr marL="0" marR="0" lvl="0" indent="0" algn="l" defTabSz="914400" rtl="0" eaLnBrk="1" fontAlgn="auto" latinLnBrk="0" hangingPunct="1">
+              <a:lnSpc>
+                <a:spcPct val="100000"/>
+              </a:lnSpc>
+              <a:spcBef>
+                <a:spcPts val="0"/>
+              </a:spcBef>
+              <a:spcAft>
+                <a:spcPts val="0"/>
+              </a:spcAft>
+              <a:buClrTx/>
+              <a:buSzTx/>
+              <a:buFontTx/>
+              <a:buNone/>
+              <a:tabLst/>
+              <a:defRPr/>
+            </a:pPr>
+            <a:r>
+              <a:rPr lang="en-US" sz="1200" kern="1200" dirty="0">
+                <a:solidFill>
+                  <a:schemeClr val="tx1"/>
+                </a:solidFill>
+                <a:effectLst/>
+                <a:latin typeface="+mn-lt"/>
+                <a:ea typeface="+mn-ea"/>
+                <a:cs typeface="+mn-cs"/>
+              </a:rPr>
+              <a:t>The F13 filings use CUSIP numbers instead of stock tickers. Yahoo Finance uses stock tickers instead of CUSIP numbers. As a result, I had to convert CUSIP numbers to stock tickers.  The following website (</a:t>
+            </a:r>
+            <a:r>
+              <a:rPr lang="en-US" sz="1200" u="sng" kern="1200" dirty="0">
+                <a:solidFill>
+                  <a:schemeClr val="tx1"/>
+                </a:solidFill>
+                <a:effectLst/>
+                <a:latin typeface="+mn-lt"/>
+                <a:ea typeface="+mn-ea"/>
+                <a:cs typeface="+mn-cs"/>
+                <a:hlinkClick r:id="rId4"/>
+              </a:rPr>
+              <a:t>https://quotes.fidelity.com/mmnet/SymLookup.phtml?QUOTE_TYPE=D</a:t>
+            </a:r>
+            <a:r>
+              <a:rPr lang="en-US" sz="1200" kern="1200" dirty="0">
+                <a:solidFill>
+                  <a:schemeClr val="tx1"/>
+                </a:solidFill>
+                <a:effectLst/>
+                <a:latin typeface="+mn-lt"/>
+                <a:ea typeface="+mn-ea"/>
+                <a:cs typeface="+mn-cs"/>
+              </a:rPr>
+              <a:t>)  can be used to convert CUSIP numbers to stock ticker symbols. To automate that, a web scraper has been developed.</a:t>
+            </a:r>
+          </a:p>
+          <a:p>
+            <a:endParaRPr lang="en-US" dirty="0"/>
+          </a:p>
+          <a:p>
+            <a:endParaRPr lang="en-US" dirty="0"/>
+          </a:p>
         </p:txBody>
       </p:sp>
       <p:sp>
@@ -8857,7 +9036,7 @@
           <a:p>
             <a:fld id="{0E262770-FD19-A84E-AF74-4CFB89940B3B}" type="datetimeFigureOut">
               <a:rPr lang="en-US" smtClean="0"/>
-              <a:t>3/2/20</a:t>
+              <a:t>3/3/20</a:t>
             </a:fld>
             <a:endParaRPr lang="en-US"/>
           </a:p>
@@ -9027,7 +9206,7 @@
           <a:p>
             <a:fld id="{0E262770-FD19-A84E-AF74-4CFB89940B3B}" type="datetimeFigureOut">
               <a:rPr lang="en-US" smtClean="0"/>
-              <a:t>3/2/20</a:t>
+              <a:t>3/3/20</a:t>
             </a:fld>
             <a:endParaRPr lang="en-US"/>
           </a:p>
@@ -9207,7 +9386,7 @@
           <a:p>
             <a:fld id="{0E262770-FD19-A84E-AF74-4CFB89940B3B}" type="datetimeFigureOut">
               <a:rPr lang="en-US" smtClean="0"/>
-              <a:t>3/2/20</a:t>
+              <a:t>3/3/20</a:t>
             </a:fld>
             <a:endParaRPr lang="en-US"/>
           </a:p>
@@ -9377,7 +9556,7 @@
           <a:p>
             <a:fld id="{0E262770-FD19-A84E-AF74-4CFB89940B3B}" type="datetimeFigureOut">
               <a:rPr lang="en-US" smtClean="0"/>
-              <a:t>3/2/20</a:t>
+              <a:t>3/3/20</a:t>
             </a:fld>
             <a:endParaRPr lang="en-US"/>
           </a:p>
@@ -9645,7 +9824,7 @@
           <a:p>
             <a:fld id="{0E262770-FD19-A84E-AF74-4CFB89940B3B}" type="datetimeFigureOut">
               <a:rPr lang="en-US" smtClean="0"/>
-              <a:t>3/2/20</a:t>
+              <a:t>3/3/20</a:t>
             </a:fld>
             <a:endParaRPr lang="en-US"/>
           </a:p>
@@ -9877,7 +10056,7 @@
           <a:p>
             <a:fld id="{0E262770-FD19-A84E-AF74-4CFB89940B3B}" type="datetimeFigureOut">
               <a:rPr lang="en-US" smtClean="0"/>
-              <a:t>3/2/20</a:t>
+              <a:t>3/3/20</a:t>
             </a:fld>
             <a:endParaRPr lang="en-US"/>
           </a:p>
@@ -10236,7 +10415,7 @@
           <a:p>
             <a:fld id="{0E262770-FD19-A84E-AF74-4CFB89940B3B}" type="datetimeFigureOut">
               <a:rPr lang="en-US" smtClean="0"/>
-              <a:t>3/2/20</a:t>
+              <a:t>3/3/20</a:t>
             </a:fld>
             <a:endParaRPr lang="en-US"/>
           </a:p>
@@ -10377,7 +10556,7 @@
           <a:p>
             <a:fld id="{0E262770-FD19-A84E-AF74-4CFB89940B3B}" type="datetimeFigureOut">
               <a:rPr lang="en-US" smtClean="0"/>
-              <a:t>3/2/20</a:t>
+              <a:t>3/3/20</a:t>
             </a:fld>
             <a:endParaRPr lang="en-US"/>
           </a:p>
@@ -10472,7 +10651,7 @@
           <a:p>
             <a:fld id="{0E262770-FD19-A84E-AF74-4CFB89940B3B}" type="datetimeFigureOut">
               <a:rPr lang="en-US" smtClean="0"/>
-              <a:t>3/2/20</a:t>
+              <a:t>3/3/20</a:t>
             </a:fld>
             <a:endParaRPr lang="en-US"/>
           </a:p>
@@ -10829,7 +11008,7 @@
           <a:p>
             <a:fld id="{0E262770-FD19-A84E-AF74-4CFB89940B3B}" type="datetimeFigureOut">
               <a:rPr lang="en-US" smtClean="0"/>
-              <a:t>3/2/20</a:t>
+              <a:t>3/3/20</a:t>
             </a:fld>
             <a:endParaRPr lang="en-US"/>
           </a:p>
@@ -11186,7 +11365,7 @@
           <a:p>
             <a:fld id="{0E262770-FD19-A84E-AF74-4CFB89940B3B}" type="datetimeFigureOut">
               <a:rPr lang="en-US" smtClean="0"/>
-              <a:t>3/2/20</a:t>
+              <a:t>3/3/20</a:t>
             </a:fld>
             <a:endParaRPr lang="en-US"/>
           </a:p>
@@ -11428,7 +11607,7 @@
           <a:p>
             <a:fld id="{0E262770-FD19-A84E-AF74-4CFB89940B3B}" type="datetimeFigureOut">
               <a:rPr lang="en-US" smtClean="0"/>
-              <a:t>3/2/20</a:t>
+              <a:t>3/3/20</a:t>
             </a:fld>
             <a:endParaRPr lang="en-US"/>
           </a:p>
@@ -12351,8 +12530,8 @@
         </p:blipFill>
         <p:spPr>
           <a:xfrm>
-            <a:off x="7981281" y="3628455"/>
-            <a:ext cx="3691311" cy="2765027"/>
+            <a:off x="8243011" y="4247549"/>
+            <a:ext cx="2875838" cy="2154185"/>
           </a:xfrm>
           <a:prstGeom prst="rect">
             <a:avLst/>
@@ -12381,8 +12560,8 @@
         </p:blipFill>
         <p:spPr>
           <a:xfrm>
-            <a:off x="7981281" y="905752"/>
-            <a:ext cx="4005751" cy="2243221"/>
+            <a:off x="3930384" y="4247549"/>
+            <a:ext cx="3846758" cy="2154185"/>
           </a:xfrm>
           <a:prstGeom prst="rect">
             <a:avLst/>
@@ -12411,8 +12590,8 @@
         </p:blipFill>
         <p:spPr>
           <a:xfrm>
-            <a:off x="4304976" y="3628455"/>
-            <a:ext cx="3112147" cy="2858813"/>
+            <a:off x="8194430" y="926241"/>
+            <a:ext cx="2924419" cy="2606648"/>
           </a:xfrm>
           <a:prstGeom prst="rect">
             <a:avLst/>
@@ -12683,7 +12862,7 @@
             <p:ph idx="1"/>
             <p:extLst>
               <p:ext uri="{D42A27DB-BD31-4B8C-83A1-F6EECF244321}">
-                <p14:modId xmlns:p14="http://schemas.microsoft.com/office/powerpoint/2010/main" val="4035266655"/>
+                <p14:modId xmlns:p14="http://schemas.microsoft.com/office/powerpoint/2010/main" val="3242778450"/>
               </p:ext>
             </p:extLst>
           </p:nvPr>
@@ -12746,7 +12925,7 @@
         </p:nvSpPr>
         <p:spPr>
           <a:xfrm>
-            <a:off x="838200" y="5600"/>
+            <a:off x="838200" y="76022"/>
             <a:ext cx="10515600" cy="728547"/>
           </a:xfrm>
         </p:spPr>
@@ -14974,7 +15153,7 @@
         </p:nvSpPr>
         <p:spPr>
           <a:xfrm>
-            <a:off x="799300" y="18256"/>
+            <a:off x="838200" y="55141"/>
             <a:ext cx="10515600" cy="728547"/>
           </a:xfrm>
         </p:spPr>
@@ -16868,7 +17047,7 @@
         </p:nvSpPr>
         <p:spPr>
           <a:xfrm>
-            <a:off x="465666" y="18256"/>
+            <a:off x="465666" y="78588"/>
             <a:ext cx="10515600" cy="728547"/>
           </a:xfrm>
         </p:spPr>
